--- a/Chap/DB/Presentations/DBandVS.pptx
+++ b/Chap/DB/Presentations/DBandVS.pptx
@@ -19,49 +19,47 @@
     <p:sldId id="403" r:id="rId13"/>
     <p:sldId id="404" r:id="rId14"/>
     <p:sldId id="405" r:id="rId15"/>
-    <p:sldId id="406" r:id="rId16"/>
-    <p:sldId id="407" r:id="rId17"/>
-    <p:sldId id="408" r:id="rId18"/>
-    <p:sldId id="409" r:id="rId19"/>
-    <p:sldId id="410" r:id="rId20"/>
-    <p:sldId id="411" r:id="rId21"/>
-    <p:sldId id="412" r:id="rId22"/>
-    <p:sldId id="413" r:id="rId23"/>
-    <p:sldId id="452" r:id="rId24"/>
-    <p:sldId id="453" r:id="rId25"/>
-    <p:sldId id="414" r:id="rId26"/>
-    <p:sldId id="415" r:id="rId27"/>
-    <p:sldId id="416" r:id="rId28"/>
-    <p:sldId id="417" r:id="rId29"/>
-    <p:sldId id="418" r:id="rId30"/>
-    <p:sldId id="419" r:id="rId31"/>
-    <p:sldId id="420" r:id="rId32"/>
-    <p:sldId id="421" r:id="rId33"/>
-    <p:sldId id="423" r:id="rId34"/>
-    <p:sldId id="424" r:id="rId35"/>
-    <p:sldId id="425" r:id="rId36"/>
-    <p:sldId id="426" r:id="rId37"/>
-    <p:sldId id="427" r:id="rId38"/>
-    <p:sldId id="428" r:id="rId39"/>
-    <p:sldId id="429" r:id="rId40"/>
-    <p:sldId id="430" r:id="rId41"/>
-    <p:sldId id="431" r:id="rId42"/>
-    <p:sldId id="432" r:id="rId43"/>
-    <p:sldId id="433" r:id="rId44"/>
-    <p:sldId id="434" r:id="rId45"/>
-    <p:sldId id="436" r:id="rId46"/>
-    <p:sldId id="437" r:id="rId47"/>
-    <p:sldId id="438" r:id="rId48"/>
-    <p:sldId id="439" r:id="rId49"/>
-    <p:sldId id="440" r:id="rId50"/>
-    <p:sldId id="441" r:id="rId51"/>
-    <p:sldId id="442" r:id="rId52"/>
-    <p:sldId id="443" r:id="rId53"/>
-    <p:sldId id="447" r:id="rId54"/>
-    <p:sldId id="448" r:id="rId55"/>
-    <p:sldId id="449" r:id="rId56"/>
-    <p:sldId id="450" r:id="rId57"/>
-    <p:sldId id="451" r:id="rId58"/>
+    <p:sldId id="407" r:id="rId16"/>
+    <p:sldId id="408" r:id="rId17"/>
+    <p:sldId id="409" r:id="rId18"/>
+    <p:sldId id="410" r:id="rId19"/>
+    <p:sldId id="411" r:id="rId20"/>
+    <p:sldId id="412" r:id="rId21"/>
+    <p:sldId id="413" r:id="rId22"/>
+    <p:sldId id="452" r:id="rId23"/>
+    <p:sldId id="453" r:id="rId24"/>
+    <p:sldId id="414" r:id="rId25"/>
+    <p:sldId id="415" r:id="rId26"/>
+    <p:sldId id="416" r:id="rId27"/>
+    <p:sldId id="417" r:id="rId28"/>
+    <p:sldId id="418" r:id="rId29"/>
+    <p:sldId id="419" r:id="rId30"/>
+    <p:sldId id="420" r:id="rId31"/>
+    <p:sldId id="421" r:id="rId32"/>
+    <p:sldId id="423" r:id="rId33"/>
+    <p:sldId id="424" r:id="rId34"/>
+    <p:sldId id="425" r:id="rId35"/>
+    <p:sldId id="426" r:id="rId36"/>
+    <p:sldId id="427" r:id="rId37"/>
+    <p:sldId id="428" r:id="rId38"/>
+    <p:sldId id="429" r:id="rId39"/>
+    <p:sldId id="430" r:id="rId40"/>
+    <p:sldId id="431" r:id="rId41"/>
+    <p:sldId id="432" r:id="rId42"/>
+    <p:sldId id="433" r:id="rId43"/>
+    <p:sldId id="434" r:id="rId44"/>
+    <p:sldId id="436" r:id="rId45"/>
+    <p:sldId id="437" r:id="rId46"/>
+    <p:sldId id="438" r:id="rId47"/>
+    <p:sldId id="439" r:id="rId48"/>
+    <p:sldId id="440" r:id="rId49"/>
+    <p:sldId id="441" r:id="rId50"/>
+    <p:sldId id="442" r:id="rId51"/>
+    <p:sldId id="443" r:id="rId52"/>
+    <p:sldId id="447" r:id="rId53"/>
+    <p:sldId id="448" r:id="rId54"/>
+    <p:sldId id="450" r:id="rId55"/>
+    <p:sldId id="451" r:id="rId56"/>
   </p:sldIdLst>
   <p:sldSz cx="12192000" cy="6858000"/>
   <p:notesSz cx="6858000" cy="9144000"/>
@@ -299,7 +297,7 @@
           <a:p>
             <a:fld id="{E15B7D8E-2A20-4C0E-991C-872DBB7459A8}" type="datetimeFigureOut">
               <a:rPr lang="da-DK" smtClean="0"/>
-              <a:t>22-09-2018</a:t>
+              <a:t>29-09-2018</a:t>
             </a:fld>
             <a:endParaRPr lang="da-DK"/>
           </a:p>
@@ -469,7 +467,7 @@
           <a:p>
             <a:fld id="{E15B7D8E-2A20-4C0E-991C-872DBB7459A8}" type="datetimeFigureOut">
               <a:rPr lang="da-DK" smtClean="0"/>
-              <a:t>22-09-2018</a:t>
+              <a:t>29-09-2018</a:t>
             </a:fld>
             <a:endParaRPr lang="da-DK"/>
           </a:p>
@@ -649,7 +647,7 @@
           <a:p>
             <a:fld id="{E15B7D8E-2A20-4C0E-991C-872DBB7459A8}" type="datetimeFigureOut">
               <a:rPr lang="da-DK" smtClean="0"/>
-              <a:t>22-09-2018</a:t>
+              <a:t>29-09-2018</a:t>
             </a:fld>
             <a:endParaRPr lang="da-DK"/>
           </a:p>
@@ -819,7 +817,7 @@
           <a:p>
             <a:fld id="{E15B7D8E-2A20-4C0E-991C-872DBB7459A8}" type="datetimeFigureOut">
               <a:rPr lang="da-DK" smtClean="0"/>
-              <a:t>22-09-2018</a:t>
+              <a:t>29-09-2018</a:t>
             </a:fld>
             <a:endParaRPr lang="da-DK"/>
           </a:p>
@@ -1065,7 +1063,7 @@
           <a:p>
             <a:fld id="{E15B7D8E-2A20-4C0E-991C-872DBB7459A8}" type="datetimeFigureOut">
               <a:rPr lang="da-DK" smtClean="0"/>
-              <a:t>22-09-2018</a:t>
+              <a:t>29-09-2018</a:t>
             </a:fld>
             <a:endParaRPr lang="da-DK"/>
           </a:p>
@@ -1297,7 +1295,7 @@
           <a:p>
             <a:fld id="{E15B7D8E-2A20-4C0E-991C-872DBB7459A8}" type="datetimeFigureOut">
               <a:rPr lang="da-DK" smtClean="0"/>
-              <a:t>22-09-2018</a:t>
+              <a:t>29-09-2018</a:t>
             </a:fld>
             <a:endParaRPr lang="da-DK"/>
           </a:p>
@@ -1664,7 +1662,7 @@
           <a:p>
             <a:fld id="{E15B7D8E-2A20-4C0E-991C-872DBB7459A8}" type="datetimeFigureOut">
               <a:rPr lang="da-DK" smtClean="0"/>
-              <a:t>22-09-2018</a:t>
+              <a:t>29-09-2018</a:t>
             </a:fld>
             <a:endParaRPr lang="da-DK"/>
           </a:p>
@@ -1782,7 +1780,7 @@
           <a:p>
             <a:fld id="{E15B7D8E-2A20-4C0E-991C-872DBB7459A8}" type="datetimeFigureOut">
               <a:rPr lang="da-DK" smtClean="0"/>
-              <a:t>22-09-2018</a:t>
+              <a:t>29-09-2018</a:t>
             </a:fld>
             <a:endParaRPr lang="da-DK"/>
           </a:p>
@@ -1877,7 +1875,7 @@
           <a:p>
             <a:fld id="{E15B7D8E-2A20-4C0E-991C-872DBB7459A8}" type="datetimeFigureOut">
               <a:rPr lang="da-DK" smtClean="0"/>
-              <a:t>22-09-2018</a:t>
+              <a:t>29-09-2018</a:t>
             </a:fld>
             <a:endParaRPr lang="da-DK"/>
           </a:p>
@@ -2154,7 +2152,7 @@
           <a:p>
             <a:fld id="{E15B7D8E-2A20-4C0E-991C-872DBB7459A8}" type="datetimeFigureOut">
               <a:rPr lang="da-DK" smtClean="0"/>
-              <a:t>22-09-2018</a:t>
+              <a:t>29-09-2018</a:t>
             </a:fld>
             <a:endParaRPr lang="da-DK"/>
           </a:p>
@@ -2407,7 +2405,7 @@
           <a:p>
             <a:fld id="{E15B7D8E-2A20-4C0E-991C-872DBB7459A8}" type="datetimeFigureOut">
               <a:rPr lang="da-DK" smtClean="0"/>
-              <a:t>22-09-2018</a:t>
+              <a:t>29-09-2018</a:t>
             </a:fld>
             <a:endParaRPr lang="da-DK"/>
           </a:p>
@@ -2620,7 +2618,7 @@
           <a:p>
             <a:fld id="{E15B7D8E-2A20-4C0E-991C-872DBB7459A8}" type="datetimeFigureOut">
               <a:rPr lang="da-DK" smtClean="0"/>
-              <a:t>22-09-2018</a:t>
+              <a:t>29-09-2018</a:t>
             </a:fld>
             <a:endParaRPr lang="da-DK"/>
           </a:p>
@@ -3063,11 +3061,7 @@
             </a:br>
             <a:r>
               <a:rPr lang="da-DK" smtClean="0"/>
-              <a:t>and Visual </a:t>
-            </a:r>
-            <a:r>
-              <a:rPr lang="da-DK" smtClean="0"/>
-              <a:t>Studio</a:t>
+              <a:t>and Visual Studio</a:t>
             </a:r>
             <a:endParaRPr lang="da-DK" sz="9600"/>
           </a:p>
@@ -3770,13 +3764,13 @@
   <p:clrMapOvr>
     <a:masterClrMapping/>
   </p:clrMapOvr>
-  <mc:AlternateContent xmlns:mc="http://schemas.openxmlformats.org/markup-compatibility/2006">
-    <mc:Choice xmlns:p14="http://schemas.microsoft.com/office/powerpoint/2010/main" Requires="p14">
+  <mc:AlternateContent xmlns:mc="http://schemas.openxmlformats.org/markup-compatibility/2006" xmlns:p14="http://schemas.microsoft.com/office/powerpoint/2010/main">
+    <mc:Choice Requires="p14">
       <p:transition spd="med" p14:dur="700">
         <p:fade/>
       </p:transition>
     </mc:Choice>
-    <mc:Fallback>
+    <mc:Fallback xmlns="">
       <p:transition spd="med">
         <p:fade/>
       </p:transition>
@@ -3785,88 +3779,9 @@
   <p:timing>
     <p:tnLst>
       <p:par>
-        <p:cTn id="1" dur="indefinite" restart="never" nodeType="tmRoot">
-          <p:childTnLst>
-            <p:seq concurrent="1" nextAc="seek">
-              <p:cTn id="2" dur="indefinite" nodeType="mainSeq">
-                <p:childTnLst>
-                  <p:par>
-                    <p:cTn id="3" fill="hold">
-                      <p:stCondLst>
-                        <p:cond delay="indefinite"/>
-                      </p:stCondLst>
-                      <p:childTnLst>
-                        <p:par>
-                          <p:cTn id="4" fill="hold">
-                            <p:stCondLst>
-                              <p:cond delay="0"/>
-                            </p:stCondLst>
-                            <p:childTnLst>
-                              <p:par>
-                                <p:cTn id="5" presetID="10" presetClass="entr" presetSubtype="0" fill="hold" grpId="0" nodeType="clickEffect">
-                                  <p:stCondLst>
-                                    <p:cond delay="0"/>
-                                  </p:stCondLst>
-                                  <p:childTnLst>
-                                    <p:set>
-                                      <p:cBhvr>
-                                        <p:cTn id="6" dur="1" fill="hold">
-                                          <p:stCondLst>
-                                            <p:cond delay="0"/>
-                                          </p:stCondLst>
-                                        </p:cTn>
-                                        <p:tgtEl>
-                                          <p:spTgt spid="4"/>
-                                        </p:tgtEl>
-                                        <p:attrNameLst>
-                                          <p:attrName>style.visibility</p:attrName>
-                                        </p:attrNameLst>
-                                      </p:cBhvr>
-                                      <p:to>
-                                        <p:strVal val="visible"/>
-                                      </p:to>
-                                    </p:set>
-                                    <p:animEffect transition="in" filter="fade">
-                                      <p:cBhvr>
-                                        <p:cTn id="7" dur="500"/>
-                                        <p:tgtEl>
-                                          <p:spTgt spid="4"/>
-                                        </p:tgtEl>
-                                      </p:cBhvr>
-                                    </p:animEffect>
-                                  </p:childTnLst>
-                                </p:cTn>
-                              </p:par>
-                            </p:childTnLst>
-                          </p:cTn>
-                        </p:par>
-                      </p:childTnLst>
-                    </p:cTn>
-                  </p:par>
-                </p:childTnLst>
-              </p:cTn>
-              <p:prevCondLst>
-                <p:cond evt="onPrev" delay="0">
-                  <p:tgtEl>
-                    <p:sldTgt/>
-                  </p:tgtEl>
-                </p:cond>
-              </p:prevCondLst>
-              <p:nextCondLst>
-                <p:cond evt="onNext" delay="0">
-                  <p:tgtEl>
-                    <p:sldTgt/>
-                  </p:tgtEl>
-                </p:cond>
-              </p:nextCondLst>
-            </p:seq>
-          </p:childTnLst>
-        </p:cTn>
+        <p:cTn id="1" dur="indefinite" restart="never" nodeType="tmRoot"/>
       </p:par>
     </p:tnLst>
-    <p:bldLst>
-      <p:bldP spid="4" grpId="0" animBg="1"/>
-    </p:bldLst>
   </p:timing>
 </p:sld>
 </file>
@@ -3904,8 +3819,8 @@
         </p:blipFill>
         <p:spPr>
           <a:xfrm>
-            <a:off x="800100" y="352425"/>
-            <a:ext cx="10591800" cy="6153150"/>
+            <a:off x="877329" y="444069"/>
+            <a:ext cx="10523838" cy="5919659"/>
           </a:xfrm>
           <a:prstGeom prst="rect">
             <a:avLst/>
@@ -3914,19 +3829,19 @@
       </p:pic>
       <p:sp>
         <p:nvSpPr>
-          <p:cNvPr id="4" name="Rektangulær billedforklaring 3"/>
+          <p:cNvPr id="5" name="Rektangulær billedforklaring 4"/>
           <p:cNvSpPr/>
           <p:nvPr/>
         </p:nvSpPr>
         <p:spPr>
           <a:xfrm>
-            <a:off x="3422983" y="3711746"/>
-            <a:ext cx="3465096" cy="1142998"/>
+            <a:off x="8180171" y="5042695"/>
+            <a:ext cx="2448428" cy="1161048"/>
           </a:xfrm>
           <a:prstGeom prst="wedgeRectCallout">
             <a:avLst>
-              <a:gd name="adj1" fmla="val -78275"/>
-              <a:gd name="adj2" fmla="val -124202"/>
+              <a:gd name="adj1" fmla="val -88422"/>
+              <a:gd name="adj2" fmla="val -80988"/>
             </a:avLst>
           </a:prstGeom>
         </p:spPr>
@@ -3952,7 +3867,7 @@
           <a:p>
             <a:r>
               <a:rPr lang="da-DK" sz="2400" smtClean="0"/>
-              <a:t>Example: Script included in exercise project, as a simple text file</a:t>
+              <a:t>Copy content from text file into Query window</a:t>
             </a:r>
             <a:endParaRPr lang="da-DK" sz="2400" b="1"/>
           </a:p>
@@ -3960,16 +3875,16 @@
       </p:sp>
       <p:sp>
         <p:nvSpPr>
-          <p:cNvPr id="5" name="Ellipse 4"/>
+          <p:cNvPr id="8" name="Afrundet rektangel 7"/>
           <p:cNvSpPr/>
           <p:nvPr/>
         </p:nvSpPr>
         <p:spPr>
           <a:xfrm>
-            <a:off x="1046747" y="2604837"/>
-            <a:ext cx="1744579" cy="415089"/>
-          </a:xfrm>
-          <a:prstGeom prst="ellipse">
+            <a:off x="781399" y="994980"/>
+            <a:ext cx="1368675" cy="512543"/>
+          </a:xfrm>
+          <a:prstGeom prst="roundRect">
             <a:avLst/>
           </a:prstGeom>
           <a:noFill/>
@@ -4007,13 +3922,25 @@
     </p:spTree>
     <p:extLst>
       <p:ext uri="{BB962C8B-B14F-4D97-AF65-F5344CB8AC3E}">
-        <p14:creationId xmlns:p14="http://schemas.microsoft.com/office/powerpoint/2010/main" val="1342711033"/>
+        <p14:creationId xmlns:p14="http://schemas.microsoft.com/office/powerpoint/2010/main" val="3033803248"/>
       </p:ext>
     </p:extLst>
   </p:cSld>
   <p:clrMapOvr>
     <a:masterClrMapping/>
   </p:clrMapOvr>
+  <mc:AlternateContent xmlns:mc="http://schemas.openxmlformats.org/markup-compatibility/2006" xmlns:p14="http://schemas.microsoft.com/office/powerpoint/2010/main">
+    <mc:Choice Requires="p14">
+      <p:transition spd="med" p14:dur="700">
+        <p:fade/>
+      </p:transition>
+    </mc:Choice>
+    <mc:Fallback xmlns="">
+      <p:transition spd="med">
+        <p:fade/>
+      </p:transition>
+    </mc:Fallback>
+  </mc:AlternateContent>
   <p:timing>
     <p:tnLst>
       <p:par>
@@ -4026,6 +3953,9 @@
                     <p:cTn id="3" fill="hold">
                       <p:stCondLst>
                         <p:cond delay="indefinite"/>
+                        <p:cond evt="onBegin" delay="0">
+                          <p:tn val="2"/>
+                        </p:cond>
                       </p:stCondLst>
                       <p:childTnLst>
                         <p:par>
@@ -4035,7 +3965,7 @@
                             </p:stCondLst>
                             <p:childTnLst>
                               <p:par>
-                                <p:cTn id="5" presetID="10" presetClass="entr" presetSubtype="0" fill="hold" grpId="0" nodeType="clickEffect">
+                                <p:cTn id="5" presetID="10" presetClass="entr" presetSubtype="0" fill="hold" grpId="0" nodeType="withEffect">
                                   <p:stCondLst>
                                     <p:cond delay="0"/>
                                   </p:stCondLst>
@@ -4083,7 +4013,7 @@
                                           </p:stCondLst>
                                         </p:cTn>
                                         <p:tgtEl>
-                                          <p:spTgt spid="4"/>
+                                          <p:spTgt spid="8"/>
                                         </p:tgtEl>
                                         <p:attrNameLst>
                                           <p:attrName>style.visibility</p:attrName>
@@ -4097,287 +4027,7 @@
                                       <p:cBhvr>
                                         <p:cTn id="10" dur="500"/>
                                         <p:tgtEl>
-                                          <p:spTgt spid="4"/>
-                                        </p:tgtEl>
-                                      </p:cBhvr>
-                                    </p:animEffect>
-                                  </p:childTnLst>
-                                </p:cTn>
-                              </p:par>
-                            </p:childTnLst>
-                          </p:cTn>
-                        </p:par>
-                      </p:childTnLst>
-                    </p:cTn>
-                  </p:par>
-                </p:childTnLst>
-              </p:cTn>
-              <p:prevCondLst>
-                <p:cond evt="onPrev" delay="0">
-                  <p:tgtEl>
-                    <p:sldTgt/>
-                  </p:tgtEl>
-                </p:cond>
-              </p:prevCondLst>
-              <p:nextCondLst>
-                <p:cond evt="onNext" delay="0">
-                  <p:tgtEl>
-                    <p:sldTgt/>
-                  </p:tgtEl>
-                </p:cond>
-              </p:nextCondLst>
-            </p:seq>
-          </p:childTnLst>
-        </p:cTn>
-      </p:par>
-    </p:tnLst>
-    <p:bldLst>
-      <p:bldP spid="4" grpId="0" animBg="1"/>
-      <p:bldP spid="5" grpId="0" animBg="1"/>
-    </p:bldLst>
-  </p:timing>
-</p:sld>
-</file>
-
-<file path=ppt/slides/slide16.xml><?xml version="1.0" encoding="utf-8"?>
-<p:sld xmlns:a="http://schemas.openxmlformats.org/drawingml/2006/main" xmlns:r="http://schemas.openxmlformats.org/officeDocument/2006/relationships" xmlns:p="http://schemas.openxmlformats.org/presentationml/2006/main">
-  <p:cSld>
-    <p:spTree>
-      <p:nvGrpSpPr>
-        <p:cNvPr id="1" name=""/>
-        <p:cNvGrpSpPr/>
-        <p:nvPr/>
-      </p:nvGrpSpPr>
-      <p:grpSpPr>
-        <a:xfrm>
-          <a:off x="0" y="0"/>
-          <a:ext cx="0" cy="0"/>
-          <a:chOff x="0" y="0"/>
-          <a:chExt cx="0" cy="0"/>
-        </a:xfrm>
-      </p:grpSpPr>
-      <p:pic>
-        <p:nvPicPr>
-          <p:cNvPr id="2" name="Billede 1"/>
-          <p:cNvPicPr>
-            <a:picLocks noChangeAspect="1"/>
-          </p:cNvPicPr>
-          <p:nvPr/>
-        </p:nvPicPr>
-        <p:blipFill>
-          <a:blip r:embed="rId2"/>
-          <a:stretch>
-            <a:fillRect/>
-          </a:stretch>
-        </p:blipFill>
-        <p:spPr>
-          <a:xfrm>
-            <a:off x="800100" y="352425"/>
-            <a:ext cx="10591800" cy="6153150"/>
-          </a:xfrm>
-          <a:prstGeom prst="rect">
-            <a:avLst/>
-          </a:prstGeom>
-        </p:spPr>
-      </p:pic>
-      <p:sp>
-        <p:nvSpPr>
-          <p:cNvPr id="5" name="Rektangulær billedforklaring 4"/>
-          <p:cNvSpPr/>
-          <p:nvPr/>
-        </p:nvSpPr>
-        <p:spPr>
-          <a:xfrm>
-            <a:off x="457198" y="3844089"/>
-            <a:ext cx="2448428" cy="1161048"/>
-          </a:xfrm>
-          <a:prstGeom prst="wedgeRectCallout">
-            <a:avLst>
-              <a:gd name="adj1" fmla="val 54403"/>
-              <a:gd name="adj2" fmla="val -128881"/>
-            </a:avLst>
-          </a:prstGeom>
-        </p:spPr>
-        <p:style>
-          <a:lnRef idx="2">
-            <a:schemeClr val="accent1">
-              <a:shade val="50000"/>
-            </a:schemeClr>
-          </a:lnRef>
-          <a:fillRef idx="1">
-            <a:schemeClr val="accent1"/>
-          </a:fillRef>
-          <a:effectRef idx="0">
-            <a:schemeClr val="accent1"/>
-          </a:effectRef>
-          <a:fontRef idx="minor">
-            <a:schemeClr val="lt1"/>
-          </a:fontRef>
-        </p:style>
-        <p:txBody>
-          <a:bodyPr rtlCol="0" anchor="ctr"/>
-          <a:lstStyle/>
-          <a:p>
-            <a:r>
-              <a:rPr lang="da-DK" sz="2400" smtClean="0"/>
-              <a:t>Copy content from text file into Query window</a:t>
-            </a:r>
-            <a:endParaRPr lang="da-DK" sz="2400" b="1"/>
-          </a:p>
-        </p:txBody>
-      </p:sp>
-      <p:sp>
-        <p:nvSpPr>
-          <p:cNvPr id="6" name="Ellipse 5"/>
-          <p:cNvSpPr/>
-          <p:nvPr/>
-        </p:nvSpPr>
-        <p:spPr>
-          <a:xfrm>
-            <a:off x="2532647" y="1064795"/>
-            <a:ext cx="1744579" cy="415089"/>
-          </a:xfrm>
-          <a:prstGeom prst="ellipse">
-            <a:avLst/>
-          </a:prstGeom>
-          <a:noFill/>
-          <a:ln w="76200">
-            <a:solidFill>
-              <a:srgbClr val="FF0000"/>
-            </a:solidFill>
-          </a:ln>
-        </p:spPr>
-        <p:style>
-          <a:lnRef idx="2">
-            <a:schemeClr val="accent1">
-              <a:shade val="50000"/>
-            </a:schemeClr>
-          </a:lnRef>
-          <a:fillRef idx="1">
-            <a:schemeClr val="accent1"/>
-          </a:fillRef>
-          <a:effectRef idx="0">
-            <a:schemeClr val="accent1"/>
-          </a:effectRef>
-          <a:fontRef idx="minor">
-            <a:schemeClr val="lt1"/>
-          </a:fontRef>
-        </p:style>
-        <p:txBody>
-          <a:bodyPr rtlCol="0" anchor="ctr"/>
-          <a:lstStyle/>
-          <a:p>
-            <a:pPr algn="ctr"/>
-            <a:endParaRPr lang="da-DK"/>
-          </a:p>
-        </p:txBody>
-      </p:sp>
-    </p:spTree>
-    <p:extLst>
-      <p:ext uri="{BB962C8B-B14F-4D97-AF65-F5344CB8AC3E}">
-        <p14:creationId xmlns:p14="http://schemas.microsoft.com/office/powerpoint/2010/main" val="3033803248"/>
-      </p:ext>
-    </p:extLst>
-  </p:cSld>
-  <p:clrMapOvr>
-    <a:masterClrMapping/>
-  </p:clrMapOvr>
-  <mc:AlternateContent xmlns:mc="http://schemas.openxmlformats.org/markup-compatibility/2006">
-    <mc:Choice xmlns:p14="http://schemas.microsoft.com/office/powerpoint/2010/main" Requires="p14">
-      <p:transition spd="med" p14:dur="700">
-        <p:fade/>
-      </p:transition>
-    </mc:Choice>
-    <mc:Fallback>
-      <p:transition spd="med">
-        <p:fade/>
-      </p:transition>
-    </mc:Fallback>
-  </mc:AlternateContent>
-  <p:timing>
-    <p:tnLst>
-      <p:par>
-        <p:cTn id="1" dur="indefinite" restart="never" nodeType="tmRoot">
-          <p:childTnLst>
-            <p:seq concurrent="1" nextAc="seek">
-              <p:cTn id="2" dur="indefinite" nodeType="mainSeq">
-                <p:childTnLst>
-                  <p:par>
-                    <p:cTn id="3" fill="hold">
-                      <p:stCondLst>
-                        <p:cond delay="indefinite"/>
-                      </p:stCondLst>
-                      <p:childTnLst>
-                        <p:par>
-                          <p:cTn id="4" fill="hold">
-                            <p:stCondLst>
-                              <p:cond delay="0"/>
-                            </p:stCondLst>
-                            <p:childTnLst>
-                              <p:par>
-                                <p:cTn id="5" presetID="10" presetClass="entr" presetSubtype="0" fill="hold" grpId="0" nodeType="clickEffect">
-                                  <p:stCondLst>
-                                    <p:cond delay="0"/>
-                                  </p:stCondLst>
-                                  <p:childTnLst>
-                                    <p:set>
-                                      <p:cBhvr>
-                                        <p:cTn id="6" dur="1" fill="hold">
-                                          <p:stCondLst>
-                                            <p:cond delay="0"/>
-                                          </p:stCondLst>
-                                        </p:cTn>
-                                        <p:tgtEl>
-                                          <p:spTgt spid="6"/>
-                                        </p:tgtEl>
-                                        <p:attrNameLst>
-                                          <p:attrName>style.visibility</p:attrName>
-                                        </p:attrNameLst>
-                                      </p:cBhvr>
-                                      <p:to>
-                                        <p:strVal val="visible"/>
-                                      </p:to>
-                                    </p:set>
-                                    <p:animEffect transition="in" filter="fade">
-                                      <p:cBhvr>
-                                        <p:cTn id="7" dur="500"/>
-                                        <p:tgtEl>
-                                          <p:spTgt spid="6"/>
-                                        </p:tgtEl>
-                                      </p:cBhvr>
-                                    </p:animEffect>
-                                  </p:childTnLst>
-                                </p:cTn>
-                              </p:par>
-                              <p:par>
-                                <p:cTn id="8" presetID="10" presetClass="entr" presetSubtype="0" fill="hold" grpId="0" nodeType="withEffect">
-                                  <p:stCondLst>
-                                    <p:cond delay="0"/>
-                                  </p:stCondLst>
-                                  <p:childTnLst>
-                                    <p:set>
-                                      <p:cBhvr>
-                                        <p:cTn id="9" dur="1" fill="hold">
-                                          <p:stCondLst>
-                                            <p:cond delay="0"/>
-                                          </p:stCondLst>
-                                        </p:cTn>
-                                        <p:tgtEl>
-                                          <p:spTgt spid="5"/>
-                                        </p:tgtEl>
-                                        <p:attrNameLst>
-                                          <p:attrName>style.visibility</p:attrName>
-                                        </p:attrNameLst>
-                                      </p:cBhvr>
-                                      <p:to>
-                                        <p:strVal val="visible"/>
-                                      </p:to>
-                                    </p:set>
-                                    <p:animEffect transition="in" filter="fade">
-                                      <p:cBhvr>
-                                        <p:cTn id="10" dur="500"/>
-                                        <p:tgtEl>
-                                          <p:spTgt spid="5"/>
+                                          <p:spTgt spid="8"/>
                                         </p:tgtEl>
                                       </p:cBhvr>
                                     </p:animEffect>
@@ -4413,8 +4063,127 @@
     </p:tnLst>
     <p:bldLst>
       <p:bldP spid="5" grpId="0" animBg="1"/>
-      <p:bldP spid="6" grpId="0" animBg="1"/>
+      <p:bldP spid="8" grpId="0" animBg="1"/>
     </p:bldLst>
+  </p:timing>
+</p:sld>
+</file>
+
+<file path=ppt/slides/slide16.xml><?xml version="1.0" encoding="utf-8"?>
+<p:sld xmlns:a="http://schemas.openxmlformats.org/drawingml/2006/main" xmlns:r="http://schemas.openxmlformats.org/officeDocument/2006/relationships" xmlns:p="http://schemas.openxmlformats.org/presentationml/2006/main">
+  <p:cSld>
+    <p:spTree>
+      <p:nvGrpSpPr>
+        <p:cNvPr id="1" name=""/>
+        <p:cNvGrpSpPr/>
+        <p:nvPr/>
+      </p:nvGrpSpPr>
+      <p:grpSpPr>
+        <a:xfrm>
+          <a:off x="0" y="0"/>
+          <a:ext cx="0" cy="0"/>
+          <a:chOff x="0" y="0"/>
+          <a:chExt cx="0" cy="0"/>
+        </a:xfrm>
+      </p:grpSpPr>
+      <p:pic>
+        <p:nvPicPr>
+          <p:cNvPr id="5" name="Billede 4"/>
+          <p:cNvPicPr>
+            <a:picLocks noChangeAspect="1"/>
+          </p:cNvPicPr>
+          <p:nvPr/>
+        </p:nvPicPr>
+        <p:blipFill>
+          <a:blip r:embed="rId2"/>
+          <a:stretch>
+            <a:fillRect/>
+          </a:stretch>
+        </p:blipFill>
+        <p:spPr>
+          <a:xfrm>
+            <a:off x="877329" y="444069"/>
+            <a:ext cx="10523838" cy="5919659"/>
+          </a:xfrm>
+          <a:prstGeom prst="rect">
+            <a:avLst/>
+          </a:prstGeom>
+        </p:spPr>
+      </p:pic>
+      <p:sp>
+        <p:nvSpPr>
+          <p:cNvPr id="7" name="Afrundet rektangel 6"/>
+          <p:cNvSpPr/>
+          <p:nvPr/>
+        </p:nvSpPr>
+        <p:spPr>
+          <a:xfrm>
+            <a:off x="2029432" y="1019694"/>
+            <a:ext cx="1368675" cy="512543"/>
+          </a:xfrm>
+          <a:prstGeom prst="roundRect">
+            <a:avLst/>
+          </a:prstGeom>
+          <a:noFill/>
+          <a:ln w="76200">
+            <a:solidFill>
+              <a:srgbClr val="FF0000"/>
+            </a:solidFill>
+          </a:ln>
+        </p:spPr>
+        <p:style>
+          <a:lnRef idx="2">
+            <a:schemeClr val="accent1">
+              <a:shade val="50000"/>
+            </a:schemeClr>
+          </a:lnRef>
+          <a:fillRef idx="1">
+            <a:schemeClr val="accent1"/>
+          </a:fillRef>
+          <a:effectRef idx="0">
+            <a:schemeClr val="accent1"/>
+          </a:effectRef>
+          <a:fontRef idx="minor">
+            <a:schemeClr val="lt1"/>
+          </a:fontRef>
+        </p:style>
+        <p:txBody>
+          <a:bodyPr rtlCol="0" anchor="ctr"/>
+          <a:lstStyle/>
+          <a:p>
+            <a:pPr algn="ctr"/>
+            <a:endParaRPr lang="da-DK"/>
+          </a:p>
+        </p:txBody>
+      </p:sp>
+    </p:spTree>
+    <p:extLst>
+      <p:ext uri="{BB962C8B-B14F-4D97-AF65-F5344CB8AC3E}">
+        <p14:creationId xmlns:p14="http://schemas.microsoft.com/office/powerpoint/2010/main" val="773540729"/>
+      </p:ext>
+    </p:extLst>
+  </p:cSld>
+  <p:clrMapOvr>
+    <a:masterClrMapping/>
+  </p:clrMapOvr>
+  <mc:AlternateContent xmlns:mc="http://schemas.openxmlformats.org/markup-compatibility/2006" xmlns:p14="http://schemas.microsoft.com/office/powerpoint/2010/main">
+    <mc:Choice Requires="p14">
+      <p:transition spd="med" p14:dur="700">
+        <p:fade/>
+      </p:transition>
+    </mc:Choice>
+    <mc:Fallback xmlns="">
+      <p:transition spd="med">
+        <p:fade/>
+      </p:transition>
+    </mc:Fallback>
+  </mc:AlternateContent>
+  <p:timing>
+    <p:tnLst>
+      <p:par>
+        <p:cTn id="1" dur="indefinite" restart="never" nodeType="tmRoot"/>
+      </p:par>
+    </p:tnLst>
   </p:timing>
 </p:sld>
 </file>
@@ -4438,7 +4207,7 @@
       </p:grpSpPr>
       <p:pic>
         <p:nvPicPr>
-          <p:cNvPr id="3" name="Billede 2"/>
+          <p:cNvPr id="6" name="Billede 5"/>
           <p:cNvPicPr>
             <a:picLocks noChangeAspect="1"/>
           </p:cNvPicPr>
@@ -4452,8 +4221,8 @@
         </p:blipFill>
         <p:spPr>
           <a:xfrm>
-            <a:off x="800100" y="352425"/>
-            <a:ext cx="10591800" cy="6153150"/>
+            <a:off x="877329" y="444069"/>
+            <a:ext cx="10523838" cy="5919659"/>
           </a:xfrm>
           <a:prstGeom prst="rect">
             <a:avLst/>
@@ -4462,24 +4231,21 @@
       </p:pic>
       <p:sp>
         <p:nvSpPr>
-          <p:cNvPr id="6" name="Ellipse 5"/>
+          <p:cNvPr id="4" name="Rektangulær billedforklaring 3"/>
           <p:cNvSpPr/>
           <p:nvPr/>
         </p:nvSpPr>
         <p:spPr>
           <a:xfrm>
-            <a:off x="3856121" y="1040731"/>
-            <a:ext cx="1744579" cy="415089"/>
-          </a:xfrm>
-          <a:prstGeom prst="ellipse">
-            <a:avLst/>
+            <a:off x="1326072" y="1828800"/>
+            <a:ext cx="2448428" cy="1161048"/>
+          </a:xfrm>
+          <a:prstGeom prst="wedgeRectCallout">
+            <a:avLst>
+              <a:gd name="adj1" fmla="val -59655"/>
+              <a:gd name="adj2" fmla="val -82053"/>
+            </a:avLst>
           </a:prstGeom>
-          <a:noFill/>
-          <a:ln w="76200">
-            <a:solidFill>
-              <a:srgbClr val="FF0000"/>
-            </a:solidFill>
-          </a:ln>
         </p:spPr>
         <p:style>
           <a:lnRef idx="2">
@@ -4501,180 +4267,34 @@
           <a:bodyPr rtlCol="0" anchor="ctr"/>
           <a:lstStyle/>
           <a:p>
-            <a:pPr algn="ctr"/>
-            <a:endParaRPr lang="da-DK"/>
+            <a:r>
+              <a:rPr lang="da-DK" sz="2400" smtClean="0"/>
+              <a:t>Run script by clicking the small green triangle</a:t>
+            </a:r>
+            <a:endParaRPr lang="da-DK" sz="2400" b="1"/>
           </a:p>
         </p:txBody>
       </p:sp>
-    </p:spTree>
-    <p:extLst>
-      <p:ext uri="{BB962C8B-B14F-4D97-AF65-F5344CB8AC3E}">
-        <p14:creationId xmlns:p14="http://schemas.microsoft.com/office/powerpoint/2010/main" val="773540729"/>
-      </p:ext>
-    </p:extLst>
-  </p:cSld>
-  <p:clrMapOvr>
-    <a:masterClrMapping/>
-  </p:clrMapOvr>
-  <mc:AlternateContent xmlns:mc="http://schemas.openxmlformats.org/markup-compatibility/2006">
-    <mc:Choice xmlns:p14="http://schemas.microsoft.com/office/powerpoint/2010/main" Requires="p14">
-      <p:transition spd="med" p14:dur="700">
-        <p:fade/>
-      </p:transition>
-    </mc:Choice>
-    <mc:Fallback>
-      <p:transition spd="med">
-        <p:fade/>
-      </p:transition>
-    </mc:Fallback>
-  </mc:AlternateContent>
-  <p:timing>
-    <p:tnLst>
-      <p:par>
-        <p:cTn id="1" dur="indefinite" restart="never" nodeType="tmRoot">
-          <p:childTnLst>
-            <p:seq concurrent="1" nextAc="seek">
-              <p:cTn id="2" dur="indefinite" nodeType="mainSeq">
-                <p:childTnLst>
-                  <p:par>
-                    <p:cTn id="3" fill="hold">
-                      <p:stCondLst>
-                        <p:cond delay="indefinite"/>
-                      </p:stCondLst>
-                      <p:childTnLst>
-                        <p:par>
-                          <p:cTn id="4" fill="hold">
-                            <p:stCondLst>
-                              <p:cond delay="0"/>
-                            </p:stCondLst>
-                            <p:childTnLst>
-                              <p:par>
-                                <p:cTn id="5" presetID="10" presetClass="entr" presetSubtype="0" fill="hold" grpId="0" nodeType="clickEffect">
-                                  <p:stCondLst>
-                                    <p:cond delay="0"/>
-                                  </p:stCondLst>
-                                  <p:childTnLst>
-                                    <p:set>
-                                      <p:cBhvr>
-                                        <p:cTn id="6" dur="1" fill="hold">
-                                          <p:stCondLst>
-                                            <p:cond delay="0"/>
-                                          </p:stCondLst>
-                                        </p:cTn>
-                                        <p:tgtEl>
-                                          <p:spTgt spid="6"/>
-                                        </p:tgtEl>
-                                        <p:attrNameLst>
-                                          <p:attrName>style.visibility</p:attrName>
-                                        </p:attrNameLst>
-                                      </p:cBhvr>
-                                      <p:to>
-                                        <p:strVal val="visible"/>
-                                      </p:to>
-                                    </p:set>
-                                    <p:animEffect transition="in" filter="fade">
-                                      <p:cBhvr>
-                                        <p:cTn id="7" dur="500"/>
-                                        <p:tgtEl>
-                                          <p:spTgt spid="6"/>
-                                        </p:tgtEl>
-                                      </p:cBhvr>
-                                    </p:animEffect>
-                                  </p:childTnLst>
-                                </p:cTn>
-                              </p:par>
-                            </p:childTnLst>
-                          </p:cTn>
-                        </p:par>
-                      </p:childTnLst>
-                    </p:cTn>
-                  </p:par>
-                </p:childTnLst>
-              </p:cTn>
-              <p:prevCondLst>
-                <p:cond evt="onPrev" delay="0">
-                  <p:tgtEl>
-                    <p:sldTgt/>
-                  </p:tgtEl>
-                </p:cond>
-              </p:prevCondLst>
-              <p:nextCondLst>
-                <p:cond evt="onNext" delay="0">
-                  <p:tgtEl>
-                    <p:sldTgt/>
-                  </p:tgtEl>
-                </p:cond>
-              </p:nextCondLst>
-            </p:seq>
-          </p:childTnLst>
-        </p:cTn>
-      </p:par>
-    </p:tnLst>
-    <p:bldLst>
-      <p:bldP spid="6" grpId="0" animBg="1"/>
-    </p:bldLst>
-  </p:timing>
-</p:sld>
-</file>
-
-<file path=ppt/slides/slide18.xml><?xml version="1.0" encoding="utf-8"?>
-<p:sld xmlns:a="http://schemas.openxmlformats.org/drawingml/2006/main" xmlns:r="http://schemas.openxmlformats.org/officeDocument/2006/relationships" xmlns:p="http://schemas.openxmlformats.org/presentationml/2006/main">
-  <p:cSld>
-    <p:spTree>
-      <p:nvGrpSpPr>
-        <p:cNvPr id="1" name=""/>
-        <p:cNvGrpSpPr/>
-        <p:nvPr/>
-      </p:nvGrpSpPr>
-      <p:grpSpPr>
-        <a:xfrm>
-          <a:off x="0" y="0"/>
-          <a:ext cx="0" cy="0"/>
-          <a:chOff x="0" y="0"/>
-          <a:chExt cx="0" cy="0"/>
-        </a:xfrm>
-      </p:grpSpPr>
-      <p:pic>
-        <p:nvPicPr>
-          <p:cNvPr id="3" name="Billede 2"/>
-          <p:cNvPicPr>
-            <a:picLocks noChangeAspect="1"/>
-          </p:cNvPicPr>
-          <p:nvPr/>
-        </p:nvPicPr>
-        <p:blipFill>
-          <a:blip r:embed="rId2"/>
-          <a:stretch>
-            <a:fillRect/>
-          </a:stretch>
-        </p:blipFill>
-        <p:spPr>
-          <a:xfrm>
-            <a:off x="800100" y="352425"/>
-            <a:ext cx="10591800" cy="6153150"/>
-          </a:xfrm>
-          <a:prstGeom prst="rect">
-            <a:avLst/>
-          </a:prstGeom>
-        </p:spPr>
-      </p:pic>
       <p:sp>
         <p:nvSpPr>
-          <p:cNvPr id="4" name="Rektangulær billedforklaring 3"/>
+          <p:cNvPr id="5" name="Rektangulær billedforklaring 4"/>
           <p:cNvSpPr/>
           <p:nvPr/>
         </p:nvSpPr>
         <p:spPr>
           <a:xfrm>
-            <a:off x="312819" y="2454441"/>
-            <a:ext cx="2448428" cy="1161048"/>
+            <a:off x="5161275" y="1399944"/>
+            <a:ext cx="2765260" cy="515353"/>
           </a:xfrm>
           <a:prstGeom prst="wedgeRectCallout">
             <a:avLst>
-              <a:gd name="adj1" fmla="val 54403"/>
-              <a:gd name="adj2" fmla="val -128881"/>
+              <a:gd name="adj1" fmla="val -56138"/>
+              <a:gd name="adj2" fmla="val -118073"/>
             </a:avLst>
           </a:prstGeom>
+          <a:solidFill>
+            <a:srgbClr val="FF0000"/>
+          </a:solidFill>
         </p:spPr>
         <p:style>
           <a:lnRef idx="2">
@@ -4698,55 +4318,6 @@
           <a:p>
             <a:r>
               <a:rPr lang="da-DK" sz="2400" smtClean="0"/>
-              <a:t>Run script by clicking the small green triangle</a:t>
-            </a:r>
-            <a:endParaRPr lang="da-DK" sz="2400" b="1"/>
-          </a:p>
-        </p:txBody>
-      </p:sp>
-      <p:sp>
-        <p:nvSpPr>
-          <p:cNvPr id="5" name="Rektangulær billedforklaring 4"/>
-          <p:cNvSpPr/>
-          <p:nvPr/>
-        </p:nvSpPr>
-        <p:spPr>
-          <a:xfrm>
-            <a:off x="5704972" y="1313447"/>
-            <a:ext cx="2765260" cy="515353"/>
-          </a:xfrm>
-          <a:prstGeom prst="wedgeRectCallout">
-            <a:avLst>
-              <a:gd name="adj1" fmla="val -56138"/>
-              <a:gd name="adj2" fmla="val -118073"/>
-            </a:avLst>
-          </a:prstGeom>
-          <a:solidFill>
-            <a:srgbClr val="FF0000"/>
-          </a:solidFill>
-        </p:spPr>
-        <p:style>
-          <a:lnRef idx="2">
-            <a:schemeClr val="accent1">
-              <a:shade val="50000"/>
-            </a:schemeClr>
-          </a:lnRef>
-          <a:fillRef idx="1">
-            <a:schemeClr val="accent1"/>
-          </a:fillRef>
-          <a:effectRef idx="0">
-            <a:schemeClr val="accent1"/>
-          </a:effectRef>
-          <a:fontRef idx="minor">
-            <a:schemeClr val="lt1"/>
-          </a:fontRef>
-        </p:style>
-        <p:txBody>
-          <a:bodyPr rtlCol="0" anchor="ctr"/>
-          <a:lstStyle/>
-          <a:p>
-            <a:r>
-              <a:rPr lang="da-DK" sz="2400" smtClean="0"/>
               <a:t>NOT THIS ONE!!! </a:t>
             </a:r>
             <a:r>
@@ -4769,13 +4340,13 @@
   <p:clrMapOvr>
     <a:masterClrMapping/>
   </p:clrMapOvr>
-  <mc:AlternateContent xmlns:mc="http://schemas.openxmlformats.org/markup-compatibility/2006">
-    <mc:Choice xmlns:p14="http://schemas.microsoft.com/office/powerpoint/2010/main" Requires="p14">
+  <mc:AlternateContent xmlns:mc="http://schemas.openxmlformats.org/markup-compatibility/2006" xmlns:p14="http://schemas.microsoft.com/office/powerpoint/2010/main">
+    <mc:Choice Requires="p14">
       <p:transition spd="med" p14:dur="700">
         <p:fade/>
       </p:transition>
     </mc:Choice>
-    <mc:Fallback>
+    <mc:Fallback xmlns="">
       <p:transition spd="med">
         <p:fade/>
       </p:transition>
@@ -4924,7 +4495,7 @@
 </p:sld>
 </file>
 
-<file path=ppt/slides/slide19.xml><?xml version="1.0" encoding="utf-8"?>
+<file path=ppt/slides/slide18.xml><?xml version="1.0" encoding="utf-8"?>
 <p:sld xmlns:a="http://schemas.openxmlformats.org/drawingml/2006/main" xmlns:r="http://schemas.openxmlformats.org/officeDocument/2006/relationships" xmlns:p="http://schemas.openxmlformats.org/presentationml/2006/main">
   <p:cSld>
     <p:spTree>
@@ -4943,7 +4514,7 @@
       </p:grpSpPr>
       <p:pic>
         <p:nvPicPr>
-          <p:cNvPr id="2" name="Billede 1"/>
+          <p:cNvPr id="4" name="Billede 3"/>
           <p:cNvPicPr>
             <a:picLocks noChangeAspect="1"/>
           </p:cNvPicPr>
@@ -4957,8 +4528,8 @@
         </p:blipFill>
         <p:spPr>
           <a:xfrm>
-            <a:off x="800100" y="352425"/>
-            <a:ext cx="10591800" cy="6153150"/>
+            <a:off x="877329" y="444069"/>
+            <a:ext cx="10523838" cy="5919659"/>
           </a:xfrm>
           <a:prstGeom prst="rect">
             <a:avLst/>
@@ -4973,13 +4544,13 @@
         </p:nvSpPr>
         <p:spPr>
           <a:xfrm>
-            <a:off x="385011" y="4692314"/>
-            <a:ext cx="2755230" cy="1534027"/>
+            <a:off x="3993184" y="5112445"/>
+            <a:ext cx="2728892" cy="868226"/>
           </a:xfrm>
           <a:prstGeom prst="wedgeRectCallout">
             <a:avLst>
-              <a:gd name="adj1" fmla="val 52875"/>
-              <a:gd name="adj2" fmla="val -105744"/>
+              <a:gd name="adj1" fmla="val -68614"/>
+              <a:gd name="adj2" fmla="val -109642"/>
             </a:avLst>
           </a:prstGeom>
         </p:spPr>
@@ -5005,13 +4576,7 @@
           <a:p>
             <a:r>
               <a:rPr lang="da-DK" sz="2400" smtClean="0"/>
-              <a:t>Don’t panic if some errors are reported when running the script </a:t>
-            </a:r>
-            <a:r>
-              <a:rPr lang="da-DK" sz="2400" smtClean="0">
-                <a:sym typeface="Wingdings" panose="05000000000000000000" pitchFamily="2" charset="2"/>
-              </a:rPr>
-              <a:t></a:t>
+              <a:t>Result of executing query is shown here</a:t>
             </a:r>
             <a:endParaRPr lang="da-DK" sz="2400" b="1"/>
           </a:p>
@@ -5027,13 +4592,13 @@
   <p:clrMapOvr>
     <a:masterClrMapping/>
   </p:clrMapOvr>
-  <mc:AlternateContent xmlns:mc="http://schemas.openxmlformats.org/markup-compatibility/2006">
-    <mc:Choice xmlns:p14="http://schemas.microsoft.com/office/powerpoint/2010/main" Requires="p14">
+  <mc:AlternateContent xmlns:mc="http://schemas.openxmlformats.org/markup-compatibility/2006" xmlns:p14="http://schemas.microsoft.com/office/powerpoint/2010/main">
+    <mc:Choice Requires="p14">
       <p:transition spd="med" p14:dur="700">
         <p:fade/>
       </p:transition>
     </mc:Choice>
-    <mc:Fallback>
+    <mc:Fallback xmlns="">
       <p:transition spd="med">
         <p:fade/>
       </p:transition>
@@ -5128,128 +4693,7 @@
 </p:sld>
 </file>
 
-<file path=ppt/slides/slide2.xml><?xml version="1.0" encoding="utf-8"?>
-<p:sld xmlns:a="http://schemas.openxmlformats.org/drawingml/2006/main" xmlns:r="http://schemas.openxmlformats.org/officeDocument/2006/relationships" xmlns:p="http://schemas.openxmlformats.org/presentationml/2006/main">
-  <p:cSld>
-    <p:spTree>
-      <p:nvGrpSpPr>
-        <p:cNvPr id="1" name=""/>
-        <p:cNvGrpSpPr/>
-        <p:nvPr/>
-      </p:nvGrpSpPr>
-      <p:grpSpPr>
-        <a:xfrm>
-          <a:off x="0" y="0"/>
-          <a:ext cx="0" cy="0"/>
-          <a:chOff x="0" y="0"/>
-          <a:chExt cx="0" cy="0"/>
-        </a:xfrm>
-      </p:grpSpPr>
-      <p:sp>
-        <p:nvSpPr>
-          <p:cNvPr id="2" name="Titel 1"/>
-          <p:cNvSpPr>
-            <a:spLocks noGrp="1"/>
-          </p:cNvSpPr>
-          <p:nvPr>
-            <p:ph type="title"/>
-          </p:nvPr>
-        </p:nvSpPr>
-        <p:spPr/>
-        <p:txBody>
-          <a:bodyPr/>
-          <a:lstStyle/>
-          <a:p>
-            <a:r>
-              <a:rPr lang="da-DK" b="1" smtClean="0"/>
-              <a:t>Creating a database in Visual Studio</a:t>
-            </a:r>
-            <a:endParaRPr lang="da-DK" b="1"/>
-          </a:p>
-        </p:txBody>
-      </p:sp>
-      <p:sp>
-        <p:nvSpPr>
-          <p:cNvPr id="3" name="Pladsholder til indhold 2"/>
-          <p:cNvSpPr>
-            <a:spLocks noGrp="1"/>
-          </p:cNvSpPr>
-          <p:nvPr>
-            <p:ph idx="1"/>
-          </p:nvPr>
-        </p:nvSpPr>
-        <p:spPr>
-          <a:xfrm>
-            <a:off x="838199" y="1825625"/>
-            <a:ext cx="7295147" cy="4351338"/>
-          </a:xfrm>
-        </p:spPr>
-        <p:txBody>
-          <a:bodyPr/>
-          <a:lstStyle/>
-          <a:p>
-            <a:pPr lvl="0"/>
-            <a:r>
-              <a:rPr lang="da-DK" sz="3200" smtClean="0"/>
-              <a:t>We can use Visual Studio as a DBMS</a:t>
-            </a:r>
-          </a:p>
-          <a:p>
-            <a:pPr lvl="0"/>
-            <a:r>
-              <a:rPr lang="da-DK" sz="3200" smtClean="0"/>
-              <a:t>First steps:</a:t>
-            </a:r>
-          </a:p>
-          <a:p>
-            <a:pPr lvl="1"/>
-            <a:r>
-              <a:rPr lang="da-DK" sz="2800" smtClean="0"/>
-              <a:t>Create a </a:t>
-            </a:r>
-            <a:r>
-              <a:rPr lang="da-DK" sz="2800" b="1" smtClean="0"/>
-              <a:t>local</a:t>
-            </a:r>
-            <a:r>
-              <a:rPr lang="da-DK" sz="2800" smtClean="0"/>
-              <a:t> database (is physically located on your PC)</a:t>
-            </a:r>
-          </a:p>
-          <a:p>
-            <a:pPr lvl="1"/>
-            <a:r>
-              <a:rPr lang="da-DK" sz="2800" smtClean="0"/>
-              <a:t>Create tables, row, etc. by using a given database </a:t>
-            </a:r>
-            <a:r>
-              <a:rPr lang="da-DK" sz="2800" b="1" smtClean="0"/>
-              <a:t>script</a:t>
-            </a:r>
-          </a:p>
-        </p:txBody>
-      </p:sp>
-    </p:spTree>
-    <p:extLst>
-      <p:ext uri="{BB962C8B-B14F-4D97-AF65-F5344CB8AC3E}">
-        <p14:creationId xmlns:p14="http://schemas.microsoft.com/office/powerpoint/2010/main" val="2277245088"/>
-      </p:ext>
-    </p:extLst>
-  </p:cSld>
-  <p:clrMapOvr>
-    <a:masterClrMapping/>
-  </p:clrMapOvr>
-  <p:timing>
-    <p:tnLst>
-      <p:par>
-        <p:cTn id="1" dur="indefinite" restart="never" nodeType="tmRoot"/>
-      </p:par>
-    </p:tnLst>
-  </p:timing>
-</p:sld>
-</file>
-
-<file path=ppt/slides/slide20.xml><?xml version="1.0" encoding="utf-8"?>
+<file path=ppt/slides/slide19.xml><?xml version="1.0" encoding="utf-8"?>
 <p:sld xmlns:a="http://schemas.openxmlformats.org/drawingml/2006/main" xmlns:r="http://schemas.openxmlformats.org/officeDocument/2006/relationships" xmlns:p="http://schemas.openxmlformats.org/presentationml/2006/main">
   <p:cSld>
     <p:spTree>
@@ -5268,7 +4712,7 @@
       </p:grpSpPr>
       <p:pic>
         <p:nvPicPr>
-          <p:cNvPr id="3" name="Billede 2"/>
+          <p:cNvPr id="6" name="Billede 5"/>
           <p:cNvPicPr>
             <a:picLocks noChangeAspect="1"/>
           </p:cNvPicPr>
@@ -5282,8 +4726,8 @@
         </p:blipFill>
         <p:spPr>
           <a:xfrm>
-            <a:off x="800100" y="352425"/>
-            <a:ext cx="10591800" cy="6153150"/>
+            <a:off x="877329" y="444069"/>
+            <a:ext cx="10523838" cy="5919659"/>
           </a:xfrm>
           <a:prstGeom prst="rect">
             <a:avLst/>
@@ -5292,24 +4736,21 @@
       </p:pic>
       <p:sp>
         <p:nvSpPr>
-          <p:cNvPr id="5" name="Ellipse 4"/>
+          <p:cNvPr id="7" name="Rektangulær billedforklaring 6"/>
           <p:cNvSpPr/>
           <p:nvPr/>
         </p:nvSpPr>
         <p:spPr>
           <a:xfrm>
-            <a:off x="8819147" y="3585411"/>
-            <a:ext cx="1744579" cy="535405"/>
-          </a:xfrm>
-          <a:prstGeom prst="ellipse">
-            <a:avLst/>
+            <a:off x="6139248" y="2285975"/>
+            <a:ext cx="2755230" cy="800102"/>
+          </a:xfrm>
+          <a:prstGeom prst="wedgeRectCallout">
+            <a:avLst>
+              <a:gd name="adj1" fmla="val 51347"/>
+              <a:gd name="adj2" fmla="val -155368"/>
+            </a:avLst>
           </a:prstGeom>
-          <a:noFill/>
-          <a:ln w="76200">
-            <a:solidFill>
-              <a:srgbClr val="FF0000"/>
-            </a:solidFill>
-          </a:ln>
         </p:spPr>
         <p:style>
           <a:lnRef idx="2">
@@ -5331,26 +4772,29 @@
           <a:bodyPr rtlCol="0" anchor="ctr"/>
           <a:lstStyle/>
           <a:p>
-            <a:pPr algn="ctr"/>
-            <a:endParaRPr lang="da-DK"/>
+            <a:r>
+              <a:rPr lang="da-DK" sz="2400" smtClean="0"/>
+              <a:t>Now click the Refresh button…</a:t>
+            </a:r>
+            <a:endParaRPr lang="da-DK" sz="2400" b="1"/>
           </a:p>
         </p:txBody>
       </p:sp>
       <p:sp>
         <p:nvSpPr>
-          <p:cNvPr id="7" name="Rektangulær billedforklaring 6"/>
+          <p:cNvPr id="8" name="Rektangulær billedforklaring 7"/>
           <p:cNvSpPr/>
           <p:nvPr/>
         </p:nvSpPr>
         <p:spPr>
           <a:xfrm>
-            <a:off x="5498432" y="2382252"/>
-            <a:ext cx="2755230" cy="800102"/>
+            <a:off x="5951622" y="4289258"/>
+            <a:ext cx="3167664" cy="814083"/>
           </a:xfrm>
           <a:prstGeom prst="wedgeRectCallout">
             <a:avLst>
-              <a:gd name="adj1" fmla="val 51347"/>
-              <a:gd name="adj2" fmla="val -155368"/>
+              <a:gd name="adj1" fmla="val 65807"/>
+              <a:gd name="adj2" fmla="val -155548"/>
             </a:avLst>
           </a:prstGeom>
         </p:spPr>
@@ -5376,7 +4820,33 @@
           <a:p>
             <a:r>
               <a:rPr lang="da-DK" sz="2400" smtClean="0"/>
-              <a:t>Now click the Refresh button…</a:t>
+              <a:t>…</a:t>
+            </a:r>
+            <a:r>
+              <a:rPr lang="da-DK" sz="2400"/>
+              <a:t>a</a:t>
+            </a:r>
+            <a:r>
+              <a:rPr lang="da-DK" sz="2400" smtClean="0"/>
+              <a:t> </a:t>
+            </a:r>
+            <a:r>
+              <a:rPr lang="da-DK" sz="2400" smtClean="0"/>
+              <a:t>new </a:t>
+            </a:r>
+            <a:r>
+              <a:rPr lang="da-DK" sz="2400" smtClean="0"/>
+              <a:t>table has been </a:t>
+            </a:r>
+            <a:r>
+              <a:rPr lang="da-DK" sz="2400" smtClean="0"/>
+              <a:t>added to MyFirstDB </a:t>
+            </a:r>
+            <a:r>
+              <a:rPr lang="da-DK" sz="2400" smtClean="0">
+                <a:sym typeface="Wingdings" panose="05000000000000000000" pitchFamily="2" charset="2"/>
+              </a:rPr>
+              <a:t></a:t>
             </a:r>
             <a:endParaRPr lang="da-DK" sz="2400" b="1"/>
           </a:p>
@@ -5384,21 +4854,24 @@
       </p:sp>
       <p:sp>
         <p:nvSpPr>
-          <p:cNvPr id="8" name="Rektangulær billedforklaring 7"/>
+          <p:cNvPr id="9" name="Afrundet rektangel 8"/>
           <p:cNvSpPr/>
           <p:nvPr/>
         </p:nvSpPr>
         <p:spPr>
           <a:xfrm>
-            <a:off x="5951622" y="4289258"/>
-            <a:ext cx="2755230" cy="1175085"/>
-          </a:xfrm>
-          <a:prstGeom prst="wedgeRectCallout">
-            <a:avLst>
-              <a:gd name="adj1" fmla="val 60736"/>
-              <a:gd name="adj2" fmla="val -84208"/>
-            </a:avLst>
+            <a:off x="9579410" y="2996775"/>
+            <a:ext cx="1368675" cy="512543"/>
+          </a:xfrm>
+          <a:prstGeom prst="roundRect">
+            <a:avLst/>
           </a:prstGeom>
+          <a:noFill/>
+          <a:ln w="76200">
+            <a:solidFill>
+              <a:srgbClr val="FF0000"/>
+            </a:solidFill>
+          </a:ln>
         </p:spPr>
         <p:style>
           <a:lnRef idx="2">
@@ -5420,17 +4893,8 @@
           <a:bodyPr rtlCol="0" anchor="ctr"/>
           <a:lstStyle/>
           <a:p>
-            <a:r>
-              <a:rPr lang="da-DK" sz="2400" smtClean="0"/>
-              <a:t>…two new tables have been added to MyFirstDB </a:t>
-            </a:r>
-            <a:r>
-              <a:rPr lang="da-DK" sz="2400" smtClean="0">
-                <a:sym typeface="Wingdings" panose="05000000000000000000" pitchFamily="2" charset="2"/>
-              </a:rPr>
-              <a:t></a:t>
-            </a:r>
-            <a:endParaRPr lang="da-DK" sz="2400" b="1"/>
+            <a:pPr algn="ctr"/>
+            <a:endParaRPr lang="da-DK"/>
           </a:p>
         </p:txBody>
       </p:sp>
@@ -5444,13 +4908,13 @@
   <p:clrMapOvr>
     <a:masterClrMapping/>
   </p:clrMapOvr>
-  <mc:AlternateContent xmlns:mc="http://schemas.openxmlformats.org/markup-compatibility/2006">
-    <mc:Choice xmlns:p14="http://schemas.microsoft.com/office/powerpoint/2010/main" Requires="p14">
+  <mc:AlternateContent xmlns:mc="http://schemas.openxmlformats.org/markup-compatibility/2006" xmlns:p14="http://schemas.microsoft.com/office/powerpoint/2010/main">
+    <mc:Choice Requires="p14">
       <p:transition spd="med" p14:dur="700">
         <p:fade/>
       </p:transition>
     </mc:Choice>
-    <mc:Fallback>
+    <mc:Fallback xmlns="">
       <p:transition spd="med">
         <p:fade/>
       </p:transition>
@@ -5511,68 +4975,15 @@
                                   </p:childTnLst>
                                 </p:cTn>
                               </p:par>
-                            </p:childTnLst>
-                          </p:cTn>
-                        </p:par>
-                      </p:childTnLst>
-                    </p:cTn>
-                  </p:par>
-                  <p:par>
-                    <p:cTn id="8" fill="hold">
-                      <p:stCondLst>
-                        <p:cond delay="indefinite"/>
-                      </p:stCondLst>
-                      <p:childTnLst>
-                        <p:par>
-                          <p:cTn id="9" fill="hold">
-                            <p:stCondLst>
-                              <p:cond delay="0"/>
-                            </p:stCondLst>
-                            <p:childTnLst>
                               <p:par>
-                                <p:cTn id="10" presetID="10" presetClass="entr" presetSubtype="0" fill="hold" grpId="0" nodeType="clickEffect">
+                                <p:cTn id="8" presetID="10" presetClass="entr" presetSubtype="0" fill="hold" grpId="0" nodeType="withEffect">
                                   <p:stCondLst>
                                     <p:cond delay="0"/>
                                   </p:stCondLst>
                                   <p:childTnLst>
                                     <p:set>
                                       <p:cBhvr>
-                                        <p:cTn id="11" dur="1" fill="hold">
-                                          <p:stCondLst>
-                                            <p:cond delay="0"/>
-                                          </p:stCondLst>
-                                        </p:cTn>
-                                        <p:tgtEl>
-                                          <p:spTgt spid="5"/>
-                                        </p:tgtEl>
-                                        <p:attrNameLst>
-                                          <p:attrName>style.visibility</p:attrName>
-                                        </p:attrNameLst>
-                                      </p:cBhvr>
-                                      <p:to>
-                                        <p:strVal val="visible"/>
-                                      </p:to>
-                                    </p:set>
-                                    <p:animEffect transition="in" filter="fade">
-                                      <p:cBhvr>
-                                        <p:cTn id="12" dur="500"/>
-                                        <p:tgtEl>
-                                          <p:spTgt spid="5"/>
-                                        </p:tgtEl>
-                                      </p:cBhvr>
-                                    </p:animEffect>
-                                  </p:childTnLst>
-                                </p:cTn>
-                              </p:par>
-                              <p:par>
-                                <p:cTn id="13" presetID="10" presetClass="entr" presetSubtype="0" fill="hold" grpId="0" nodeType="withEffect">
-                                  <p:stCondLst>
-                                    <p:cond delay="0"/>
-                                  </p:stCondLst>
-                                  <p:childTnLst>
-                                    <p:set>
-                                      <p:cBhvr>
-                                        <p:cTn id="14" dur="1" fill="hold">
+                                        <p:cTn id="9" dur="1" fill="hold">
                                           <p:stCondLst>
                                             <p:cond delay="0"/>
                                           </p:stCondLst>
@@ -5590,9 +5001,62 @@
                                     </p:set>
                                     <p:animEffect transition="in" filter="fade">
                                       <p:cBhvr>
+                                        <p:cTn id="10" dur="500"/>
+                                        <p:tgtEl>
+                                          <p:spTgt spid="8"/>
+                                        </p:tgtEl>
+                                      </p:cBhvr>
+                                    </p:animEffect>
+                                  </p:childTnLst>
+                                </p:cTn>
+                              </p:par>
+                            </p:childTnLst>
+                          </p:cTn>
+                        </p:par>
+                      </p:childTnLst>
+                    </p:cTn>
+                  </p:par>
+                  <p:par>
+                    <p:cTn id="11" fill="hold">
+                      <p:stCondLst>
+                        <p:cond delay="indefinite"/>
+                      </p:stCondLst>
+                      <p:childTnLst>
+                        <p:par>
+                          <p:cTn id="12" fill="hold">
+                            <p:stCondLst>
+                              <p:cond delay="0"/>
+                            </p:stCondLst>
+                            <p:childTnLst>
+                              <p:par>
+                                <p:cTn id="13" presetID="10" presetClass="entr" presetSubtype="0" fill="hold" grpId="0" nodeType="clickEffect">
+                                  <p:stCondLst>
+                                    <p:cond delay="0"/>
+                                  </p:stCondLst>
+                                  <p:childTnLst>
+                                    <p:set>
+                                      <p:cBhvr>
+                                        <p:cTn id="14" dur="1" fill="hold">
+                                          <p:stCondLst>
+                                            <p:cond delay="0"/>
+                                          </p:stCondLst>
+                                        </p:cTn>
+                                        <p:tgtEl>
+                                          <p:spTgt spid="9"/>
+                                        </p:tgtEl>
+                                        <p:attrNameLst>
+                                          <p:attrName>style.visibility</p:attrName>
+                                        </p:attrNameLst>
+                                      </p:cBhvr>
+                                      <p:to>
+                                        <p:strVal val="visible"/>
+                                      </p:to>
+                                    </p:set>
+                                    <p:animEffect transition="in" filter="fade">
+                                      <p:cBhvr>
                                         <p:cTn id="15" dur="500"/>
                                         <p:tgtEl>
-                                          <p:spTgt spid="8"/>
+                                          <p:spTgt spid="9"/>
                                         </p:tgtEl>
                                       </p:cBhvr>
                                     </p:animEffect>
@@ -5627,15 +5091,136 @@
       </p:par>
     </p:tnLst>
     <p:bldLst>
-      <p:bldP spid="5" grpId="0" animBg="1"/>
       <p:bldP spid="7" grpId="0" animBg="1"/>
       <p:bldP spid="8" grpId="0" animBg="1"/>
+      <p:bldP spid="9" grpId="0" animBg="1"/>
     </p:bldLst>
   </p:timing>
 </p:sld>
 </file>
 
-<file path=ppt/slides/slide21.xml><?xml version="1.0" encoding="utf-8"?>
+<file path=ppt/slides/slide2.xml><?xml version="1.0" encoding="utf-8"?>
+<p:sld xmlns:a="http://schemas.openxmlformats.org/drawingml/2006/main" xmlns:r="http://schemas.openxmlformats.org/officeDocument/2006/relationships" xmlns:p="http://schemas.openxmlformats.org/presentationml/2006/main">
+  <p:cSld>
+    <p:spTree>
+      <p:nvGrpSpPr>
+        <p:cNvPr id="1" name=""/>
+        <p:cNvGrpSpPr/>
+        <p:nvPr/>
+      </p:nvGrpSpPr>
+      <p:grpSpPr>
+        <a:xfrm>
+          <a:off x="0" y="0"/>
+          <a:ext cx="0" cy="0"/>
+          <a:chOff x="0" y="0"/>
+          <a:chExt cx="0" cy="0"/>
+        </a:xfrm>
+      </p:grpSpPr>
+      <p:sp>
+        <p:nvSpPr>
+          <p:cNvPr id="2" name="Titel 1"/>
+          <p:cNvSpPr>
+            <a:spLocks noGrp="1"/>
+          </p:cNvSpPr>
+          <p:nvPr>
+            <p:ph type="title"/>
+          </p:nvPr>
+        </p:nvSpPr>
+        <p:spPr/>
+        <p:txBody>
+          <a:bodyPr/>
+          <a:lstStyle/>
+          <a:p>
+            <a:r>
+              <a:rPr lang="da-DK" b="1" smtClean="0"/>
+              <a:t>Creating a database in Visual Studio</a:t>
+            </a:r>
+            <a:endParaRPr lang="da-DK" b="1"/>
+          </a:p>
+        </p:txBody>
+      </p:sp>
+      <p:sp>
+        <p:nvSpPr>
+          <p:cNvPr id="3" name="Pladsholder til indhold 2"/>
+          <p:cNvSpPr>
+            <a:spLocks noGrp="1"/>
+          </p:cNvSpPr>
+          <p:nvPr>
+            <p:ph idx="1"/>
+          </p:nvPr>
+        </p:nvSpPr>
+        <p:spPr>
+          <a:xfrm>
+            <a:off x="838199" y="1825625"/>
+            <a:ext cx="7295147" cy="4351338"/>
+          </a:xfrm>
+        </p:spPr>
+        <p:txBody>
+          <a:bodyPr/>
+          <a:lstStyle/>
+          <a:p>
+            <a:pPr lvl="0"/>
+            <a:r>
+              <a:rPr lang="da-DK" sz="3200" smtClean="0"/>
+              <a:t>We can use Visual Studio as a DBMS</a:t>
+            </a:r>
+          </a:p>
+          <a:p>
+            <a:pPr lvl="0"/>
+            <a:r>
+              <a:rPr lang="da-DK" sz="3200" smtClean="0"/>
+              <a:t>First steps:</a:t>
+            </a:r>
+          </a:p>
+          <a:p>
+            <a:pPr lvl="1"/>
+            <a:r>
+              <a:rPr lang="da-DK" sz="2800" smtClean="0"/>
+              <a:t>Create a </a:t>
+            </a:r>
+            <a:r>
+              <a:rPr lang="da-DK" sz="2800" b="1" smtClean="0"/>
+              <a:t>local</a:t>
+            </a:r>
+            <a:r>
+              <a:rPr lang="da-DK" sz="2800" smtClean="0"/>
+              <a:t> database (is physically located on your PC)</a:t>
+            </a:r>
+          </a:p>
+          <a:p>
+            <a:pPr lvl="1"/>
+            <a:r>
+              <a:rPr lang="da-DK" sz="2800" smtClean="0"/>
+              <a:t>Create tables, row, etc. by using a given database </a:t>
+            </a:r>
+            <a:r>
+              <a:rPr lang="da-DK" sz="2800" b="1" smtClean="0"/>
+              <a:t>script</a:t>
+            </a:r>
+          </a:p>
+        </p:txBody>
+      </p:sp>
+    </p:spTree>
+    <p:extLst>
+      <p:ext uri="{BB962C8B-B14F-4D97-AF65-F5344CB8AC3E}">
+        <p14:creationId xmlns:p14="http://schemas.microsoft.com/office/powerpoint/2010/main" val="2277245088"/>
+      </p:ext>
+    </p:extLst>
+  </p:cSld>
+  <p:clrMapOvr>
+    <a:masterClrMapping/>
+  </p:clrMapOvr>
+  <p:timing>
+    <p:tnLst>
+      <p:par>
+        <p:cTn id="1" dur="indefinite" restart="never" nodeType="tmRoot"/>
+      </p:par>
+    </p:tnLst>
+  </p:timing>
+</p:sld>
+</file>
+
+<file path=ppt/slides/slide20.xml><?xml version="1.0" encoding="utf-8"?>
 <p:sld xmlns:a="http://schemas.openxmlformats.org/drawingml/2006/main" xmlns:r="http://schemas.openxmlformats.org/officeDocument/2006/relationships" xmlns:p="http://schemas.openxmlformats.org/presentationml/2006/main">
   <p:cSld>
     <p:spTree>
@@ -5654,7 +5239,7 @@
       </p:grpSpPr>
       <p:pic>
         <p:nvPicPr>
-          <p:cNvPr id="4" name="Billede 3"/>
+          <p:cNvPr id="2" name="Billede 1"/>
           <p:cNvPicPr>
             <a:picLocks noChangeAspect="1"/>
           </p:cNvPicPr>
@@ -5668,8 +5253,8 @@
         </p:blipFill>
         <p:spPr>
           <a:xfrm>
-            <a:off x="4054892" y="790825"/>
-            <a:ext cx="3095625" cy="5095875"/>
+            <a:off x="4638675" y="671512"/>
+            <a:ext cx="2914650" cy="5514975"/>
           </a:xfrm>
           <a:prstGeom prst="rect">
             <a:avLst/>
@@ -5684,13 +5269,13 @@
         </p:nvSpPr>
         <p:spPr>
           <a:xfrm>
-            <a:off x="7916779" y="3338762"/>
-            <a:ext cx="2755230" cy="1149018"/>
+            <a:off x="7916778" y="3338762"/>
+            <a:ext cx="3117805" cy="1149018"/>
           </a:xfrm>
           <a:prstGeom prst="wedgeRectCallout">
             <a:avLst>
-              <a:gd name="adj1" fmla="val -116339"/>
-              <a:gd name="adj2" fmla="val 75834"/>
+              <a:gd name="adj1" fmla="val -86614"/>
+              <a:gd name="adj2" fmla="val 51099"/>
             </a:avLst>
           </a:prstGeom>
         </p:spPr>
@@ -5720,11 +5305,15 @@
             </a:r>
             <a:r>
               <a:rPr lang="da-DK" sz="2400" b="1" smtClean="0"/>
-              <a:t>Movie</a:t>
+              <a:t>Weapon</a:t>
             </a:r>
             <a:r>
               <a:rPr lang="da-DK" sz="2400" smtClean="0"/>
-              <a:t> table, and choose </a:t>
+              <a:t> </a:t>
+            </a:r>
+            <a:r>
+              <a:rPr lang="da-DK" sz="2400" smtClean="0"/>
+              <a:t>table, and choose </a:t>
             </a:r>
             <a:r>
               <a:rPr lang="da-DK" sz="2400" b="1" smtClean="0"/>
@@ -5833,7 +5422,7 @@
 </p:sld>
 </file>
 
-<file path=ppt/slides/slide22.xml><?xml version="1.0" encoding="utf-8"?>
+<file path=ppt/slides/slide21.xml><?xml version="1.0" encoding="utf-8"?>
 <p:sld xmlns:a="http://schemas.openxmlformats.org/drawingml/2006/main" xmlns:r="http://schemas.openxmlformats.org/officeDocument/2006/relationships" xmlns:p="http://schemas.openxmlformats.org/presentationml/2006/main">
   <p:cSld>
     <p:spTree>
@@ -5852,7 +5441,7 @@
       </p:grpSpPr>
       <p:pic>
         <p:nvPicPr>
-          <p:cNvPr id="2" name="Billede 1"/>
+          <p:cNvPr id="4" name="Billede 3"/>
           <p:cNvPicPr>
             <a:picLocks noChangeAspect="1"/>
           </p:cNvPicPr>
@@ -5866,8 +5455,8 @@
         </p:blipFill>
         <p:spPr>
           <a:xfrm>
-            <a:off x="800100" y="352425"/>
-            <a:ext cx="10591800" cy="6153150"/>
+            <a:off x="877329" y="444068"/>
+            <a:ext cx="10523838" cy="5919659"/>
           </a:xfrm>
           <a:prstGeom prst="rect">
             <a:avLst/>
@@ -5882,7 +5471,7 @@
         </p:nvSpPr>
         <p:spPr>
           <a:xfrm>
-            <a:off x="5113421" y="4114798"/>
+            <a:off x="5385270" y="4967414"/>
             <a:ext cx="2755230" cy="764007"/>
           </a:xfrm>
           <a:prstGeom prst="wedgeRectCallout">
@@ -5918,11 +5507,23 @@
             </a:r>
             <a:r>
               <a:rPr lang="da-DK" sz="2400" b="1" smtClean="0"/>
-              <a:t>Movie</a:t>
+              <a:t>Weapon</a:t>
             </a:r>
             <a:r>
               <a:rPr lang="da-DK" sz="2400" smtClean="0"/>
-              <a:t> table contains 7 rows</a:t>
+              <a:t> </a:t>
+            </a:r>
+            <a:r>
+              <a:rPr lang="da-DK" sz="2400" smtClean="0"/>
+              <a:t>table contains </a:t>
+            </a:r>
+            <a:r>
+              <a:rPr lang="da-DK" sz="2400" smtClean="0"/>
+              <a:t>15 </a:t>
+            </a:r>
+            <a:r>
+              <a:rPr lang="da-DK" sz="2400" smtClean="0"/>
+              <a:t>rows</a:t>
             </a:r>
             <a:endParaRPr lang="da-DK" sz="2400" b="1"/>
           </a:p>
@@ -6027,6 +5628,125 @@
 </p:sld>
 </file>
 
+<file path=ppt/slides/slide22.xml><?xml version="1.0" encoding="utf-8"?>
+<p:sld xmlns:a="http://schemas.openxmlformats.org/drawingml/2006/main" xmlns:r="http://schemas.openxmlformats.org/officeDocument/2006/relationships" xmlns:p="http://schemas.openxmlformats.org/presentationml/2006/main">
+  <p:cSld>
+    <p:spTree>
+      <p:nvGrpSpPr>
+        <p:cNvPr id="1" name=""/>
+        <p:cNvGrpSpPr/>
+        <p:nvPr/>
+      </p:nvGrpSpPr>
+      <p:grpSpPr>
+        <a:xfrm>
+          <a:off x="0" y="0"/>
+          <a:ext cx="0" cy="0"/>
+          <a:chOff x="0" y="0"/>
+          <a:chExt cx="0" cy="0"/>
+        </a:xfrm>
+      </p:grpSpPr>
+      <p:pic>
+        <p:nvPicPr>
+          <p:cNvPr id="4" name="Billede 3"/>
+          <p:cNvPicPr>
+            <a:picLocks noChangeAspect="1"/>
+          </p:cNvPicPr>
+          <p:nvPr/>
+        </p:nvPicPr>
+        <p:blipFill>
+          <a:blip r:embed="rId2"/>
+          <a:stretch>
+            <a:fillRect/>
+          </a:stretch>
+        </p:blipFill>
+        <p:spPr>
+          <a:xfrm>
+            <a:off x="877329" y="444068"/>
+            <a:ext cx="10523838" cy="5919659"/>
+          </a:xfrm>
+          <a:prstGeom prst="rect">
+            <a:avLst/>
+          </a:prstGeom>
+        </p:spPr>
+      </p:pic>
+      <p:sp>
+        <p:nvSpPr>
+          <p:cNvPr id="6" name="Rektangulær billedforklaring 5"/>
+          <p:cNvSpPr/>
+          <p:nvPr/>
+        </p:nvSpPr>
+        <p:spPr>
+          <a:xfrm>
+            <a:off x="1599377" y="4876919"/>
+            <a:ext cx="4037303" cy="1337984"/>
+          </a:xfrm>
+          <a:prstGeom prst="wedgeRectCallout">
+            <a:avLst>
+              <a:gd name="adj1" fmla="val -60158"/>
+              <a:gd name="adj2" fmla="val -93589"/>
+            </a:avLst>
+          </a:prstGeom>
+        </p:spPr>
+        <p:style>
+          <a:lnRef idx="2">
+            <a:schemeClr val="accent1">
+              <a:shade val="50000"/>
+            </a:schemeClr>
+          </a:lnRef>
+          <a:fillRef idx="1">
+            <a:schemeClr val="accent1"/>
+          </a:fillRef>
+          <a:effectRef idx="0">
+            <a:schemeClr val="accent1"/>
+          </a:effectRef>
+          <a:fontRef idx="minor">
+            <a:schemeClr val="lt1"/>
+          </a:fontRef>
+        </p:style>
+        <p:txBody>
+          <a:bodyPr rtlCol="0" anchor="ctr"/>
+          <a:lstStyle/>
+          <a:p>
+            <a:r>
+              <a:rPr lang="da-DK" sz="2400" smtClean="0"/>
+              <a:t>You can type in additional rows simply by entering values into the bottom row</a:t>
+            </a:r>
+            <a:endParaRPr lang="da-DK" sz="2400" b="1"/>
+          </a:p>
+        </p:txBody>
+      </p:sp>
+    </p:spTree>
+    <p:extLst>
+      <p:ext uri="{BB962C8B-B14F-4D97-AF65-F5344CB8AC3E}">
+        <p14:creationId xmlns:p14="http://schemas.microsoft.com/office/powerpoint/2010/main" val="2396664798"/>
+      </p:ext>
+    </p:extLst>
+  </p:cSld>
+  <p:clrMapOvr>
+    <a:masterClrMapping/>
+  </p:clrMapOvr>
+  <mc:AlternateContent xmlns:mc="http://schemas.openxmlformats.org/markup-compatibility/2006">
+    <mc:Choice xmlns:p14="http://schemas.microsoft.com/office/powerpoint/2010/main" Requires="p14">
+      <p:transition spd="med" p14:dur="700">
+        <p:fade/>
+      </p:transition>
+    </mc:Choice>
+    <mc:Fallback>
+      <p:transition spd="med">
+        <p:fade/>
+      </p:transition>
+    </mc:Fallback>
+  </mc:AlternateContent>
+  <p:timing>
+    <p:tnLst>
+      <p:par>
+        <p:cTn id="1" dur="indefinite" restart="never" nodeType="tmRoot"/>
+      </p:par>
+    </p:tnLst>
+  </p:timing>
+</p:sld>
+</file>
+
 <file path=ppt/slides/slide23.xml><?xml version="1.0" encoding="utf-8"?>
 <p:sld xmlns:a="http://schemas.openxmlformats.org/drawingml/2006/main" xmlns:r="http://schemas.openxmlformats.org/officeDocument/2006/relationships" xmlns:p="http://schemas.openxmlformats.org/presentationml/2006/main">
   <p:cSld>
@@ -6046,7 +5766,7 @@
       </p:grpSpPr>
       <p:pic>
         <p:nvPicPr>
-          <p:cNvPr id="2" name="Billede 1"/>
+          <p:cNvPr id="4" name="Billede 3"/>
           <p:cNvPicPr>
             <a:picLocks noChangeAspect="1"/>
           </p:cNvPicPr>
@@ -6060,8 +5780,8 @@
         </p:blipFill>
         <p:spPr>
           <a:xfrm>
-            <a:off x="800100" y="352425"/>
-            <a:ext cx="10591800" cy="6153150"/>
+            <a:off x="877329" y="444068"/>
+            <a:ext cx="10523839" cy="5919659"/>
           </a:xfrm>
           <a:prstGeom prst="rect">
             <a:avLst/>
@@ -6070,202 +5790,16 @@
       </p:pic>
       <p:sp>
         <p:nvSpPr>
-          <p:cNvPr id="6" name="Rektangulær billedforklaring 5"/>
+          <p:cNvPr id="7" name="Afrundet rektangel 6"/>
           <p:cNvSpPr/>
           <p:nvPr/>
         </p:nvSpPr>
         <p:spPr>
           <a:xfrm>
-            <a:off x="3378750" y="3913092"/>
-            <a:ext cx="4037303" cy="1337984"/>
-          </a:xfrm>
-          <a:prstGeom prst="wedgeRectCallout">
-            <a:avLst>
-              <a:gd name="adj1" fmla="val -60158"/>
-              <a:gd name="adj2" fmla="val -93589"/>
-            </a:avLst>
-          </a:prstGeom>
-        </p:spPr>
-        <p:style>
-          <a:lnRef idx="2">
-            <a:schemeClr val="accent1">
-              <a:shade val="50000"/>
-            </a:schemeClr>
-          </a:lnRef>
-          <a:fillRef idx="1">
-            <a:schemeClr val="accent1"/>
-          </a:fillRef>
-          <a:effectRef idx="0">
-            <a:schemeClr val="accent1"/>
-          </a:effectRef>
-          <a:fontRef idx="minor">
-            <a:schemeClr val="lt1"/>
-          </a:fontRef>
-        </p:style>
-        <p:txBody>
-          <a:bodyPr rtlCol="0" anchor="ctr"/>
-          <a:lstStyle/>
-          <a:p>
-            <a:r>
-              <a:rPr lang="da-DK" sz="2400" smtClean="0"/>
-              <a:t>You can type in additional rows simply by entering values into the bottom row</a:t>
-            </a:r>
-            <a:endParaRPr lang="da-DK" sz="2400" b="1"/>
-          </a:p>
-        </p:txBody>
-      </p:sp>
-    </p:spTree>
-    <p:extLst>
-      <p:ext uri="{BB962C8B-B14F-4D97-AF65-F5344CB8AC3E}">
-        <p14:creationId xmlns:p14="http://schemas.microsoft.com/office/powerpoint/2010/main" val="2396664798"/>
-      </p:ext>
-    </p:extLst>
-  </p:cSld>
-  <p:clrMapOvr>
-    <a:masterClrMapping/>
-  </p:clrMapOvr>
-  <p:timing>
-    <p:tnLst>
-      <p:par>
-        <p:cTn id="1" dur="indefinite" restart="never" nodeType="tmRoot">
-          <p:childTnLst>
-            <p:seq concurrent="1" nextAc="seek">
-              <p:cTn id="2" dur="indefinite" nodeType="mainSeq">
-                <p:childTnLst>
-                  <p:par>
-                    <p:cTn id="3" fill="hold">
-                      <p:stCondLst>
-                        <p:cond delay="indefinite"/>
-                      </p:stCondLst>
-                      <p:childTnLst>
-                        <p:par>
-                          <p:cTn id="4" fill="hold">
-                            <p:stCondLst>
-                              <p:cond delay="0"/>
-                            </p:stCondLst>
-                            <p:childTnLst>
-                              <p:par>
-                                <p:cTn id="5" presetID="10" presetClass="entr" presetSubtype="0" fill="hold" grpId="0" nodeType="clickEffect">
-                                  <p:stCondLst>
-                                    <p:cond delay="0"/>
-                                  </p:stCondLst>
-                                  <p:childTnLst>
-                                    <p:set>
-                                      <p:cBhvr>
-                                        <p:cTn id="6" dur="1" fill="hold">
-                                          <p:stCondLst>
-                                            <p:cond delay="0"/>
-                                          </p:stCondLst>
-                                        </p:cTn>
-                                        <p:tgtEl>
-                                          <p:spTgt spid="6"/>
-                                        </p:tgtEl>
-                                        <p:attrNameLst>
-                                          <p:attrName>style.visibility</p:attrName>
-                                        </p:attrNameLst>
-                                      </p:cBhvr>
-                                      <p:to>
-                                        <p:strVal val="visible"/>
-                                      </p:to>
-                                    </p:set>
-                                    <p:animEffect transition="in" filter="fade">
-                                      <p:cBhvr>
-                                        <p:cTn id="7" dur="500"/>
-                                        <p:tgtEl>
-                                          <p:spTgt spid="6"/>
-                                        </p:tgtEl>
-                                      </p:cBhvr>
-                                    </p:animEffect>
-                                  </p:childTnLst>
-                                </p:cTn>
-                              </p:par>
-                            </p:childTnLst>
-                          </p:cTn>
-                        </p:par>
-                      </p:childTnLst>
-                    </p:cTn>
-                  </p:par>
-                </p:childTnLst>
-              </p:cTn>
-              <p:prevCondLst>
-                <p:cond evt="onPrev" delay="0">
-                  <p:tgtEl>
-                    <p:sldTgt/>
-                  </p:tgtEl>
-                </p:cond>
-              </p:prevCondLst>
-              <p:nextCondLst>
-                <p:cond evt="onNext" delay="0">
-                  <p:tgtEl>
-                    <p:sldTgt/>
-                  </p:tgtEl>
-                </p:cond>
-              </p:nextCondLst>
-            </p:seq>
-          </p:childTnLst>
-        </p:cTn>
-      </p:par>
-    </p:tnLst>
-    <p:bldLst>
-      <p:bldP spid="6" grpId="0" animBg="1"/>
-    </p:bldLst>
-  </p:timing>
-</p:sld>
-</file>
-
-<file path=ppt/slides/slide24.xml><?xml version="1.0" encoding="utf-8"?>
-<p:sld xmlns:a="http://schemas.openxmlformats.org/drawingml/2006/main" xmlns:r="http://schemas.openxmlformats.org/officeDocument/2006/relationships" xmlns:p="http://schemas.openxmlformats.org/presentationml/2006/main">
-  <p:cSld>
-    <p:spTree>
-      <p:nvGrpSpPr>
-        <p:cNvPr id="1" name=""/>
-        <p:cNvGrpSpPr/>
-        <p:nvPr/>
-      </p:nvGrpSpPr>
-      <p:grpSpPr>
-        <a:xfrm>
-          <a:off x="0" y="0"/>
-          <a:ext cx="0" cy="0"/>
-          <a:chOff x="0" y="0"/>
-          <a:chExt cx="0" cy="0"/>
-        </a:xfrm>
-      </p:grpSpPr>
-      <p:pic>
-        <p:nvPicPr>
-          <p:cNvPr id="5" name="Billede 4"/>
-          <p:cNvPicPr>
-            <a:picLocks noChangeAspect="1"/>
-          </p:cNvPicPr>
-          <p:nvPr/>
-        </p:nvPicPr>
-        <p:blipFill>
-          <a:blip r:embed="rId2"/>
-          <a:stretch>
-            <a:fillRect/>
-          </a:stretch>
-        </p:blipFill>
-        <p:spPr>
-          <a:xfrm>
-            <a:off x="800100" y="352424"/>
-            <a:ext cx="10561420" cy="5940799"/>
-          </a:xfrm>
-          <a:prstGeom prst="rect">
-            <a:avLst/>
-          </a:prstGeom>
-        </p:spPr>
-      </p:pic>
-      <p:sp>
-        <p:nvSpPr>
-          <p:cNvPr id="6" name="Ellipse 5"/>
-          <p:cNvSpPr/>
-          <p:nvPr/>
-        </p:nvSpPr>
-        <p:spPr>
-          <a:xfrm>
-            <a:off x="800100" y="2671011"/>
-            <a:ext cx="4067735" cy="535405"/>
-          </a:xfrm>
-          <a:prstGeom prst="ellipse">
+            <a:off x="1227221" y="4127156"/>
+            <a:ext cx="6965309" cy="407122"/>
+          </a:xfrm>
+          <a:prstGeom prst="roundRect">
             <a:avLst/>
           </a:prstGeom>
           <a:noFill/>
@@ -6344,7 +5878,7 @@
                                           </p:stCondLst>
                                         </p:cTn>
                                         <p:tgtEl>
-                                          <p:spTgt spid="6"/>
+                                          <p:spTgt spid="7"/>
                                         </p:tgtEl>
                                         <p:attrNameLst>
                                           <p:attrName>style.visibility</p:attrName>
@@ -6358,7 +5892,7 @@
                                       <p:cBhvr>
                                         <p:cTn id="7" dur="500"/>
                                         <p:tgtEl>
-                                          <p:spTgt spid="6"/>
+                                          <p:spTgt spid="7"/>
                                         </p:tgtEl>
                                       </p:cBhvr>
                                     </p:animEffect>
@@ -6393,13 +5927,13 @@
       </p:par>
     </p:tnLst>
     <p:bldLst>
-      <p:bldP spid="6" grpId="0" animBg="1"/>
+      <p:bldP spid="7" grpId="0" animBg="1"/>
     </p:bldLst>
   </p:timing>
 </p:sld>
 </file>
 
-<file path=ppt/slides/slide25.xml><?xml version="1.0" encoding="utf-8"?>
+<file path=ppt/slides/slide24.xml><?xml version="1.0" encoding="utf-8"?>
 <p:sld xmlns:a="http://schemas.openxmlformats.org/drawingml/2006/main" xmlns:r="http://schemas.openxmlformats.org/officeDocument/2006/relationships" xmlns:p="http://schemas.openxmlformats.org/presentationml/2006/main">
   <p:cSld>
     <p:spTree>
@@ -6418,7 +5952,7 @@
       </p:grpSpPr>
       <p:pic>
         <p:nvPicPr>
-          <p:cNvPr id="4" name="Billede 3"/>
+          <p:cNvPr id="2" name="Billede 1"/>
           <p:cNvPicPr>
             <a:picLocks noChangeAspect="1"/>
           </p:cNvPicPr>
@@ -6432,8 +5966,8 @@
         </p:blipFill>
         <p:spPr>
           <a:xfrm>
-            <a:off x="4591050" y="862012"/>
-            <a:ext cx="3009900" cy="5133975"/>
+            <a:off x="4643437" y="666750"/>
+            <a:ext cx="2905125" cy="5524500"/>
           </a:xfrm>
           <a:prstGeom prst="rect">
             <a:avLst/>
@@ -6449,12 +5983,12 @@
         <p:spPr>
           <a:xfrm>
             <a:off x="7916779" y="3338762"/>
-            <a:ext cx="2755230" cy="1149018"/>
+            <a:ext cx="3130162" cy="1149018"/>
           </a:xfrm>
           <a:prstGeom prst="wedgeRectCallout">
             <a:avLst>
-              <a:gd name="adj1" fmla="val -110007"/>
-              <a:gd name="adj2" fmla="val 46515"/>
+              <a:gd name="adj1" fmla="val -110797"/>
+              <a:gd name="adj2" fmla="val 12102"/>
             </a:avLst>
           </a:prstGeom>
         </p:spPr>
@@ -6484,11 +6018,15 @@
             </a:r>
             <a:r>
               <a:rPr lang="da-DK" sz="2400" b="1" smtClean="0"/>
-              <a:t>Movie</a:t>
+              <a:t>Weapon</a:t>
             </a:r>
             <a:r>
               <a:rPr lang="da-DK" sz="2400" smtClean="0"/>
-              <a:t> table, and choose </a:t>
+              <a:t> </a:t>
+            </a:r>
+            <a:r>
+              <a:rPr lang="da-DK" sz="2400" smtClean="0"/>
+              <a:t>table, and choose </a:t>
             </a:r>
             <a:r>
               <a:rPr lang="da-DK" sz="2400" b="1" smtClean="0"/>
@@ -6597,7 +6135,7 @@
 </p:sld>
 </file>
 
-<file path=ppt/slides/slide26.xml><?xml version="1.0" encoding="utf-8"?>
+<file path=ppt/slides/slide25.xml><?xml version="1.0" encoding="utf-8"?>
 <p:sld xmlns:a="http://schemas.openxmlformats.org/drawingml/2006/main" xmlns:r="http://schemas.openxmlformats.org/officeDocument/2006/relationships" xmlns:p="http://schemas.openxmlformats.org/presentationml/2006/main">
   <p:cSld>
     <p:spTree>
@@ -6616,7 +6154,7 @@
       </p:grpSpPr>
       <p:pic>
         <p:nvPicPr>
-          <p:cNvPr id="4" name="Billede 3"/>
+          <p:cNvPr id="7" name="Billede 6"/>
           <p:cNvPicPr>
             <a:picLocks noChangeAspect="1"/>
           </p:cNvPicPr>
@@ -6630,8 +6168,8 @@
         </p:blipFill>
         <p:spPr>
           <a:xfrm>
-            <a:off x="800100" y="352425"/>
-            <a:ext cx="10591800" cy="6153150"/>
+            <a:off x="877329" y="444068"/>
+            <a:ext cx="10523839" cy="5919659"/>
           </a:xfrm>
           <a:prstGeom prst="rect">
             <a:avLst/>
@@ -6646,13 +6184,13 @@
         </p:nvSpPr>
         <p:spPr>
           <a:xfrm>
-            <a:off x="5113421" y="4114798"/>
+            <a:off x="5471767" y="2903836"/>
             <a:ext cx="2755230" cy="1185113"/>
           </a:xfrm>
           <a:prstGeom prst="wedgeRectCallout">
             <a:avLst>
-              <a:gd name="adj1" fmla="val -64155"/>
-              <a:gd name="adj2" fmla="val -136805"/>
+              <a:gd name="adj1" fmla="val -106312"/>
+              <a:gd name="adj2" fmla="val -47136"/>
             </a:avLst>
           </a:prstGeom>
         </p:spPr>
@@ -6682,15 +6220,15 @@
             </a:r>
             <a:r>
               <a:rPr lang="da-DK" sz="2400" b="1" smtClean="0"/>
-              <a:t>Movie</a:t>
+              <a:t>Weapon</a:t>
             </a:r>
             <a:r>
               <a:rPr lang="da-DK" sz="2400" smtClean="0"/>
-              <a:t> table (designer </a:t>
+              <a:t> </a:t>
             </a:r>
             <a:r>
               <a:rPr lang="da-DK" sz="2400" smtClean="0"/>
-              <a:t>view)</a:t>
+              <a:t>table (designer view)</a:t>
             </a:r>
             <a:endParaRPr lang="da-DK" sz="2400" b="1"/>
           </a:p>
@@ -6698,16 +6236,16 @@
       </p:sp>
       <p:sp>
         <p:nvSpPr>
-          <p:cNvPr id="6" name="Ellipse 5"/>
+          <p:cNvPr id="8" name="Afrundet rektangel 7"/>
           <p:cNvSpPr/>
           <p:nvPr/>
         </p:nvSpPr>
         <p:spPr>
           <a:xfrm>
-            <a:off x="2384729" y="5414211"/>
-            <a:ext cx="1744579" cy="535405"/>
-          </a:xfrm>
-          <a:prstGeom prst="ellipse">
+            <a:off x="877329" y="4088949"/>
+            <a:ext cx="889687" cy="407122"/>
+          </a:xfrm>
+          <a:prstGeom prst="roundRect">
             <a:avLst/>
           </a:prstGeom>
           <a:noFill/>
@@ -6839,7 +6377,7 @@
                                           </p:stCondLst>
                                         </p:cTn>
                                         <p:tgtEl>
-                                          <p:spTgt spid="6"/>
+                                          <p:spTgt spid="8"/>
                                         </p:tgtEl>
                                         <p:attrNameLst>
                                           <p:attrName>style.visibility</p:attrName>
@@ -6853,7 +6391,7 @@
                                       <p:cBhvr>
                                         <p:cTn id="12" dur="500"/>
                                         <p:tgtEl>
-                                          <p:spTgt spid="6"/>
+                                          <p:spTgt spid="8"/>
                                         </p:tgtEl>
                                       </p:cBhvr>
                                     </p:animEffect>
@@ -6889,13 +6427,13 @@
     </p:tnLst>
     <p:bldLst>
       <p:bldP spid="5" grpId="0" animBg="1"/>
-      <p:bldP spid="6" grpId="0" animBg="1"/>
+      <p:bldP spid="8" grpId="0" animBg="1"/>
     </p:bldLst>
   </p:timing>
 </p:sld>
 </file>
 
-<file path=ppt/slides/slide27.xml><?xml version="1.0" encoding="utf-8"?>
+<file path=ppt/slides/slide26.xml><?xml version="1.0" encoding="utf-8"?>
 <p:sld xmlns:a="http://schemas.openxmlformats.org/drawingml/2006/main" xmlns:r="http://schemas.openxmlformats.org/officeDocument/2006/relationships" xmlns:p="http://schemas.openxmlformats.org/presentationml/2006/main">
   <p:cSld>
     <p:spTree>
@@ -6914,7 +6452,7 @@
       </p:grpSpPr>
       <p:pic>
         <p:nvPicPr>
-          <p:cNvPr id="2" name="Billede 1"/>
+          <p:cNvPr id="7" name="Billede 6"/>
           <p:cNvPicPr>
             <a:picLocks noChangeAspect="1"/>
           </p:cNvPicPr>
@@ -6928,8 +6466,8 @@
         </p:blipFill>
         <p:spPr>
           <a:xfrm>
-            <a:off x="800100" y="352425"/>
-            <a:ext cx="10591800" cy="6153150"/>
+            <a:off x="877328" y="444067"/>
+            <a:ext cx="10523837" cy="5919659"/>
           </a:xfrm>
           <a:prstGeom prst="rect">
             <a:avLst/>
@@ -6944,13 +6482,13 @@
         </p:nvSpPr>
         <p:spPr>
           <a:xfrm>
-            <a:off x="5113421" y="4114798"/>
+            <a:off x="8301464" y="3941803"/>
             <a:ext cx="2611914" cy="1185113"/>
           </a:xfrm>
           <a:prstGeom prst="wedgeRectCallout">
             <a:avLst>
-              <a:gd name="adj1" fmla="val -39919"/>
-              <a:gd name="adj2" fmla="val -111424"/>
+              <a:gd name="adj1" fmla="val -93378"/>
+              <a:gd name="adj2" fmla="val -61376"/>
             </a:avLst>
           </a:prstGeom>
         </p:spPr>
@@ -6980,15 +6518,15 @@
             </a:r>
             <a:r>
               <a:rPr lang="da-DK" sz="2400" b="1" smtClean="0"/>
-              <a:t>Movie</a:t>
+              <a:t>Weapon</a:t>
             </a:r>
             <a:r>
               <a:rPr lang="da-DK" sz="2400" smtClean="0"/>
-              <a:t> table </a:t>
+              <a:t> </a:t>
             </a:r>
             <a:r>
               <a:rPr lang="da-DK" sz="2400" smtClean="0"/>
-              <a:t>(SQL code view)</a:t>
+              <a:t>table (SQL code view)</a:t>
             </a:r>
             <a:endParaRPr lang="da-DK" sz="2400" b="1"/>
           </a:p>
@@ -6996,16 +6534,16 @@
       </p:sp>
       <p:sp>
         <p:nvSpPr>
-          <p:cNvPr id="6" name="Ellipse 5"/>
+          <p:cNvPr id="8" name="Afrundet rektangel 7"/>
           <p:cNvSpPr/>
           <p:nvPr/>
         </p:nvSpPr>
         <p:spPr>
           <a:xfrm>
-            <a:off x="3110870" y="5394041"/>
-            <a:ext cx="1744579" cy="535405"/>
-          </a:xfrm>
-          <a:prstGeom prst="ellipse">
+            <a:off x="877328" y="5385318"/>
+            <a:ext cx="889687" cy="407122"/>
+          </a:xfrm>
+          <a:prstGeom prst="roundRect">
             <a:avLst/>
           </a:prstGeom>
           <a:noFill/>
@@ -7050,13 +6588,13 @@
   <p:clrMapOvr>
     <a:masterClrMapping/>
   </p:clrMapOvr>
-  <mc:AlternateContent xmlns:mc="http://schemas.openxmlformats.org/markup-compatibility/2006">
-    <mc:Choice xmlns:p14="http://schemas.microsoft.com/office/powerpoint/2010/main" Requires="p14">
+  <mc:AlternateContent xmlns:mc="http://schemas.openxmlformats.org/markup-compatibility/2006" xmlns:p14="http://schemas.microsoft.com/office/powerpoint/2010/main">
+    <mc:Choice Requires="p14">
       <p:transition spd="med" p14:dur="700">
         <p:fade/>
       </p:transition>
     </mc:Choice>
-    <mc:Fallback>
+    <mc:Fallback xmlns="">
       <p:transition spd="med">
         <p:fade/>
       </p:transition>
@@ -7149,7 +6687,7 @@
                                           </p:stCondLst>
                                         </p:cTn>
                                         <p:tgtEl>
-                                          <p:spTgt spid="6"/>
+                                          <p:spTgt spid="8"/>
                                         </p:tgtEl>
                                         <p:attrNameLst>
                                           <p:attrName>style.visibility</p:attrName>
@@ -7163,7 +6701,7 @@
                                       <p:cBhvr>
                                         <p:cTn id="12" dur="500"/>
                                         <p:tgtEl>
-                                          <p:spTgt spid="6"/>
+                                          <p:spTgt spid="8"/>
                                         </p:tgtEl>
                                       </p:cBhvr>
                                     </p:animEffect>
@@ -7199,8 +6737,164 @@
     </p:tnLst>
     <p:bldLst>
       <p:bldP spid="5" grpId="0" animBg="1"/>
-      <p:bldP spid="6" grpId="0" animBg="1"/>
+      <p:bldP spid="8" grpId="0" animBg="1"/>
     </p:bldLst>
+  </p:timing>
+</p:sld>
+</file>
+
+<file path=ppt/slides/slide27.xml><?xml version="1.0" encoding="utf-8"?>
+<p:sld xmlns:a="http://schemas.openxmlformats.org/drawingml/2006/main" xmlns:r="http://schemas.openxmlformats.org/officeDocument/2006/relationships" xmlns:p="http://schemas.openxmlformats.org/presentationml/2006/main">
+  <p:cSld>
+    <p:spTree>
+      <p:nvGrpSpPr>
+        <p:cNvPr id="1" name=""/>
+        <p:cNvGrpSpPr/>
+        <p:nvPr/>
+      </p:nvGrpSpPr>
+      <p:grpSpPr>
+        <a:xfrm>
+          <a:off x="0" y="0"/>
+          <a:ext cx="0" cy="0"/>
+          <a:chOff x="0" y="0"/>
+          <a:chExt cx="0" cy="0"/>
+        </a:xfrm>
+      </p:grpSpPr>
+      <p:sp>
+        <p:nvSpPr>
+          <p:cNvPr id="2" name="Titel 1"/>
+          <p:cNvSpPr>
+            <a:spLocks noGrp="1"/>
+          </p:cNvSpPr>
+          <p:nvPr>
+            <p:ph type="title"/>
+          </p:nvPr>
+        </p:nvSpPr>
+        <p:spPr/>
+        <p:txBody>
+          <a:bodyPr/>
+          <a:lstStyle/>
+          <a:p>
+            <a:r>
+              <a:rPr lang="da-DK" b="1" smtClean="0"/>
+              <a:t>Creating a database in Visual Studio</a:t>
+            </a:r>
+            <a:endParaRPr lang="da-DK" b="1"/>
+          </a:p>
+        </p:txBody>
+      </p:sp>
+      <p:sp>
+        <p:nvSpPr>
+          <p:cNvPr id="3" name="Pladsholder til indhold 2"/>
+          <p:cNvSpPr>
+            <a:spLocks noGrp="1"/>
+          </p:cNvSpPr>
+          <p:nvPr>
+            <p:ph idx="1"/>
+          </p:nvPr>
+        </p:nvSpPr>
+        <p:spPr>
+          <a:xfrm>
+            <a:off x="838199" y="1825625"/>
+            <a:ext cx="8347911" cy="4351338"/>
+          </a:xfrm>
+        </p:spPr>
+        <p:txBody>
+          <a:bodyPr/>
+          <a:lstStyle/>
+          <a:p>
+            <a:pPr lvl="0"/>
+            <a:r>
+              <a:rPr lang="da-DK" sz="3200" smtClean="0"/>
+              <a:t>We can now</a:t>
+            </a:r>
+          </a:p>
+          <a:p>
+            <a:pPr lvl="1"/>
+            <a:r>
+              <a:rPr lang="da-DK" sz="2800" smtClean="0"/>
+              <a:t>Create a new database</a:t>
+            </a:r>
+          </a:p>
+          <a:p>
+            <a:pPr lvl="1"/>
+            <a:r>
+              <a:rPr lang="da-DK" sz="2800" smtClean="0"/>
+              <a:t>Run a given script on the database</a:t>
+            </a:r>
+          </a:p>
+          <a:p>
+            <a:pPr lvl="0"/>
+            <a:r>
+              <a:rPr lang="da-DK" sz="3200" smtClean="0"/>
+              <a:t>Next steps are</a:t>
+            </a:r>
+          </a:p>
+          <a:p>
+            <a:pPr lvl="1"/>
+            <a:r>
+              <a:rPr lang="da-DK" sz="2800" smtClean="0"/>
+              <a:t>Execute </a:t>
+            </a:r>
+            <a:r>
+              <a:rPr lang="da-DK" sz="2800" b="1" smtClean="0"/>
+              <a:t>SELECT</a:t>
+            </a:r>
+            <a:r>
+              <a:rPr lang="da-DK" sz="2800" smtClean="0"/>
+              <a:t> queries on a database (and also </a:t>
+            </a:r>
+            <a:r>
+              <a:rPr lang="da-DK" sz="2800" b="1" smtClean="0"/>
+              <a:t>INSERT</a:t>
+            </a:r>
+            <a:r>
+              <a:rPr lang="da-DK" sz="2800" smtClean="0"/>
+              <a:t>, </a:t>
+            </a:r>
+            <a:r>
+              <a:rPr lang="da-DK" sz="2800" b="1" smtClean="0"/>
+              <a:t>UPDATE</a:t>
+            </a:r>
+            <a:r>
+              <a:rPr lang="da-DK" sz="2800" smtClean="0"/>
+              <a:t> and </a:t>
+            </a:r>
+            <a:r>
+              <a:rPr lang="da-DK" sz="2800" b="1" smtClean="0"/>
+              <a:t>DELETE</a:t>
+            </a:r>
+            <a:r>
+              <a:rPr lang="da-DK" sz="2800" smtClean="0"/>
+              <a:t>)</a:t>
+            </a:r>
+          </a:p>
+          <a:p>
+            <a:pPr lvl="1"/>
+            <a:r>
+              <a:rPr lang="da-DK" sz="2800" smtClean="0"/>
+              <a:t>Define tables manually</a:t>
+            </a:r>
+            <a:endParaRPr lang="da-DK"/>
+          </a:p>
+        </p:txBody>
+      </p:sp>
+    </p:spTree>
+    <p:extLst>
+      <p:ext uri="{BB962C8B-B14F-4D97-AF65-F5344CB8AC3E}">
+        <p14:creationId xmlns:p14="http://schemas.microsoft.com/office/powerpoint/2010/main" val="1046253541"/>
+      </p:ext>
+    </p:extLst>
+  </p:cSld>
+  <p:clrMapOvr>
+    <a:masterClrMapping/>
+  </p:clrMapOvr>
+  <p:timing>
+    <p:tnLst>
+      <p:par>
+        <p:cTn id="1" dur="indefinite" restart="never" nodeType="tmRoot"/>
+      </p:par>
+    </p:tnLst>
   </p:timing>
 </p:sld>
 </file>
@@ -7239,7 +6933,7 @@
           <a:p>
             <a:r>
               <a:rPr lang="da-DK" b="1" smtClean="0"/>
-              <a:t>Creating a database in Visual Studio</a:t>
+              <a:t>Executing queries on a database</a:t>
             </a:r>
             <a:endParaRPr lang="da-DK" b="1"/>
           </a:p>
@@ -7257,94 +6951,43 @@
         </p:nvSpPr>
         <p:spPr>
           <a:xfrm>
-            <a:off x="838199" y="1825625"/>
-            <a:ext cx="8347911" cy="4351338"/>
+            <a:off x="838200" y="1825625"/>
+            <a:ext cx="6705600" cy="4351338"/>
           </a:xfrm>
         </p:spPr>
         <p:txBody>
           <a:bodyPr/>
           <a:lstStyle/>
           <a:p>
-            <a:pPr lvl="0"/>
-            <a:r>
-              <a:rPr lang="da-DK" sz="3200" smtClean="0"/>
-              <a:t>We can now</a:t>
+            <a:r>
+              <a:rPr lang="da-DK" smtClean="0"/>
+              <a:t>Same procedure as executing a given script</a:t>
             </a:r>
           </a:p>
           <a:p>
             <a:pPr lvl="1"/>
             <a:r>
-              <a:rPr lang="da-DK" sz="2800" smtClean="0"/>
-              <a:t>Create a new database</a:t>
-            </a:r>
+              <a:rPr lang="da-DK" smtClean="0"/>
+              <a:t>Open a </a:t>
+            </a:r>
+            <a:r>
+              <a:rPr lang="da-DK" b="1" smtClean="0"/>
+              <a:t>Query Window</a:t>
+            </a:r>
+            <a:endParaRPr lang="da-DK"/>
           </a:p>
           <a:p>
             <a:pPr lvl="1"/>
             <a:r>
-              <a:rPr lang="da-DK" sz="2800" smtClean="0"/>
-              <a:t>Run a given script on the database</a:t>
-            </a:r>
-          </a:p>
-          <a:p>
-            <a:pPr lvl="0"/>
-            <a:r>
-              <a:rPr lang="da-DK" sz="3200" smtClean="0"/>
-              <a:t>Next steps are</a:t>
+              <a:rPr lang="da-DK" smtClean="0"/>
+              <a:t>Type in your query</a:t>
             </a:r>
           </a:p>
           <a:p>
             <a:pPr lvl="1"/>
             <a:r>
-              <a:rPr lang="da-DK" sz="2800" smtClean="0"/>
-              <a:t>Execute </a:t>
-            </a:r>
-            <a:r>
-              <a:rPr lang="da-DK" sz="2800" b="1" smtClean="0"/>
-              <a:t>SELECT</a:t>
-            </a:r>
-            <a:r>
-              <a:rPr lang="da-DK" sz="2800" smtClean="0"/>
-              <a:t> queries </a:t>
-            </a:r>
-            <a:r>
-              <a:rPr lang="da-DK" sz="2800" smtClean="0"/>
-              <a:t>on a </a:t>
-            </a:r>
-            <a:r>
-              <a:rPr lang="da-DK" sz="2800" smtClean="0"/>
-              <a:t>database (and also </a:t>
-            </a:r>
-            <a:r>
-              <a:rPr lang="da-DK" sz="2800" b="1" smtClean="0"/>
-              <a:t>INSERT</a:t>
-            </a:r>
-            <a:r>
-              <a:rPr lang="da-DK" sz="2800" smtClean="0"/>
-              <a:t>, </a:t>
-            </a:r>
-            <a:r>
-              <a:rPr lang="da-DK" sz="2800" b="1" smtClean="0"/>
-              <a:t>UPDATE</a:t>
-            </a:r>
-            <a:r>
-              <a:rPr lang="da-DK" sz="2800" smtClean="0"/>
-              <a:t> and </a:t>
-            </a:r>
-            <a:r>
-              <a:rPr lang="da-DK" sz="2800" b="1" smtClean="0"/>
-              <a:t>DELETE</a:t>
-            </a:r>
-            <a:r>
-              <a:rPr lang="da-DK" sz="2800" smtClean="0"/>
-              <a:t>)</a:t>
-            </a:r>
-            <a:endParaRPr lang="da-DK" sz="2800" smtClean="0"/>
-          </a:p>
-          <a:p>
-            <a:pPr lvl="1"/>
-            <a:r>
-              <a:rPr lang="da-DK" sz="2800" smtClean="0"/>
-              <a:t>Define tables manually</a:t>
+              <a:rPr lang="da-DK" smtClean="0"/>
+              <a:t>Execute the query</a:t>
             </a:r>
             <a:endParaRPr lang="da-DK"/>
           </a:p>
@@ -7353,7 +6996,7 @@
     </p:spTree>
     <p:extLst>
       <p:ext uri="{BB962C8B-B14F-4D97-AF65-F5344CB8AC3E}">
-        <p14:creationId xmlns:p14="http://schemas.microsoft.com/office/powerpoint/2010/main" val="1046253541"/>
+        <p14:creationId xmlns:p14="http://schemas.microsoft.com/office/powerpoint/2010/main" val="3101748079"/>
       </p:ext>
     </p:extLst>
   </p:cSld>
@@ -7387,87 +7030,92 @@
           <a:chExt cx="0" cy="0"/>
         </a:xfrm>
       </p:grpSpPr>
+      <p:pic>
+        <p:nvPicPr>
+          <p:cNvPr id="2" name="Billede 1"/>
+          <p:cNvPicPr>
+            <a:picLocks noChangeAspect="1"/>
+          </p:cNvPicPr>
+          <p:nvPr/>
+        </p:nvPicPr>
+        <p:blipFill>
+          <a:blip r:embed="rId2"/>
+          <a:stretch>
+            <a:fillRect/>
+          </a:stretch>
+        </p:blipFill>
+        <p:spPr>
+          <a:xfrm>
+            <a:off x="2906798" y="617323"/>
+            <a:ext cx="2943225" cy="5524500"/>
+          </a:xfrm>
+          <a:prstGeom prst="rect">
+            <a:avLst/>
+          </a:prstGeom>
+        </p:spPr>
+      </p:pic>
       <p:sp>
         <p:nvSpPr>
-          <p:cNvPr id="2" name="Titel 1"/>
-          <p:cNvSpPr>
-            <a:spLocks noGrp="1"/>
-          </p:cNvSpPr>
-          <p:nvPr>
-            <p:ph type="title"/>
-          </p:nvPr>
-        </p:nvSpPr>
-        <p:spPr/>
-        <p:txBody>
-          <a:bodyPr/>
-          <a:lstStyle/>
-          <a:p>
-            <a:r>
-              <a:rPr lang="da-DK" b="1" smtClean="0"/>
-              <a:t>Executing queries on a database</a:t>
-            </a:r>
-            <a:endParaRPr lang="da-DK" b="1"/>
-          </a:p>
-        </p:txBody>
-      </p:sp>
-      <p:sp>
-        <p:nvSpPr>
-          <p:cNvPr id="3" name="Pladsholder til indhold 2"/>
-          <p:cNvSpPr>
-            <a:spLocks noGrp="1"/>
-          </p:cNvSpPr>
-          <p:nvPr>
-            <p:ph idx="1"/>
-          </p:nvPr>
+          <p:cNvPr id="4" name="Rektangulær billedforklaring 3"/>
+          <p:cNvSpPr/>
+          <p:nvPr/>
         </p:nvSpPr>
         <p:spPr>
           <a:xfrm>
-            <a:off x="838200" y="1825625"/>
-            <a:ext cx="6705600" cy="4351338"/>
-          </a:xfrm>
-        </p:spPr>
+            <a:off x="5988310" y="3280233"/>
+            <a:ext cx="3868153" cy="806116"/>
+          </a:xfrm>
+          <a:prstGeom prst="wedgeRectCallout">
+            <a:avLst>
+              <a:gd name="adj1" fmla="val -86568"/>
+              <a:gd name="adj2" fmla="val 65670"/>
+            </a:avLst>
+          </a:prstGeom>
+        </p:spPr>
+        <p:style>
+          <a:lnRef idx="2">
+            <a:schemeClr val="accent1">
+              <a:shade val="50000"/>
+            </a:schemeClr>
+          </a:lnRef>
+          <a:fillRef idx="1">
+            <a:schemeClr val="accent1"/>
+          </a:fillRef>
+          <a:effectRef idx="0">
+            <a:schemeClr val="accent1"/>
+          </a:effectRef>
+          <a:fontRef idx="minor">
+            <a:schemeClr val="lt1"/>
+          </a:fontRef>
+        </p:style>
         <p:txBody>
-          <a:bodyPr/>
+          <a:bodyPr rtlCol="0" anchor="ctr"/>
           <a:lstStyle/>
           <a:p>
             <a:r>
-              <a:rPr lang="da-DK" smtClean="0"/>
-              <a:t>Same procedure as executing a given script</a:t>
-            </a:r>
-          </a:p>
-          <a:p>
-            <a:pPr lvl="1"/>
-            <a:r>
-              <a:rPr lang="da-DK" smtClean="0"/>
-              <a:t>Open a </a:t>
-            </a:r>
-            <a:r>
-              <a:rPr lang="da-DK" b="1" smtClean="0"/>
-              <a:t>Query Window</a:t>
-            </a:r>
-            <a:endParaRPr lang="da-DK"/>
-          </a:p>
-          <a:p>
-            <a:pPr lvl="1"/>
-            <a:r>
-              <a:rPr lang="da-DK" smtClean="0"/>
-              <a:t>Type in your query</a:t>
-            </a:r>
-          </a:p>
-          <a:p>
-            <a:pPr lvl="1"/>
-            <a:r>
-              <a:rPr lang="da-DK" smtClean="0"/>
-              <a:t>Execute the query</a:t>
-            </a:r>
-            <a:endParaRPr lang="da-DK"/>
+              <a:rPr lang="da-DK" sz="2400" smtClean="0"/>
+              <a:t>Right-click on </a:t>
+            </a:r>
+            <a:r>
+              <a:rPr lang="da-DK" sz="2400" b="1" smtClean="0"/>
+              <a:t>MyFirstDB</a:t>
+            </a:r>
+            <a:r>
+              <a:rPr lang="da-DK" sz="2400" smtClean="0"/>
+              <a:t>, and choose </a:t>
+            </a:r>
+            <a:r>
+              <a:rPr lang="da-DK" sz="2400" b="1" smtClean="0"/>
+              <a:t>New Ouery…</a:t>
+            </a:r>
+            <a:endParaRPr lang="da-DK" sz="2400" b="1"/>
           </a:p>
         </p:txBody>
       </p:sp>
     </p:spTree>
     <p:extLst>
       <p:ext uri="{BB962C8B-B14F-4D97-AF65-F5344CB8AC3E}">
-        <p14:creationId xmlns:p14="http://schemas.microsoft.com/office/powerpoint/2010/main" val="3101748079"/>
+        <p14:creationId xmlns:p14="http://schemas.microsoft.com/office/powerpoint/2010/main" val="1959066232"/>
       </p:ext>
     </p:extLst>
   </p:cSld>
@@ -7477,9 +7125,88 @@
   <p:timing>
     <p:tnLst>
       <p:par>
-        <p:cTn id="1" dur="indefinite" restart="never" nodeType="tmRoot"/>
+        <p:cTn id="1" dur="indefinite" restart="never" nodeType="tmRoot">
+          <p:childTnLst>
+            <p:seq concurrent="1" nextAc="seek">
+              <p:cTn id="2" dur="indefinite" nodeType="mainSeq">
+                <p:childTnLst>
+                  <p:par>
+                    <p:cTn id="3" fill="hold">
+                      <p:stCondLst>
+                        <p:cond delay="indefinite"/>
+                      </p:stCondLst>
+                      <p:childTnLst>
+                        <p:par>
+                          <p:cTn id="4" fill="hold">
+                            <p:stCondLst>
+                              <p:cond delay="0"/>
+                            </p:stCondLst>
+                            <p:childTnLst>
+                              <p:par>
+                                <p:cTn id="5" presetID="10" presetClass="entr" presetSubtype="0" fill="hold" grpId="0" nodeType="clickEffect">
+                                  <p:stCondLst>
+                                    <p:cond delay="0"/>
+                                  </p:stCondLst>
+                                  <p:childTnLst>
+                                    <p:set>
+                                      <p:cBhvr>
+                                        <p:cTn id="6" dur="1" fill="hold">
+                                          <p:stCondLst>
+                                            <p:cond delay="0"/>
+                                          </p:stCondLst>
+                                        </p:cTn>
+                                        <p:tgtEl>
+                                          <p:spTgt spid="4"/>
+                                        </p:tgtEl>
+                                        <p:attrNameLst>
+                                          <p:attrName>style.visibility</p:attrName>
+                                        </p:attrNameLst>
+                                      </p:cBhvr>
+                                      <p:to>
+                                        <p:strVal val="visible"/>
+                                      </p:to>
+                                    </p:set>
+                                    <p:animEffect transition="in" filter="fade">
+                                      <p:cBhvr>
+                                        <p:cTn id="7" dur="500"/>
+                                        <p:tgtEl>
+                                          <p:spTgt spid="4"/>
+                                        </p:tgtEl>
+                                      </p:cBhvr>
+                                    </p:animEffect>
+                                  </p:childTnLst>
+                                </p:cTn>
+                              </p:par>
+                            </p:childTnLst>
+                          </p:cTn>
+                        </p:par>
+                      </p:childTnLst>
+                    </p:cTn>
+                  </p:par>
+                </p:childTnLst>
+              </p:cTn>
+              <p:prevCondLst>
+                <p:cond evt="onPrev" delay="0">
+                  <p:tgtEl>
+                    <p:sldTgt/>
+                  </p:tgtEl>
+                </p:cond>
+              </p:prevCondLst>
+              <p:nextCondLst>
+                <p:cond evt="onNext" delay="0">
+                  <p:tgtEl>
+                    <p:sldTgt/>
+                  </p:tgtEl>
+                </p:cond>
+              </p:nextCondLst>
+            </p:seq>
+          </p:childTnLst>
+        </p:cTn>
       </p:par>
     </p:tnLst>
+    <p:bldLst>
+      <p:bldP spid="4" grpId="0" animBg="1"/>
+    </p:bldLst>
   </p:timing>
 </p:sld>
 </file>
@@ -7564,7 +7291,7 @@
       </p:grpSpPr>
       <p:pic>
         <p:nvPicPr>
-          <p:cNvPr id="3" name="Billede 2"/>
+          <p:cNvPr id="5" name="Billede 4"/>
           <p:cNvPicPr>
             <a:picLocks noChangeAspect="1"/>
           </p:cNvPicPr>
@@ -7578,8 +7305,8 @@
         </p:blipFill>
         <p:spPr>
           <a:xfrm>
-            <a:off x="1564607" y="627897"/>
-            <a:ext cx="4743450" cy="4772025"/>
+            <a:off x="877327" y="444067"/>
+            <a:ext cx="10523839" cy="5919659"/>
           </a:xfrm>
           <a:prstGeom prst="rect">
             <a:avLst/>
@@ -7594,13 +7321,13 @@
         </p:nvSpPr>
         <p:spPr>
           <a:xfrm>
-            <a:off x="6803856" y="3218449"/>
-            <a:ext cx="3868153" cy="806116"/>
+            <a:off x="721893" y="4289260"/>
+            <a:ext cx="2195765" cy="1016667"/>
           </a:xfrm>
           <a:prstGeom prst="wedgeRectCallout">
             <a:avLst>
-              <a:gd name="adj1" fmla="val -86568"/>
-              <a:gd name="adj2" fmla="val 65670"/>
+              <a:gd name="adj1" fmla="val 57663"/>
+              <a:gd name="adj2" fmla="val -130518"/>
             </a:avLst>
           </a:prstGeom>
         </p:spPr>
@@ -7626,19 +7353,11 @@
           <a:p>
             <a:r>
               <a:rPr lang="da-DK" sz="2400" smtClean="0"/>
-              <a:t>Right-click on </a:t>
+              <a:t>This opens a </a:t>
             </a:r>
             <a:r>
               <a:rPr lang="da-DK" sz="2400" b="1" smtClean="0"/>
-              <a:t>MyFirstDB</a:t>
-            </a:r>
-            <a:r>
-              <a:rPr lang="da-DK" sz="2400" smtClean="0"/>
-              <a:t>, and choose </a:t>
-            </a:r>
-            <a:r>
-              <a:rPr lang="da-DK" sz="2400" b="1" smtClean="0"/>
-              <a:t>New Ouery…</a:t>
+              <a:t>Query window</a:t>
             </a:r>
             <a:endParaRPr lang="da-DK" sz="2400" b="1"/>
           </a:p>
@@ -7647,7 +7366,7 @@
     </p:spTree>
     <p:extLst>
       <p:ext uri="{BB962C8B-B14F-4D97-AF65-F5344CB8AC3E}">
-        <p14:creationId xmlns:p14="http://schemas.microsoft.com/office/powerpoint/2010/main" val="1959066232"/>
+        <p14:creationId xmlns:p14="http://schemas.microsoft.com/office/powerpoint/2010/main" val="2717331314"/>
       </p:ext>
     </p:extLst>
   </p:cSld>
@@ -7762,7 +7481,7 @@
       </p:grpSpPr>
       <p:pic>
         <p:nvPicPr>
-          <p:cNvPr id="2" name="Billede 1"/>
+          <p:cNvPr id="5" name="Billede 4"/>
           <p:cNvPicPr>
             <a:picLocks noChangeAspect="1"/>
           </p:cNvPicPr>
@@ -7776,8 +7495,8 @@
         </p:blipFill>
         <p:spPr>
           <a:xfrm>
-            <a:off x="800100" y="352425"/>
-            <a:ext cx="9085959" cy="5278354"/>
+            <a:off x="877327" y="444067"/>
+            <a:ext cx="10523839" cy="5919659"/>
           </a:xfrm>
           <a:prstGeom prst="rect">
             <a:avLst/>
@@ -7792,13 +7511,13 @@
         </p:nvSpPr>
         <p:spPr>
           <a:xfrm>
-            <a:off x="721893" y="4289260"/>
-            <a:ext cx="2195765" cy="1016667"/>
+            <a:off x="264694" y="4193009"/>
+            <a:ext cx="3465096" cy="1142998"/>
           </a:xfrm>
           <a:prstGeom prst="wedgeRectCallout">
             <a:avLst>
-              <a:gd name="adj1" fmla="val 57663"/>
-              <a:gd name="adj2" fmla="val -130518"/>
+              <a:gd name="adj1" fmla="val 55406"/>
+              <a:gd name="adj2" fmla="val -94729"/>
             </a:avLst>
           </a:prstGeom>
         </p:spPr>
@@ -7824,11 +7543,7 @@
           <a:p>
             <a:r>
               <a:rPr lang="da-DK" sz="2400" smtClean="0"/>
-              <a:t>This opens a </a:t>
-            </a:r>
-            <a:r>
-              <a:rPr lang="da-DK" sz="2400" b="1" smtClean="0"/>
-              <a:t>Query window</a:t>
+              <a:t>Here you can write SQL directly, or copy SQL from a given script</a:t>
             </a:r>
             <a:endParaRPr lang="da-DK" sz="2400" b="1"/>
           </a:p>
@@ -7837,98 +7552,31 @@
     </p:spTree>
     <p:extLst>
       <p:ext uri="{BB962C8B-B14F-4D97-AF65-F5344CB8AC3E}">
-        <p14:creationId xmlns:p14="http://schemas.microsoft.com/office/powerpoint/2010/main" val="2717331314"/>
+        <p14:creationId xmlns:p14="http://schemas.microsoft.com/office/powerpoint/2010/main" val="2323086365"/>
       </p:ext>
     </p:extLst>
   </p:cSld>
   <p:clrMapOvr>
     <a:masterClrMapping/>
   </p:clrMapOvr>
+  <mc:AlternateContent xmlns:mc="http://schemas.openxmlformats.org/markup-compatibility/2006" xmlns:p14="http://schemas.microsoft.com/office/powerpoint/2010/main">
+    <mc:Choice Requires="p14">
+      <p:transition spd="med" p14:dur="700">
+        <p:fade/>
+      </p:transition>
+    </mc:Choice>
+    <mc:Fallback xmlns="">
+      <p:transition spd="med">
+        <p:fade/>
+      </p:transition>
+    </mc:Fallback>
+  </mc:AlternateContent>
   <p:timing>
     <p:tnLst>
       <p:par>
-        <p:cTn id="1" dur="indefinite" restart="never" nodeType="tmRoot">
-          <p:childTnLst>
-            <p:seq concurrent="1" nextAc="seek">
-              <p:cTn id="2" dur="indefinite" nodeType="mainSeq">
-                <p:childTnLst>
-                  <p:par>
-                    <p:cTn id="3" fill="hold">
-                      <p:stCondLst>
-                        <p:cond delay="indefinite"/>
-                      </p:stCondLst>
-                      <p:childTnLst>
-                        <p:par>
-                          <p:cTn id="4" fill="hold">
-                            <p:stCondLst>
-                              <p:cond delay="0"/>
-                            </p:stCondLst>
-                            <p:childTnLst>
-                              <p:par>
-                                <p:cTn id="5" presetID="10" presetClass="entr" presetSubtype="0" fill="hold" grpId="0" nodeType="clickEffect">
-                                  <p:stCondLst>
-                                    <p:cond delay="0"/>
-                                  </p:stCondLst>
-                                  <p:childTnLst>
-                                    <p:set>
-                                      <p:cBhvr>
-                                        <p:cTn id="6" dur="1" fill="hold">
-                                          <p:stCondLst>
-                                            <p:cond delay="0"/>
-                                          </p:stCondLst>
-                                        </p:cTn>
-                                        <p:tgtEl>
-                                          <p:spTgt spid="4"/>
-                                        </p:tgtEl>
-                                        <p:attrNameLst>
-                                          <p:attrName>style.visibility</p:attrName>
-                                        </p:attrNameLst>
-                                      </p:cBhvr>
-                                      <p:to>
-                                        <p:strVal val="visible"/>
-                                      </p:to>
-                                    </p:set>
-                                    <p:animEffect transition="in" filter="fade">
-                                      <p:cBhvr>
-                                        <p:cTn id="7" dur="500"/>
-                                        <p:tgtEl>
-                                          <p:spTgt spid="4"/>
-                                        </p:tgtEl>
-                                      </p:cBhvr>
-                                    </p:animEffect>
-                                  </p:childTnLst>
-                                </p:cTn>
-                              </p:par>
-                            </p:childTnLst>
-                          </p:cTn>
-                        </p:par>
-                      </p:childTnLst>
-                    </p:cTn>
-                  </p:par>
-                </p:childTnLst>
-              </p:cTn>
-              <p:prevCondLst>
-                <p:cond evt="onPrev" delay="0">
-                  <p:tgtEl>
-                    <p:sldTgt/>
-                  </p:tgtEl>
-                </p:cond>
-              </p:prevCondLst>
-              <p:nextCondLst>
-                <p:cond evt="onNext" delay="0">
-                  <p:tgtEl>
-                    <p:sldTgt/>
-                  </p:tgtEl>
-                </p:cond>
-              </p:nextCondLst>
-            </p:seq>
-          </p:childTnLst>
-        </p:cTn>
+        <p:cTn id="1" dur="indefinite" restart="never" nodeType="tmRoot"/>
       </p:par>
     </p:tnLst>
-    <p:bldLst>
-      <p:bldP spid="4" grpId="0" animBg="1"/>
-    </p:bldLst>
   </p:timing>
 </p:sld>
 </file>
@@ -7952,7 +7600,7 @@
       </p:grpSpPr>
       <p:pic>
         <p:nvPicPr>
-          <p:cNvPr id="2" name="Billede 1"/>
+          <p:cNvPr id="6" name="Billede 5"/>
           <p:cNvPicPr>
             <a:picLocks noChangeAspect="1"/>
           </p:cNvPicPr>
@@ -7966,8 +7614,8 @@
         </p:blipFill>
         <p:spPr>
           <a:xfrm>
-            <a:off x="800100" y="352425"/>
-            <a:ext cx="9085959" cy="5278354"/>
+            <a:off x="877327" y="444067"/>
+            <a:ext cx="10523839" cy="5919660"/>
           </a:xfrm>
           <a:prstGeom prst="rect">
             <a:avLst/>
@@ -7976,19 +7624,19 @@
       </p:pic>
       <p:sp>
         <p:nvSpPr>
-          <p:cNvPr id="4" name="Rektangulær billedforklaring 3"/>
+          <p:cNvPr id="3" name="Rektangulær billedforklaring 2"/>
           <p:cNvSpPr/>
           <p:nvPr/>
         </p:nvSpPr>
         <p:spPr>
           <a:xfrm>
-            <a:off x="264694" y="4193009"/>
-            <a:ext cx="3465096" cy="1142998"/>
+            <a:off x="268758" y="2531833"/>
+            <a:ext cx="2448428" cy="1161048"/>
           </a:xfrm>
           <a:prstGeom prst="wedgeRectCallout">
             <a:avLst>
-              <a:gd name="adj1" fmla="val 55406"/>
-              <a:gd name="adj2" fmla="val -94729"/>
+              <a:gd name="adj1" fmla="val -17833"/>
+              <a:gd name="adj2" fmla="val -144943"/>
             </a:avLst>
           </a:prstGeom>
         </p:spPr>
@@ -8014,181 +7662,32 @@
           <a:p>
             <a:r>
               <a:rPr lang="da-DK" sz="2400" smtClean="0"/>
-              <a:t>Here you can write SQL directly, or copy SQL from a given script</a:t>
+              <a:t>Run script by clicking the small green triangle</a:t>
             </a:r>
             <a:endParaRPr lang="da-DK" sz="2400" b="1"/>
           </a:p>
         </p:txBody>
       </p:sp>
-    </p:spTree>
-    <p:extLst>
-      <p:ext uri="{BB962C8B-B14F-4D97-AF65-F5344CB8AC3E}">
-        <p14:creationId xmlns:p14="http://schemas.microsoft.com/office/powerpoint/2010/main" val="2323086365"/>
-      </p:ext>
-    </p:extLst>
-  </p:cSld>
-  <p:clrMapOvr>
-    <a:masterClrMapping/>
-  </p:clrMapOvr>
-  <mc:AlternateContent xmlns:mc="http://schemas.openxmlformats.org/markup-compatibility/2006">
-    <mc:Choice xmlns:p14="http://schemas.microsoft.com/office/powerpoint/2010/main" Requires="p14">
-      <p:transition spd="med" p14:dur="700">
-        <p:fade/>
-      </p:transition>
-    </mc:Choice>
-    <mc:Fallback>
-      <p:transition spd="med">
-        <p:fade/>
-      </p:transition>
-    </mc:Fallback>
-  </mc:AlternateContent>
-  <p:timing>
-    <p:tnLst>
-      <p:par>
-        <p:cTn id="1" dur="indefinite" restart="never" nodeType="tmRoot">
-          <p:childTnLst>
-            <p:seq concurrent="1" nextAc="seek">
-              <p:cTn id="2" dur="indefinite" nodeType="mainSeq">
-                <p:childTnLst>
-                  <p:par>
-                    <p:cTn id="3" fill="hold">
-                      <p:stCondLst>
-                        <p:cond delay="indefinite"/>
-                      </p:stCondLst>
-                      <p:childTnLst>
-                        <p:par>
-                          <p:cTn id="4" fill="hold">
-                            <p:stCondLst>
-                              <p:cond delay="0"/>
-                            </p:stCondLst>
-                            <p:childTnLst>
-                              <p:par>
-                                <p:cTn id="5" presetID="10" presetClass="entr" presetSubtype="0" fill="hold" grpId="0" nodeType="clickEffect">
-                                  <p:stCondLst>
-                                    <p:cond delay="0"/>
-                                  </p:stCondLst>
-                                  <p:childTnLst>
-                                    <p:set>
-                                      <p:cBhvr>
-                                        <p:cTn id="6" dur="1" fill="hold">
-                                          <p:stCondLst>
-                                            <p:cond delay="0"/>
-                                          </p:stCondLst>
-                                        </p:cTn>
-                                        <p:tgtEl>
-                                          <p:spTgt spid="4"/>
-                                        </p:tgtEl>
-                                        <p:attrNameLst>
-                                          <p:attrName>style.visibility</p:attrName>
-                                        </p:attrNameLst>
-                                      </p:cBhvr>
-                                      <p:to>
-                                        <p:strVal val="visible"/>
-                                      </p:to>
-                                    </p:set>
-                                    <p:animEffect transition="in" filter="fade">
-                                      <p:cBhvr>
-                                        <p:cTn id="7" dur="500"/>
-                                        <p:tgtEl>
-                                          <p:spTgt spid="4"/>
-                                        </p:tgtEl>
-                                      </p:cBhvr>
-                                    </p:animEffect>
-                                  </p:childTnLst>
-                                </p:cTn>
-                              </p:par>
-                            </p:childTnLst>
-                          </p:cTn>
-                        </p:par>
-                      </p:childTnLst>
-                    </p:cTn>
-                  </p:par>
-                </p:childTnLst>
-              </p:cTn>
-              <p:prevCondLst>
-                <p:cond evt="onPrev" delay="0">
-                  <p:tgtEl>
-                    <p:sldTgt/>
-                  </p:tgtEl>
-                </p:cond>
-              </p:prevCondLst>
-              <p:nextCondLst>
-                <p:cond evt="onNext" delay="0">
-                  <p:tgtEl>
-                    <p:sldTgt/>
-                  </p:tgtEl>
-                </p:cond>
-              </p:nextCondLst>
-            </p:seq>
-          </p:childTnLst>
-        </p:cTn>
-      </p:par>
-    </p:tnLst>
-    <p:bldLst>
-      <p:bldP spid="4" grpId="0" animBg="1"/>
-    </p:bldLst>
-  </p:timing>
-</p:sld>
-</file>
-
-<file path=ppt/slides/slide33.xml><?xml version="1.0" encoding="utf-8"?>
-<p:sld xmlns:a="http://schemas.openxmlformats.org/drawingml/2006/main" xmlns:r="http://schemas.openxmlformats.org/officeDocument/2006/relationships" xmlns:p="http://schemas.openxmlformats.org/presentationml/2006/main">
-  <p:cSld>
-    <p:spTree>
-      <p:nvGrpSpPr>
-        <p:cNvPr id="1" name=""/>
-        <p:cNvGrpSpPr/>
-        <p:nvPr/>
-      </p:nvGrpSpPr>
-      <p:grpSpPr>
-        <a:xfrm>
-          <a:off x="0" y="0"/>
-          <a:ext cx="0" cy="0"/>
-          <a:chOff x="0" y="0"/>
-          <a:chExt cx="0" cy="0"/>
-        </a:xfrm>
-      </p:grpSpPr>
-      <p:pic>
-        <p:nvPicPr>
-          <p:cNvPr id="4" name="Billede 3"/>
-          <p:cNvPicPr>
-            <a:picLocks noChangeAspect="1"/>
-          </p:cNvPicPr>
-          <p:nvPr/>
-        </p:nvPicPr>
-        <p:blipFill>
-          <a:blip r:embed="rId2"/>
-          <a:stretch>
-            <a:fillRect/>
-          </a:stretch>
-        </p:blipFill>
-        <p:spPr>
-          <a:xfrm>
-            <a:off x="812135" y="354553"/>
-            <a:ext cx="9262311" cy="5210050"/>
-          </a:xfrm>
-          <a:prstGeom prst="rect">
-            <a:avLst/>
-          </a:prstGeom>
-        </p:spPr>
-      </p:pic>
       <p:sp>
         <p:nvSpPr>
-          <p:cNvPr id="3" name="Rektangulær billedforklaring 2"/>
+          <p:cNvPr id="5" name="Rektangulær billedforklaring 4"/>
           <p:cNvSpPr/>
           <p:nvPr/>
         </p:nvSpPr>
         <p:spPr>
           <a:xfrm>
-            <a:off x="342898" y="2334125"/>
-            <a:ext cx="2448428" cy="1161048"/>
+            <a:off x="5711800" y="1486442"/>
+            <a:ext cx="2765260" cy="515353"/>
           </a:xfrm>
           <a:prstGeom prst="wedgeRectCallout">
             <a:avLst>
-              <a:gd name="adj1" fmla="val -17833"/>
-              <a:gd name="adj2" fmla="val -144943"/>
+              <a:gd name="adj1" fmla="val -69844"/>
+              <a:gd name="adj2" fmla="val -140252"/>
             </a:avLst>
           </a:prstGeom>
+          <a:solidFill>
+            <a:srgbClr val="FF0000"/>
+          </a:solidFill>
         </p:spPr>
         <p:style>
           <a:lnRef idx="2">
@@ -8212,55 +7711,6 @@
           <a:p>
             <a:r>
               <a:rPr lang="da-DK" sz="2400" smtClean="0"/>
-              <a:t>Run script by clicking the small green triangle</a:t>
-            </a:r>
-            <a:endParaRPr lang="da-DK" sz="2400" b="1"/>
-          </a:p>
-        </p:txBody>
-      </p:sp>
-      <p:sp>
-        <p:nvSpPr>
-          <p:cNvPr id="5" name="Rektangulær billedforklaring 4"/>
-          <p:cNvSpPr/>
-          <p:nvPr/>
-        </p:nvSpPr>
-        <p:spPr>
-          <a:xfrm>
-            <a:off x="4995109" y="1313447"/>
-            <a:ext cx="2765260" cy="515353"/>
-          </a:xfrm>
-          <a:prstGeom prst="wedgeRectCallout">
-            <a:avLst>
-              <a:gd name="adj1" fmla="val -69844"/>
-              <a:gd name="adj2" fmla="val -140252"/>
-            </a:avLst>
-          </a:prstGeom>
-          <a:solidFill>
-            <a:srgbClr val="FF0000"/>
-          </a:solidFill>
-        </p:spPr>
-        <p:style>
-          <a:lnRef idx="2">
-            <a:schemeClr val="accent1">
-              <a:shade val="50000"/>
-            </a:schemeClr>
-          </a:lnRef>
-          <a:fillRef idx="1">
-            <a:schemeClr val="accent1"/>
-          </a:fillRef>
-          <a:effectRef idx="0">
-            <a:schemeClr val="accent1"/>
-          </a:effectRef>
-          <a:fontRef idx="minor">
-            <a:schemeClr val="lt1"/>
-          </a:fontRef>
-        </p:style>
-        <p:txBody>
-          <a:bodyPr rtlCol="0" anchor="ctr"/>
-          <a:lstStyle/>
-          <a:p>
-            <a:r>
-              <a:rPr lang="da-DK" sz="2400" smtClean="0"/>
               <a:t>NOT THIS ONE!!! </a:t>
             </a:r>
             <a:r>
@@ -8283,13 +7733,13 @@
   <p:clrMapOvr>
     <a:masterClrMapping/>
   </p:clrMapOvr>
-  <mc:AlternateContent xmlns:mc="http://schemas.openxmlformats.org/markup-compatibility/2006">
-    <mc:Choice xmlns:p14="http://schemas.microsoft.com/office/powerpoint/2010/main" Requires="p14">
+  <mc:AlternateContent xmlns:mc="http://schemas.openxmlformats.org/markup-compatibility/2006" xmlns:p14="http://schemas.microsoft.com/office/powerpoint/2010/main">
+    <mc:Choice Requires="p14">
       <p:transition spd="med" p14:dur="700">
         <p:fade/>
       </p:transition>
     </mc:Choice>
-    <mc:Fallback>
+    <mc:Fallback xmlns="">
       <p:transition spd="med">
         <p:fade/>
       </p:transition>
@@ -8438,7 +7888,7 @@
 </p:sld>
 </file>
 
-<file path=ppt/slides/slide34.xml><?xml version="1.0" encoding="utf-8"?>
+<file path=ppt/slides/slide33.xml><?xml version="1.0" encoding="utf-8"?>
 <p:sld xmlns:a="http://schemas.openxmlformats.org/drawingml/2006/main" xmlns:r="http://schemas.openxmlformats.org/officeDocument/2006/relationships" xmlns:p="http://schemas.openxmlformats.org/presentationml/2006/main">
   <p:cSld>
     <p:spTree>
@@ -8457,7 +7907,7 @@
       </p:grpSpPr>
       <p:pic>
         <p:nvPicPr>
-          <p:cNvPr id="5" name="Billede 4"/>
+          <p:cNvPr id="4" name="Billede 3"/>
           <p:cNvPicPr>
             <a:picLocks noChangeAspect="1"/>
           </p:cNvPicPr>
@@ -8471,8 +7921,8 @@
         </p:blipFill>
         <p:spPr>
           <a:xfrm>
-            <a:off x="812134" y="354553"/>
-            <a:ext cx="9262311" cy="5210050"/>
+            <a:off x="877327" y="444067"/>
+            <a:ext cx="10523840" cy="5919660"/>
           </a:xfrm>
           <a:prstGeom prst="rect">
             <a:avLst/>
@@ -8488,7 +7938,7 @@
         <p:spPr>
           <a:xfrm>
             <a:off x="770021" y="2677026"/>
-            <a:ext cx="2875547" cy="1461837"/>
+            <a:ext cx="7224801" cy="3093579"/>
           </a:xfrm>
           <a:prstGeom prst="roundRect">
             <a:avLst/>
@@ -8535,13 +7985,13 @@
   <p:clrMapOvr>
     <a:masterClrMapping/>
   </p:clrMapOvr>
-  <mc:AlternateContent xmlns:mc="http://schemas.openxmlformats.org/markup-compatibility/2006">
-    <mc:Choice xmlns:p14="http://schemas.microsoft.com/office/powerpoint/2010/main" Requires="p14">
+  <mc:AlternateContent xmlns:mc="http://schemas.openxmlformats.org/markup-compatibility/2006" xmlns:p14="http://schemas.microsoft.com/office/powerpoint/2010/main">
+    <mc:Choice Requires="p14">
       <p:transition spd="med" p14:dur="700">
         <p:fade/>
       </p:transition>
     </mc:Choice>
-    <mc:Fallback>
+    <mc:Fallback xmlns="">
       <p:transition spd="med">
         <p:fade/>
       </p:transition>
@@ -8636,6 +8086,308 @@
 </p:sld>
 </file>
 
+<file path=ppt/slides/slide34.xml><?xml version="1.0" encoding="utf-8"?>
+<p:sld xmlns:a="http://schemas.openxmlformats.org/drawingml/2006/main" xmlns:r="http://schemas.openxmlformats.org/officeDocument/2006/relationships" xmlns:p="http://schemas.openxmlformats.org/presentationml/2006/main">
+  <p:cSld>
+    <p:spTree>
+      <p:nvGrpSpPr>
+        <p:cNvPr id="1" name=""/>
+        <p:cNvGrpSpPr/>
+        <p:nvPr/>
+      </p:nvGrpSpPr>
+      <p:grpSpPr>
+        <a:xfrm>
+          <a:off x="0" y="0"/>
+          <a:ext cx="0" cy="0"/>
+          <a:chOff x="0" y="0"/>
+          <a:chExt cx="0" cy="0"/>
+        </a:xfrm>
+      </p:grpSpPr>
+      <p:pic>
+        <p:nvPicPr>
+          <p:cNvPr id="8" name="Billede 7"/>
+          <p:cNvPicPr>
+            <a:picLocks noChangeAspect="1"/>
+          </p:cNvPicPr>
+          <p:nvPr/>
+        </p:nvPicPr>
+        <p:blipFill>
+          <a:blip r:embed="rId2"/>
+          <a:stretch>
+            <a:fillRect/>
+          </a:stretch>
+        </p:blipFill>
+        <p:spPr>
+          <a:xfrm>
+            <a:off x="877327" y="444067"/>
+            <a:ext cx="10523840" cy="5919660"/>
+          </a:xfrm>
+          <a:prstGeom prst="rect">
+            <a:avLst/>
+          </a:prstGeom>
+        </p:spPr>
+      </p:pic>
+      <p:sp>
+        <p:nvSpPr>
+          <p:cNvPr id="6" name="Rektangulær billedforklaring 5"/>
+          <p:cNvSpPr/>
+          <p:nvPr/>
+        </p:nvSpPr>
+        <p:spPr>
+          <a:xfrm>
+            <a:off x="3931450" y="2707591"/>
+            <a:ext cx="2207797" cy="800102"/>
+          </a:xfrm>
+          <a:prstGeom prst="wedgeRectCallout">
+            <a:avLst>
+              <a:gd name="adj1" fmla="val -57460"/>
+              <a:gd name="adj2" fmla="val -128893"/>
+            </a:avLst>
+          </a:prstGeom>
+        </p:spPr>
+        <p:style>
+          <a:lnRef idx="2">
+            <a:schemeClr val="accent1">
+              <a:shade val="50000"/>
+            </a:schemeClr>
+          </a:lnRef>
+          <a:fillRef idx="1">
+            <a:schemeClr val="accent1"/>
+          </a:fillRef>
+          <a:effectRef idx="0">
+            <a:schemeClr val="accent1"/>
+          </a:effectRef>
+          <a:fontRef idx="minor">
+            <a:schemeClr val="lt1"/>
+          </a:fontRef>
+        </p:style>
+        <p:txBody>
+          <a:bodyPr rtlCol="0" anchor="ctr"/>
+          <a:lstStyle/>
+          <a:p>
+            <a:r>
+              <a:rPr lang="da-DK" sz="2400" smtClean="0"/>
+              <a:t>Syntax errors are indicated</a:t>
+            </a:r>
+            <a:endParaRPr lang="da-DK" sz="2400" b="1"/>
+          </a:p>
+        </p:txBody>
+      </p:sp>
+      <p:sp>
+        <p:nvSpPr>
+          <p:cNvPr id="7" name="Rektangulær billedforklaring 6"/>
+          <p:cNvSpPr/>
+          <p:nvPr/>
+        </p:nvSpPr>
+        <p:spPr>
+          <a:xfrm>
+            <a:off x="5512466" y="1463840"/>
+            <a:ext cx="2729491" cy="800102"/>
+          </a:xfrm>
+          <a:prstGeom prst="wedgeRectCallout">
+            <a:avLst>
+              <a:gd name="adj1" fmla="val -124359"/>
+              <a:gd name="adj2" fmla="val -24161"/>
+            </a:avLst>
+          </a:prstGeom>
+        </p:spPr>
+        <p:style>
+          <a:lnRef idx="2">
+            <a:schemeClr val="accent1">
+              <a:shade val="50000"/>
+            </a:schemeClr>
+          </a:lnRef>
+          <a:fillRef idx="1">
+            <a:schemeClr val="accent1"/>
+          </a:fillRef>
+          <a:effectRef idx="0">
+            <a:schemeClr val="accent1"/>
+          </a:effectRef>
+          <a:fontRef idx="minor">
+            <a:schemeClr val="lt1"/>
+          </a:fontRef>
+        </p:style>
+        <p:txBody>
+          <a:bodyPr rtlCol="0" anchor="ctr"/>
+          <a:lstStyle/>
+          <a:p>
+            <a:r>
+              <a:rPr lang="da-DK" sz="2400" smtClean="0"/>
+              <a:t>Main SQL </a:t>
+            </a:r>
+            <a:r>
+              <a:rPr lang="da-DK" sz="2400" smtClean="0"/>
+              <a:t>keywords in blue </a:t>
+            </a:r>
+            <a:endParaRPr lang="da-DK" sz="2400" b="1"/>
+          </a:p>
+        </p:txBody>
+      </p:sp>
+    </p:spTree>
+    <p:extLst>
+      <p:ext uri="{BB962C8B-B14F-4D97-AF65-F5344CB8AC3E}">
+        <p14:creationId xmlns:p14="http://schemas.microsoft.com/office/powerpoint/2010/main" val="2820754066"/>
+      </p:ext>
+    </p:extLst>
+  </p:cSld>
+  <p:clrMapOvr>
+    <a:masterClrMapping/>
+  </p:clrMapOvr>
+  <mc:AlternateContent xmlns:mc="http://schemas.openxmlformats.org/markup-compatibility/2006" xmlns:p14="http://schemas.microsoft.com/office/powerpoint/2010/main">
+    <mc:Choice Requires="p14">
+      <p:transition spd="med" p14:dur="700">
+        <p:fade/>
+      </p:transition>
+    </mc:Choice>
+    <mc:Fallback xmlns="">
+      <p:transition spd="med">
+        <p:fade/>
+      </p:transition>
+    </mc:Fallback>
+  </mc:AlternateContent>
+  <p:timing>
+    <p:tnLst>
+      <p:par>
+        <p:cTn id="1" dur="indefinite" restart="never" nodeType="tmRoot">
+          <p:childTnLst>
+            <p:seq concurrent="1" nextAc="seek">
+              <p:cTn id="2" dur="indefinite" nodeType="mainSeq">
+                <p:childTnLst>
+                  <p:par>
+                    <p:cTn id="3" fill="hold">
+                      <p:stCondLst>
+                        <p:cond delay="indefinite"/>
+                      </p:stCondLst>
+                      <p:childTnLst>
+                        <p:par>
+                          <p:cTn id="4" fill="hold">
+                            <p:stCondLst>
+                              <p:cond delay="0"/>
+                            </p:stCondLst>
+                            <p:childTnLst>
+                              <p:par>
+                                <p:cTn id="5" presetID="10" presetClass="entr" presetSubtype="0" fill="hold" grpId="0" nodeType="clickEffect">
+                                  <p:stCondLst>
+                                    <p:cond delay="0"/>
+                                  </p:stCondLst>
+                                  <p:childTnLst>
+                                    <p:set>
+                                      <p:cBhvr>
+                                        <p:cTn id="6" dur="1" fill="hold">
+                                          <p:stCondLst>
+                                            <p:cond delay="0"/>
+                                          </p:stCondLst>
+                                        </p:cTn>
+                                        <p:tgtEl>
+                                          <p:spTgt spid="7"/>
+                                        </p:tgtEl>
+                                        <p:attrNameLst>
+                                          <p:attrName>style.visibility</p:attrName>
+                                        </p:attrNameLst>
+                                      </p:cBhvr>
+                                      <p:to>
+                                        <p:strVal val="visible"/>
+                                      </p:to>
+                                    </p:set>
+                                    <p:animEffect transition="in" filter="fade">
+                                      <p:cBhvr>
+                                        <p:cTn id="7" dur="500"/>
+                                        <p:tgtEl>
+                                          <p:spTgt spid="7"/>
+                                        </p:tgtEl>
+                                      </p:cBhvr>
+                                    </p:animEffect>
+                                  </p:childTnLst>
+                                </p:cTn>
+                              </p:par>
+                            </p:childTnLst>
+                          </p:cTn>
+                        </p:par>
+                      </p:childTnLst>
+                    </p:cTn>
+                  </p:par>
+                  <p:par>
+                    <p:cTn id="8" fill="hold">
+                      <p:stCondLst>
+                        <p:cond delay="indefinite"/>
+                      </p:stCondLst>
+                      <p:childTnLst>
+                        <p:par>
+                          <p:cTn id="9" fill="hold">
+                            <p:stCondLst>
+                              <p:cond delay="0"/>
+                            </p:stCondLst>
+                            <p:childTnLst>
+                              <p:par>
+                                <p:cTn id="10" presetID="10" presetClass="entr" presetSubtype="0" fill="hold" grpId="0" nodeType="clickEffect">
+                                  <p:stCondLst>
+                                    <p:cond delay="0"/>
+                                  </p:stCondLst>
+                                  <p:childTnLst>
+                                    <p:set>
+                                      <p:cBhvr>
+                                        <p:cTn id="11" dur="1" fill="hold">
+                                          <p:stCondLst>
+                                            <p:cond delay="0"/>
+                                          </p:stCondLst>
+                                        </p:cTn>
+                                        <p:tgtEl>
+                                          <p:spTgt spid="6"/>
+                                        </p:tgtEl>
+                                        <p:attrNameLst>
+                                          <p:attrName>style.visibility</p:attrName>
+                                        </p:attrNameLst>
+                                      </p:cBhvr>
+                                      <p:to>
+                                        <p:strVal val="visible"/>
+                                      </p:to>
+                                    </p:set>
+                                    <p:animEffect transition="in" filter="fade">
+                                      <p:cBhvr>
+                                        <p:cTn id="12" dur="500"/>
+                                        <p:tgtEl>
+                                          <p:spTgt spid="6"/>
+                                        </p:tgtEl>
+                                      </p:cBhvr>
+                                    </p:animEffect>
+                                  </p:childTnLst>
+                                </p:cTn>
+                              </p:par>
+                            </p:childTnLst>
+                          </p:cTn>
+                        </p:par>
+                      </p:childTnLst>
+                    </p:cTn>
+                  </p:par>
+                </p:childTnLst>
+              </p:cTn>
+              <p:prevCondLst>
+                <p:cond evt="onPrev" delay="0">
+                  <p:tgtEl>
+                    <p:sldTgt/>
+                  </p:tgtEl>
+                </p:cond>
+              </p:prevCondLst>
+              <p:nextCondLst>
+                <p:cond evt="onNext" delay="0">
+                  <p:tgtEl>
+                    <p:sldTgt/>
+                  </p:tgtEl>
+                </p:cond>
+              </p:nextCondLst>
+            </p:seq>
+          </p:childTnLst>
+        </p:cTn>
+      </p:par>
+    </p:tnLst>
+    <p:bldLst>
+      <p:bldP spid="6" grpId="0" animBg="1"/>
+      <p:bldP spid="7" grpId="0" animBg="1"/>
+    </p:bldLst>
+  </p:timing>
+</p:sld>
+</file>
+
 <file path=ppt/slides/slide35.xml><?xml version="1.0" encoding="utf-8"?>
 <p:sld xmlns:a="http://schemas.openxmlformats.org/drawingml/2006/main" xmlns:r="http://schemas.openxmlformats.org/officeDocument/2006/relationships" xmlns:p="http://schemas.openxmlformats.org/presentationml/2006/main">
   <p:cSld>
@@ -8655,7 +8407,7 @@
       </p:grpSpPr>
       <p:pic>
         <p:nvPicPr>
-          <p:cNvPr id="5" name="Billede 4"/>
+          <p:cNvPr id="8" name="Billede 7"/>
           <p:cNvPicPr>
             <a:picLocks noChangeAspect="1"/>
           </p:cNvPicPr>
@@ -8669,8 +8421,8 @@
         </p:blipFill>
         <p:spPr>
           <a:xfrm>
-            <a:off x="836197" y="354554"/>
-            <a:ext cx="9262311" cy="5210050"/>
+            <a:off x="877327" y="444067"/>
+            <a:ext cx="10523840" cy="5919660"/>
           </a:xfrm>
           <a:prstGeom prst="rect">
             <a:avLst/>
@@ -8685,13 +8437,13 @@
         </p:nvSpPr>
         <p:spPr>
           <a:xfrm>
-            <a:off x="4523871" y="2460456"/>
-            <a:ext cx="2207797" cy="800102"/>
+            <a:off x="4523872" y="2460455"/>
+            <a:ext cx="2941724" cy="1209177"/>
           </a:xfrm>
           <a:prstGeom prst="wedgeRectCallout">
             <a:avLst>
-              <a:gd name="adj1" fmla="val -57460"/>
-              <a:gd name="adj2" fmla="val -128893"/>
+              <a:gd name="adj1" fmla="val -53256"/>
+              <a:gd name="adj2" fmla="val -106630"/>
             </a:avLst>
           </a:prstGeom>
         </p:spPr>
@@ -8716,8 +8468,24 @@
           <a:lstStyle/>
           <a:p>
             <a:r>
+              <a:rPr lang="da-DK" sz="2400" smtClean="0">
+                <a:solidFill>
+                  <a:srgbClr val="FF0000"/>
+                </a:solidFill>
+              </a:rPr>
+              <a:t>NB:</a:t>
+            </a:r>
+            <a:r>
               <a:rPr lang="da-DK" sz="2400" smtClean="0"/>
-              <a:t>Syntax errors are indicated</a:t>
+              <a:t> Logical errors </a:t>
+            </a:r>
+            <a:r>
+              <a:rPr lang="da-DK" sz="2400" u="sng" smtClean="0"/>
+              <a:t>not</a:t>
+            </a:r>
+            <a:r>
+              <a:rPr lang="da-DK" sz="2400" smtClean="0"/>
+              <a:t> discovered before running the query!</a:t>
             </a:r>
             <a:endParaRPr lang="da-DK" sz="2400" b="1"/>
           </a:p>
@@ -8725,21 +8493,24 @@
       </p:sp>
       <p:sp>
         <p:nvSpPr>
-          <p:cNvPr id="7" name="Rektangulær billedforklaring 6"/>
+          <p:cNvPr id="7" name="Afrundet rektangel 6"/>
           <p:cNvSpPr/>
           <p:nvPr/>
         </p:nvSpPr>
         <p:spPr>
           <a:xfrm>
-            <a:off x="5512466" y="1463840"/>
-            <a:ext cx="2398297" cy="800102"/>
-          </a:xfrm>
-          <a:prstGeom prst="wedgeRectCallout">
-            <a:avLst>
-              <a:gd name="adj1" fmla="val -116723"/>
-              <a:gd name="adj2" fmla="val -47690"/>
-            </a:avLst>
+            <a:off x="770021" y="2677026"/>
+            <a:ext cx="2875547" cy="607595"/>
+          </a:xfrm>
+          <a:prstGeom prst="roundRect">
+            <a:avLst/>
           </a:prstGeom>
+          <a:noFill/>
+          <a:ln w="76200">
+            <a:solidFill>
+              <a:srgbClr val="FF0000"/>
+            </a:solidFill>
+          </a:ln>
         </p:spPr>
         <p:style>
           <a:lnRef idx="2">
@@ -8761,31 +8532,28 @@
           <a:bodyPr rtlCol="0" anchor="ctr"/>
           <a:lstStyle/>
           <a:p>
-            <a:r>
-              <a:rPr lang="da-DK" sz="2400" smtClean="0"/>
-              <a:t>Correct keywords in blue (some…)</a:t>
-            </a:r>
-            <a:endParaRPr lang="da-DK" sz="2400" b="1"/>
+            <a:pPr algn="ctr"/>
+            <a:endParaRPr lang="da-DK"/>
           </a:p>
         </p:txBody>
       </p:sp>
     </p:spTree>
     <p:extLst>
       <p:ext uri="{BB962C8B-B14F-4D97-AF65-F5344CB8AC3E}">
-        <p14:creationId xmlns:p14="http://schemas.microsoft.com/office/powerpoint/2010/main" val="2820754066"/>
+        <p14:creationId xmlns:p14="http://schemas.microsoft.com/office/powerpoint/2010/main" val="1758913017"/>
       </p:ext>
     </p:extLst>
   </p:cSld>
   <p:clrMapOvr>
     <a:masterClrMapping/>
   </p:clrMapOvr>
-  <mc:AlternateContent xmlns:mc="http://schemas.openxmlformats.org/markup-compatibility/2006">
-    <mc:Choice xmlns:p14="http://schemas.microsoft.com/office/powerpoint/2010/main" Requires="p14">
+  <mc:AlternateContent xmlns:mc="http://schemas.openxmlformats.org/markup-compatibility/2006" xmlns:p14="http://schemas.microsoft.com/office/powerpoint/2010/main">
+    <mc:Choice Requires="p14">
       <p:transition spd="med" p14:dur="700">
         <p:fade/>
       </p:transition>
     </mc:Choice>
-    <mc:Fallback>
+    <mc:Fallback xmlns="">
       <p:transition spd="med">
         <p:fade/>
       </p:transition>
@@ -8953,7 +8721,7 @@
       </p:grpSpPr>
       <p:pic>
         <p:nvPicPr>
-          <p:cNvPr id="5" name="Billede 4"/>
+          <p:cNvPr id="4" name="Billede 3"/>
           <p:cNvPicPr>
             <a:picLocks noChangeAspect="1"/>
           </p:cNvPicPr>
@@ -8967,8 +8735,276 @@
         </p:blipFill>
         <p:spPr>
           <a:xfrm>
-            <a:off x="836197" y="354554"/>
-            <a:ext cx="9262311" cy="5210050"/>
+            <a:off x="877327" y="444067"/>
+            <a:ext cx="10523840" cy="5919660"/>
+          </a:xfrm>
+          <a:prstGeom prst="rect">
+            <a:avLst/>
+          </a:prstGeom>
+        </p:spPr>
+      </p:pic>
+    </p:spTree>
+    <p:extLst>
+      <p:ext uri="{BB962C8B-B14F-4D97-AF65-F5344CB8AC3E}">
+        <p14:creationId xmlns:p14="http://schemas.microsoft.com/office/powerpoint/2010/main" val="1740502514"/>
+      </p:ext>
+    </p:extLst>
+  </p:cSld>
+  <p:clrMapOvr>
+    <a:masterClrMapping/>
+  </p:clrMapOvr>
+  <mc:AlternateContent xmlns:mc="http://schemas.openxmlformats.org/markup-compatibility/2006" xmlns:p14="http://schemas.microsoft.com/office/powerpoint/2010/main">
+    <mc:Choice Requires="p14">
+      <p:transition spd="med" p14:dur="700">
+        <p:fade/>
+      </p:transition>
+    </mc:Choice>
+    <mc:Fallback xmlns="">
+      <p:transition spd="med">
+        <p:fade/>
+      </p:transition>
+    </mc:Fallback>
+  </mc:AlternateContent>
+  <p:timing>
+    <p:tnLst>
+      <p:par>
+        <p:cTn id="1" dur="indefinite" restart="never" nodeType="tmRoot"/>
+      </p:par>
+    </p:tnLst>
+  </p:timing>
+</p:sld>
+</file>
+
+<file path=ppt/slides/slide37.xml><?xml version="1.0" encoding="utf-8"?>
+<p:sld xmlns:a="http://schemas.openxmlformats.org/drawingml/2006/main" xmlns:r="http://schemas.openxmlformats.org/officeDocument/2006/relationships" xmlns:p="http://schemas.openxmlformats.org/presentationml/2006/main">
+  <p:cSld>
+    <p:spTree>
+      <p:nvGrpSpPr>
+        <p:cNvPr id="1" name=""/>
+        <p:cNvGrpSpPr/>
+        <p:nvPr/>
+      </p:nvGrpSpPr>
+      <p:grpSpPr>
+        <a:xfrm>
+          <a:off x="0" y="0"/>
+          <a:ext cx="0" cy="0"/>
+          <a:chOff x="0" y="0"/>
+          <a:chExt cx="0" cy="0"/>
+        </a:xfrm>
+      </p:grpSpPr>
+      <p:pic>
+        <p:nvPicPr>
+          <p:cNvPr id="3" name="Billede 2"/>
+          <p:cNvPicPr>
+            <a:picLocks noChangeAspect="1"/>
+          </p:cNvPicPr>
+          <p:nvPr/>
+        </p:nvPicPr>
+        <p:blipFill>
+          <a:blip r:embed="rId2"/>
+          <a:stretch>
+            <a:fillRect/>
+          </a:stretch>
+        </p:blipFill>
+        <p:spPr>
+          <a:xfrm>
+            <a:off x="877327" y="444067"/>
+            <a:ext cx="10523840" cy="5919660"/>
+          </a:xfrm>
+          <a:prstGeom prst="rect">
+            <a:avLst/>
+          </a:prstGeom>
+        </p:spPr>
+      </p:pic>
+    </p:spTree>
+    <p:extLst>
+      <p:ext uri="{BB962C8B-B14F-4D97-AF65-F5344CB8AC3E}">
+        <p14:creationId xmlns:p14="http://schemas.microsoft.com/office/powerpoint/2010/main" val="2122458590"/>
+      </p:ext>
+    </p:extLst>
+  </p:cSld>
+  <p:clrMapOvr>
+    <a:masterClrMapping/>
+  </p:clrMapOvr>
+  <mc:AlternateContent xmlns:mc="http://schemas.openxmlformats.org/markup-compatibility/2006" xmlns:p14="http://schemas.microsoft.com/office/powerpoint/2010/main">
+    <mc:Choice Requires="p14">
+      <p:transition spd="med" p14:dur="700">
+        <p:fade/>
+      </p:transition>
+    </mc:Choice>
+    <mc:Fallback xmlns="">
+      <p:transition spd="med">
+        <p:fade/>
+      </p:transition>
+    </mc:Fallback>
+  </mc:AlternateContent>
+  <p:timing>
+    <p:tnLst>
+      <p:par>
+        <p:cTn id="1" dur="indefinite" restart="never" nodeType="tmRoot"/>
+      </p:par>
+    </p:tnLst>
+  </p:timing>
+</p:sld>
+</file>
+
+<file path=ppt/slides/slide38.xml><?xml version="1.0" encoding="utf-8"?>
+<p:sld xmlns:a="http://schemas.openxmlformats.org/drawingml/2006/main" xmlns:r="http://schemas.openxmlformats.org/officeDocument/2006/relationships" xmlns:p="http://schemas.openxmlformats.org/presentationml/2006/main">
+  <p:cSld>
+    <p:spTree>
+      <p:nvGrpSpPr>
+        <p:cNvPr id="1" name=""/>
+        <p:cNvGrpSpPr/>
+        <p:nvPr/>
+      </p:nvGrpSpPr>
+      <p:grpSpPr>
+        <a:xfrm>
+          <a:off x="0" y="0"/>
+          <a:ext cx="0" cy="0"/>
+          <a:chOff x="0" y="0"/>
+          <a:chExt cx="0" cy="0"/>
+        </a:xfrm>
+      </p:grpSpPr>
+      <p:sp>
+        <p:nvSpPr>
+          <p:cNvPr id="2" name="Titel 1"/>
+          <p:cNvSpPr>
+            <a:spLocks noGrp="1"/>
+          </p:cNvSpPr>
+          <p:nvPr>
+            <p:ph type="title"/>
+          </p:nvPr>
+        </p:nvSpPr>
+        <p:spPr/>
+        <p:txBody>
+          <a:bodyPr/>
+          <a:lstStyle/>
+          <a:p>
+            <a:r>
+              <a:rPr lang="da-DK" b="1" smtClean="0"/>
+              <a:t>Defining  a table manually</a:t>
+            </a:r>
+            <a:endParaRPr lang="da-DK" b="1"/>
+          </a:p>
+        </p:txBody>
+      </p:sp>
+      <p:sp>
+        <p:nvSpPr>
+          <p:cNvPr id="3" name="Pladsholder til indhold 2"/>
+          <p:cNvSpPr>
+            <a:spLocks noGrp="1"/>
+          </p:cNvSpPr>
+          <p:nvPr>
+            <p:ph idx="1"/>
+          </p:nvPr>
+        </p:nvSpPr>
+        <p:spPr>
+          <a:xfrm>
+            <a:off x="838200" y="1825625"/>
+            <a:ext cx="6799729" cy="4351338"/>
+          </a:xfrm>
+        </p:spPr>
+        <p:txBody>
+          <a:bodyPr/>
+          <a:lstStyle/>
+          <a:p>
+            <a:r>
+              <a:rPr lang="da-DK" smtClean="0"/>
+              <a:t>Two approaches:</a:t>
+            </a:r>
+          </a:p>
+          <a:p>
+            <a:pPr lvl="1"/>
+            <a:r>
+              <a:rPr lang="da-DK" b="1" smtClean="0"/>
+              <a:t>Write SQL code </a:t>
+            </a:r>
+            <a:r>
+              <a:rPr lang="da-DK" smtClean="0"/>
+              <a:t>for table definition directly in query window </a:t>
+            </a:r>
+          </a:p>
+          <a:p>
+            <a:pPr lvl="1"/>
+            <a:r>
+              <a:rPr lang="da-DK" b="1" smtClean="0"/>
+              <a:t>Use the Designer </a:t>
+            </a:r>
+            <a:r>
+              <a:rPr lang="da-DK" smtClean="0"/>
+              <a:t>to help with table definition. SQL code is then generated automatically</a:t>
+            </a:r>
+          </a:p>
+          <a:p>
+            <a:r>
+              <a:rPr lang="da-DK" smtClean="0"/>
+              <a:t>Last approach is recommended </a:t>
+            </a:r>
+            <a:r>
+              <a:rPr lang="da-DK" smtClean="0">
+                <a:sym typeface="Wingdings" panose="05000000000000000000" pitchFamily="2" charset="2"/>
+              </a:rPr>
+              <a:t></a:t>
+            </a:r>
+            <a:endParaRPr lang="da-DK"/>
+          </a:p>
+        </p:txBody>
+      </p:sp>
+    </p:spTree>
+    <p:extLst>
+      <p:ext uri="{BB962C8B-B14F-4D97-AF65-F5344CB8AC3E}">
+        <p14:creationId xmlns:p14="http://schemas.microsoft.com/office/powerpoint/2010/main" val="1066220350"/>
+      </p:ext>
+    </p:extLst>
+  </p:cSld>
+  <p:clrMapOvr>
+    <a:masterClrMapping/>
+  </p:clrMapOvr>
+  <p:timing>
+    <p:tnLst>
+      <p:par>
+        <p:cTn id="1" dur="indefinite" restart="never" nodeType="tmRoot"/>
+      </p:par>
+    </p:tnLst>
+  </p:timing>
+</p:sld>
+</file>
+
+<file path=ppt/slides/slide39.xml><?xml version="1.0" encoding="utf-8"?>
+<p:sld xmlns:a="http://schemas.openxmlformats.org/drawingml/2006/main" xmlns:r="http://schemas.openxmlformats.org/officeDocument/2006/relationships" xmlns:p="http://schemas.openxmlformats.org/presentationml/2006/main">
+  <p:cSld>
+    <p:spTree>
+      <p:nvGrpSpPr>
+        <p:cNvPr id="1" name=""/>
+        <p:cNvGrpSpPr/>
+        <p:nvPr/>
+      </p:nvGrpSpPr>
+      <p:grpSpPr>
+        <a:xfrm>
+          <a:off x="0" y="0"/>
+          <a:ext cx="0" cy="0"/>
+          <a:chOff x="0" y="0"/>
+          <a:chExt cx="0" cy="0"/>
+        </a:xfrm>
+      </p:grpSpPr>
+      <p:pic>
+        <p:nvPicPr>
+          <p:cNvPr id="2" name="Billede 1"/>
+          <p:cNvPicPr>
+            <a:picLocks noChangeAspect="1"/>
+          </p:cNvPicPr>
+          <p:nvPr/>
+        </p:nvPicPr>
+        <p:blipFill>
+          <a:blip r:embed="rId2"/>
+          <a:stretch>
+            <a:fillRect/>
+          </a:stretch>
+        </p:blipFill>
+        <p:spPr>
+          <a:xfrm>
+            <a:off x="4648200" y="671512"/>
+            <a:ext cx="2895600" cy="5514975"/>
           </a:xfrm>
           <a:prstGeom prst="rect">
             <a:avLst/>
@@ -8983,13 +9019,13 @@
         </p:nvSpPr>
         <p:spPr>
           <a:xfrm>
-            <a:off x="4523872" y="2460455"/>
-            <a:ext cx="2941724" cy="1209177"/>
+            <a:off x="8209927" y="2985400"/>
+            <a:ext cx="2725153" cy="1159045"/>
           </a:xfrm>
           <a:prstGeom prst="wedgeRectCallout">
             <a:avLst>
-              <a:gd name="adj1" fmla="val -52416"/>
-              <a:gd name="adj2" fmla="val -120937"/>
+              <a:gd name="adj1" fmla="val -107239"/>
+              <a:gd name="adj2" fmla="val -54259"/>
             </a:avLst>
           </a:prstGeom>
         </p:spPr>
@@ -9014,97 +9050,27 @@
           <a:lstStyle/>
           <a:p>
             <a:r>
-              <a:rPr lang="da-DK" sz="2400" smtClean="0">
-                <a:solidFill>
-                  <a:srgbClr val="FF0000"/>
-                </a:solidFill>
-              </a:rPr>
-              <a:t>NB:</a:t>
-            </a:r>
-            <a:r>
               <a:rPr lang="da-DK" sz="2400" smtClean="0"/>
-              <a:t> Logical errors </a:t>
-            </a:r>
-            <a:r>
-              <a:rPr lang="da-DK" sz="2400" u="sng" smtClean="0"/>
-              <a:t>not</a:t>
-            </a:r>
-            <a:r>
-              <a:rPr lang="da-DK" sz="2400" smtClean="0"/>
-              <a:t> discovered before running the query!</a:t>
+              <a:t>Right-click on Tables folder, choose </a:t>
+            </a:r>
+            <a:r>
+              <a:rPr lang="da-DK" sz="2400" b="1" smtClean="0"/>
+              <a:t>Add New Table</a:t>
             </a:r>
             <a:endParaRPr lang="da-DK" sz="2400" b="1"/>
-          </a:p>
-        </p:txBody>
-      </p:sp>
-      <p:sp>
-        <p:nvSpPr>
-          <p:cNvPr id="7" name="Afrundet rektangel 6"/>
-          <p:cNvSpPr/>
-          <p:nvPr/>
-        </p:nvSpPr>
-        <p:spPr>
-          <a:xfrm>
-            <a:off x="770021" y="2677026"/>
-            <a:ext cx="2875547" cy="607595"/>
-          </a:xfrm>
-          <a:prstGeom prst="roundRect">
-            <a:avLst/>
-          </a:prstGeom>
-          <a:noFill/>
-          <a:ln w="76200">
-            <a:solidFill>
-              <a:srgbClr val="FF0000"/>
-            </a:solidFill>
-          </a:ln>
-        </p:spPr>
-        <p:style>
-          <a:lnRef idx="2">
-            <a:schemeClr val="accent1">
-              <a:shade val="50000"/>
-            </a:schemeClr>
-          </a:lnRef>
-          <a:fillRef idx="1">
-            <a:schemeClr val="accent1"/>
-          </a:fillRef>
-          <a:effectRef idx="0">
-            <a:schemeClr val="accent1"/>
-          </a:effectRef>
-          <a:fontRef idx="minor">
-            <a:schemeClr val="lt1"/>
-          </a:fontRef>
-        </p:style>
-        <p:txBody>
-          <a:bodyPr rtlCol="0" anchor="ctr"/>
-          <a:lstStyle/>
-          <a:p>
-            <a:pPr algn="ctr"/>
-            <a:endParaRPr lang="da-DK"/>
           </a:p>
         </p:txBody>
       </p:sp>
     </p:spTree>
     <p:extLst>
       <p:ext uri="{BB962C8B-B14F-4D97-AF65-F5344CB8AC3E}">
-        <p14:creationId xmlns:p14="http://schemas.microsoft.com/office/powerpoint/2010/main" val="1758913017"/>
+        <p14:creationId xmlns:p14="http://schemas.microsoft.com/office/powerpoint/2010/main" val="1466579554"/>
       </p:ext>
     </p:extLst>
   </p:cSld>
   <p:clrMapOvr>
     <a:masterClrMapping/>
   </p:clrMapOvr>
-  <mc:AlternateContent xmlns:mc="http://schemas.openxmlformats.org/markup-compatibility/2006">
-    <mc:Choice xmlns:p14="http://schemas.microsoft.com/office/powerpoint/2010/main" Requires="p14">
-      <p:transition spd="med" p14:dur="700">
-        <p:fade/>
-      </p:transition>
-    </mc:Choice>
-    <mc:Fallback>
-      <p:transition spd="med">
-        <p:fade/>
-      </p:transition>
-    </mc:Fallback>
-  </mc:AlternateContent>
   <p:timing>
     <p:tnLst>
       <p:par>
@@ -9166,59 +9132,6 @@
                       </p:childTnLst>
                     </p:cTn>
                   </p:par>
-                  <p:par>
-                    <p:cTn id="8" fill="hold">
-                      <p:stCondLst>
-                        <p:cond delay="indefinite"/>
-                      </p:stCondLst>
-                      <p:childTnLst>
-                        <p:par>
-                          <p:cTn id="9" fill="hold">
-                            <p:stCondLst>
-                              <p:cond delay="0"/>
-                            </p:stCondLst>
-                            <p:childTnLst>
-                              <p:par>
-                                <p:cTn id="10" presetID="10" presetClass="entr" presetSubtype="0" fill="hold" grpId="0" nodeType="clickEffect">
-                                  <p:stCondLst>
-                                    <p:cond delay="0"/>
-                                  </p:stCondLst>
-                                  <p:childTnLst>
-                                    <p:set>
-                                      <p:cBhvr>
-                                        <p:cTn id="11" dur="1" fill="hold">
-                                          <p:stCondLst>
-                                            <p:cond delay="0"/>
-                                          </p:stCondLst>
-                                        </p:cTn>
-                                        <p:tgtEl>
-                                          <p:spTgt spid="7"/>
-                                        </p:tgtEl>
-                                        <p:attrNameLst>
-                                          <p:attrName>style.visibility</p:attrName>
-                                        </p:attrNameLst>
-                                      </p:cBhvr>
-                                      <p:to>
-                                        <p:strVal val="visible"/>
-                                      </p:to>
-                                    </p:set>
-                                    <p:animEffect transition="in" filter="fade">
-                                      <p:cBhvr>
-                                        <p:cTn id="12" dur="500"/>
-                                        <p:tgtEl>
-                                          <p:spTgt spid="7"/>
-                                        </p:tgtEl>
-                                      </p:cBhvr>
-                                    </p:animEffect>
-                                  </p:childTnLst>
-                                </p:cTn>
-                              </p:par>
-                            </p:childTnLst>
-                          </p:cTn>
-                        </p:par>
-                      </p:childTnLst>
-                    </p:cTn>
-                  </p:par>
                 </p:childTnLst>
               </p:cTn>
               <p:prevCondLst>
@@ -9242,401 +9155,7 @@
     </p:tnLst>
     <p:bldLst>
       <p:bldP spid="6" grpId="0" animBg="1"/>
-      <p:bldP spid="7" grpId="0" animBg="1"/>
     </p:bldLst>
-  </p:timing>
-</p:sld>
-</file>
-
-<file path=ppt/slides/slide37.xml><?xml version="1.0" encoding="utf-8"?>
-<p:sld xmlns:a="http://schemas.openxmlformats.org/drawingml/2006/main" xmlns:r="http://schemas.openxmlformats.org/officeDocument/2006/relationships" xmlns:p="http://schemas.openxmlformats.org/presentationml/2006/main">
-  <p:cSld>
-    <p:spTree>
-      <p:nvGrpSpPr>
-        <p:cNvPr id="1" name=""/>
-        <p:cNvGrpSpPr/>
-        <p:nvPr/>
-      </p:nvGrpSpPr>
-      <p:grpSpPr>
-        <a:xfrm>
-          <a:off x="0" y="0"/>
-          <a:ext cx="0" cy="0"/>
-          <a:chOff x="0" y="0"/>
-          <a:chExt cx="0" cy="0"/>
-        </a:xfrm>
-      </p:grpSpPr>
-      <p:pic>
-        <p:nvPicPr>
-          <p:cNvPr id="6" name="Billede 5"/>
-          <p:cNvPicPr>
-            <a:picLocks noChangeAspect="1"/>
-          </p:cNvPicPr>
-          <p:nvPr/>
-        </p:nvPicPr>
-        <p:blipFill>
-          <a:blip r:embed="rId2"/>
-          <a:stretch>
-            <a:fillRect/>
-          </a:stretch>
-        </p:blipFill>
-        <p:spPr>
-          <a:xfrm>
-            <a:off x="836196" y="354554"/>
-            <a:ext cx="9262311" cy="5210050"/>
-          </a:xfrm>
-          <a:prstGeom prst="rect">
-            <a:avLst/>
-          </a:prstGeom>
-        </p:spPr>
-      </p:pic>
-      <p:sp>
-        <p:nvSpPr>
-          <p:cNvPr id="5" name="Rektangulær billedforklaring 4"/>
-          <p:cNvSpPr/>
-          <p:nvPr/>
-        </p:nvSpPr>
-        <p:spPr>
-          <a:xfrm>
-            <a:off x="4736429" y="2047372"/>
-            <a:ext cx="2055398" cy="800102"/>
-          </a:xfrm>
-          <a:prstGeom prst="wedgeRectCallout">
-            <a:avLst>
-              <a:gd name="adj1" fmla="val -105014"/>
-              <a:gd name="adj2" fmla="val -75510"/>
-            </a:avLst>
-          </a:prstGeom>
-        </p:spPr>
-        <p:style>
-          <a:lnRef idx="2">
-            <a:schemeClr val="accent1">
-              <a:shade val="50000"/>
-            </a:schemeClr>
-          </a:lnRef>
-          <a:fillRef idx="1">
-            <a:schemeClr val="accent1"/>
-          </a:fillRef>
-          <a:effectRef idx="0">
-            <a:schemeClr val="accent1"/>
-          </a:effectRef>
-          <a:fontRef idx="minor">
-            <a:schemeClr val="lt1"/>
-          </a:fontRef>
-        </p:style>
-        <p:txBody>
-          <a:bodyPr rtlCol="0" anchor="ctr"/>
-          <a:lstStyle/>
-          <a:p>
-            <a:r>
-              <a:rPr lang="da-DK" sz="2400" smtClean="0"/>
-              <a:t>Column names in pink</a:t>
-            </a:r>
-            <a:endParaRPr lang="da-DK" sz="2400" b="1"/>
-          </a:p>
-        </p:txBody>
-      </p:sp>
-    </p:spTree>
-    <p:extLst>
-      <p:ext uri="{BB962C8B-B14F-4D97-AF65-F5344CB8AC3E}">
-        <p14:creationId xmlns:p14="http://schemas.microsoft.com/office/powerpoint/2010/main" val="1740502514"/>
-      </p:ext>
-    </p:extLst>
-  </p:cSld>
-  <p:clrMapOvr>
-    <a:masterClrMapping/>
-  </p:clrMapOvr>
-  <mc:AlternateContent xmlns:mc="http://schemas.openxmlformats.org/markup-compatibility/2006">
-    <mc:Choice xmlns:p14="http://schemas.microsoft.com/office/powerpoint/2010/main" Requires="p14">
-      <p:transition spd="med" p14:dur="700">
-        <p:fade/>
-      </p:transition>
-    </mc:Choice>
-    <mc:Fallback>
-      <p:transition spd="med">
-        <p:fade/>
-      </p:transition>
-    </mc:Fallback>
-  </mc:AlternateContent>
-  <p:timing>
-    <p:tnLst>
-      <p:par>
-        <p:cTn id="1" dur="indefinite" restart="never" nodeType="tmRoot">
-          <p:childTnLst>
-            <p:seq concurrent="1" nextAc="seek">
-              <p:cTn id="2" dur="indefinite" nodeType="mainSeq">
-                <p:childTnLst>
-                  <p:par>
-                    <p:cTn id="3" fill="hold">
-                      <p:stCondLst>
-                        <p:cond delay="indefinite"/>
-                      </p:stCondLst>
-                      <p:childTnLst>
-                        <p:par>
-                          <p:cTn id="4" fill="hold">
-                            <p:stCondLst>
-                              <p:cond delay="0"/>
-                            </p:stCondLst>
-                            <p:childTnLst>
-                              <p:par>
-                                <p:cTn id="5" presetID="10" presetClass="entr" presetSubtype="0" fill="hold" grpId="0" nodeType="clickEffect">
-                                  <p:stCondLst>
-                                    <p:cond delay="0"/>
-                                  </p:stCondLst>
-                                  <p:childTnLst>
-                                    <p:set>
-                                      <p:cBhvr>
-                                        <p:cTn id="6" dur="1" fill="hold">
-                                          <p:stCondLst>
-                                            <p:cond delay="0"/>
-                                          </p:stCondLst>
-                                        </p:cTn>
-                                        <p:tgtEl>
-                                          <p:spTgt spid="5"/>
-                                        </p:tgtEl>
-                                        <p:attrNameLst>
-                                          <p:attrName>style.visibility</p:attrName>
-                                        </p:attrNameLst>
-                                      </p:cBhvr>
-                                      <p:to>
-                                        <p:strVal val="visible"/>
-                                      </p:to>
-                                    </p:set>
-                                    <p:animEffect transition="in" filter="fade">
-                                      <p:cBhvr>
-                                        <p:cTn id="7" dur="500"/>
-                                        <p:tgtEl>
-                                          <p:spTgt spid="5"/>
-                                        </p:tgtEl>
-                                      </p:cBhvr>
-                                    </p:animEffect>
-                                  </p:childTnLst>
-                                </p:cTn>
-                              </p:par>
-                            </p:childTnLst>
-                          </p:cTn>
-                        </p:par>
-                      </p:childTnLst>
-                    </p:cTn>
-                  </p:par>
-                </p:childTnLst>
-              </p:cTn>
-              <p:prevCondLst>
-                <p:cond evt="onPrev" delay="0">
-                  <p:tgtEl>
-                    <p:sldTgt/>
-                  </p:tgtEl>
-                </p:cond>
-              </p:prevCondLst>
-              <p:nextCondLst>
-                <p:cond evt="onNext" delay="0">
-                  <p:tgtEl>
-                    <p:sldTgt/>
-                  </p:tgtEl>
-                </p:cond>
-              </p:nextCondLst>
-            </p:seq>
-          </p:childTnLst>
-        </p:cTn>
-      </p:par>
-    </p:tnLst>
-    <p:bldLst>
-      <p:bldP spid="5" grpId="0" animBg="1"/>
-    </p:bldLst>
-  </p:timing>
-</p:sld>
-</file>
-
-<file path=ppt/slides/slide38.xml><?xml version="1.0" encoding="utf-8"?>
-<p:sld xmlns:a="http://schemas.openxmlformats.org/drawingml/2006/main" xmlns:r="http://schemas.openxmlformats.org/officeDocument/2006/relationships" xmlns:p="http://schemas.openxmlformats.org/presentationml/2006/main">
-  <p:cSld>
-    <p:spTree>
-      <p:nvGrpSpPr>
-        <p:cNvPr id="1" name=""/>
-        <p:cNvGrpSpPr/>
-        <p:nvPr/>
-      </p:nvGrpSpPr>
-      <p:grpSpPr>
-        <a:xfrm>
-          <a:off x="0" y="0"/>
-          <a:ext cx="0" cy="0"/>
-          <a:chOff x="0" y="0"/>
-          <a:chExt cx="0" cy="0"/>
-        </a:xfrm>
-      </p:grpSpPr>
-      <p:pic>
-        <p:nvPicPr>
-          <p:cNvPr id="5" name="Billede 4"/>
-          <p:cNvPicPr>
-            <a:picLocks noChangeAspect="1"/>
-          </p:cNvPicPr>
-          <p:nvPr/>
-        </p:nvPicPr>
-        <p:blipFill>
-          <a:blip r:embed="rId2"/>
-          <a:stretch>
-            <a:fillRect/>
-          </a:stretch>
-        </p:blipFill>
-        <p:spPr>
-          <a:xfrm>
-            <a:off x="836196" y="354554"/>
-            <a:ext cx="9262311" cy="5210050"/>
-          </a:xfrm>
-          <a:prstGeom prst="rect">
-            <a:avLst/>
-          </a:prstGeom>
-        </p:spPr>
-      </p:pic>
-    </p:spTree>
-    <p:extLst>
-      <p:ext uri="{BB962C8B-B14F-4D97-AF65-F5344CB8AC3E}">
-        <p14:creationId xmlns:p14="http://schemas.microsoft.com/office/powerpoint/2010/main" val="2122458590"/>
-      </p:ext>
-    </p:extLst>
-  </p:cSld>
-  <p:clrMapOvr>
-    <a:masterClrMapping/>
-  </p:clrMapOvr>
-  <mc:AlternateContent xmlns:mc="http://schemas.openxmlformats.org/markup-compatibility/2006">
-    <mc:Choice xmlns:p14="http://schemas.microsoft.com/office/powerpoint/2010/main" Requires="p14">
-      <p:transition spd="med" p14:dur="700">
-        <p:fade/>
-      </p:transition>
-    </mc:Choice>
-    <mc:Fallback>
-      <p:transition spd="med">
-        <p:fade/>
-      </p:transition>
-    </mc:Fallback>
-  </mc:AlternateContent>
-  <p:timing>
-    <p:tnLst>
-      <p:par>
-        <p:cTn id="1" dur="indefinite" restart="never" nodeType="tmRoot"/>
-      </p:par>
-    </p:tnLst>
-  </p:timing>
-</p:sld>
-</file>
-
-<file path=ppt/slides/slide39.xml><?xml version="1.0" encoding="utf-8"?>
-<p:sld xmlns:a="http://schemas.openxmlformats.org/drawingml/2006/main" xmlns:r="http://schemas.openxmlformats.org/officeDocument/2006/relationships" xmlns:p="http://schemas.openxmlformats.org/presentationml/2006/main">
-  <p:cSld>
-    <p:spTree>
-      <p:nvGrpSpPr>
-        <p:cNvPr id="1" name=""/>
-        <p:cNvGrpSpPr/>
-        <p:nvPr/>
-      </p:nvGrpSpPr>
-      <p:grpSpPr>
-        <a:xfrm>
-          <a:off x="0" y="0"/>
-          <a:ext cx="0" cy="0"/>
-          <a:chOff x="0" y="0"/>
-          <a:chExt cx="0" cy="0"/>
-        </a:xfrm>
-      </p:grpSpPr>
-      <p:sp>
-        <p:nvSpPr>
-          <p:cNvPr id="2" name="Titel 1"/>
-          <p:cNvSpPr>
-            <a:spLocks noGrp="1"/>
-          </p:cNvSpPr>
-          <p:nvPr>
-            <p:ph type="title"/>
-          </p:nvPr>
-        </p:nvSpPr>
-        <p:spPr/>
-        <p:txBody>
-          <a:bodyPr/>
-          <a:lstStyle/>
-          <a:p>
-            <a:r>
-              <a:rPr lang="da-DK" b="1" smtClean="0"/>
-              <a:t>Defining  a table manually</a:t>
-            </a:r>
-            <a:endParaRPr lang="da-DK" b="1"/>
-          </a:p>
-        </p:txBody>
-      </p:sp>
-      <p:sp>
-        <p:nvSpPr>
-          <p:cNvPr id="3" name="Pladsholder til indhold 2"/>
-          <p:cNvSpPr>
-            <a:spLocks noGrp="1"/>
-          </p:cNvSpPr>
-          <p:nvPr>
-            <p:ph idx="1"/>
-          </p:nvPr>
-        </p:nvSpPr>
-        <p:spPr>
-          <a:xfrm>
-            <a:off x="838200" y="1825625"/>
-            <a:ext cx="6799729" cy="4351338"/>
-          </a:xfrm>
-        </p:spPr>
-        <p:txBody>
-          <a:bodyPr/>
-          <a:lstStyle/>
-          <a:p>
-            <a:r>
-              <a:rPr lang="da-DK" smtClean="0"/>
-              <a:t>Two approaches:</a:t>
-            </a:r>
-          </a:p>
-          <a:p>
-            <a:pPr lvl="1"/>
-            <a:r>
-              <a:rPr lang="da-DK" b="1" smtClean="0"/>
-              <a:t>Write SQL code </a:t>
-            </a:r>
-            <a:r>
-              <a:rPr lang="da-DK" smtClean="0"/>
-              <a:t>for table definition directly in query window </a:t>
-            </a:r>
-          </a:p>
-          <a:p>
-            <a:pPr lvl="1"/>
-            <a:r>
-              <a:rPr lang="da-DK" b="1" smtClean="0"/>
-              <a:t>Use the Designer </a:t>
-            </a:r>
-            <a:r>
-              <a:rPr lang="da-DK" smtClean="0"/>
-              <a:t>to help with table definition. SQL code is then generated automatically</a:t>
-            </a:r>
-          </a:p>
-          <a:p>
-            <a:r>
-              <a:rPr lang="da-DK" smtClean="0"/>
-              <a:t>Last approach is recommended </a:t>
-            </a:r>
-            <a:r>
-              <a:rPr lang="da-DK" smtClean="0">
-                <a:sym typeface="Wingdings" panose="05000000000000000000" pitchFamily="2" charset="2"/>
-              </a:rPr>
-              <a:t></a:t>
-            </a:r>
-            <a:endParaRPr lang="da-DK"/>
-          </a:p>
-        </p:txBody>
-      </p:sp>
-    </p:spTree>
-    <p:extLst>
-      <p:ext uri="{BB962C8B-B14F-4D97-AF65-F5344CB8AC3E}">
-        <p14:creationId xmlns:p14="http://schemas.microsoft.com/office/powerpoint/2010/main" val="1066220350"/>
-      </p:ext>
-    </p:extLst>
-  </p:cSld>
-  <p:clrMapOvr>
-    <a:masterClrMapping/>
-  </p:clrMapOvr>
-  <p:timing>
-    <p:tnLst>
-      <p:par>
-        <p:cTn id="1" dur="indefinite" restart="never" nodeType="tmRoot"/>
-      </p:par>
-    </p:tnLst>
   </p:timing>
 </p:sld>
 </file>
@@ -9862,7 +9381,7 @@
       </p:grpSpPr>
       <p:pic>
         <p:nvPicPr>
-          <p:cNvPr id="5" name="Billede 4"/>
+          <p:cNvPr id="4" name="Billede 3"/>
           <p:cNvPicPr>
             <a:picLocks noChangeAspect="1"/>
           </p:cNvPicPr>
@@ -9876,8 +9395,8 @@
         </p:blipFill>
         <p:spPr>
           <a:xfrm>
-            <a:off x="836196" y="354554"/>
-            <a:ext cx="9262311" cy="5234905"/>
+            <a:off x="877327" y="444067"/>
+            <a:ext cx="10523840" cy="5919660"/>
           </a:xfrm>
           <a:prstGeom prst="rect">
             <a:avLst/>
@@ -9892,13 +9411,13 @@
         </p:nvSpPr>
         <p:spPr>
           <a:xfrm>
-            <a:off x="3699711" y="2769266"/>
-            <a:ext cx="2725153" cy="1159045"/>
+            <a:off x="5249780" y="4008519"/>
+            <a:ext cx="2725153" cy="840207"/>
           </a:xfrm>
           <a:prstGeom prst="wedgeRectCallout">
             <a:avLst>
-              <a:gd name="adj1" fmla="val 119931"/>
-              <a:gd name="adj2" fmla="val -49995"/>
+              <a:gd name="adj1" fmla="val -99501"/>
+              <a:gd name="adj2" fmla="val -25336"/>
             </a:avLst>
           </a:prstGeom>
         </p:spPr>
@@ -9924,11 +9443,11 @@
           <a:p>
             <a:r>
               <a:rPr lang="da-DK" sz="2400" smtClean="0"/>
-              <a:t>Right-click on Tables folder, choose </a:t>
+              <a:t>New table is initially named </a:t>
             </a:r>
             <a:r>
               <a:rPr lang="da-DK" sz="2400" b="1" smtClean="0"/>
-              <a:t>Add New Table</a:t>
+              <a:t>Table</a:t>
             </a:r>
             <a:endParaRPr lang="da-DK" sz="2400" b="1"/>
           </a:p>
@@ -9937,13 +9456,25 @@
     </p:spTree>
     <p:extLst>
       <p:ext uri="{BB962C8B-B14F-4D97-AF65-F5344CB8AC3E}">
-        <p14:creationId xmlns:p14="http://schemas.microsoft.com/office/powerpoint/2010/main" val="1466579554"/>
+        <p14:creationId xmlns:p14="http://schemas.microsoft.com/office/powerpoint/2010/main" val="3863005985"/>
       </p:ext>
     </p:extLst>
   </p:cSld>
   <p:clrMapOvr>
     <a:masterClrMapping/>
   </p:clrMapOvr>
+  <mc:AlternateContent xmlns:mc="http://schemas.openxmlformats.org/markup-compatibility/2006" xmlns:p14="http://schemas.microsoft.com/office/powerpoint/2010/main">
+    <mc:Choice Requires="p14">
+      <p:transition spd="med" p14:dur="700">
+        <p:fade/>
+      </p:transition>
+    </mc:Choice>
+    <mc:Fallback xmlns="">
+      <p:transition spd="med">
+        <p:fade/>
+      </p:transition>
+    </mc:Fallback>
+  </mc:AlternateContent>
   <p:timing>
     <p:tnLst>
       <p:par>
@@ -10066,8 +9597,8 @@
         </p:blipFill>
         <p:spPr>
           <a:xfrm>
-            <a:off x="858253" y="354554"/>
-            <a:ext cx="9230230" cy="5192004"/>
+            <a:off x="877327" y="444067"/>
+            <a:ext cx="10523840" cy="5919660"/>
           </a:xfrm>
           <a:prstGeom prst="rect">
             <a:avLst/>
@@ -10082,13 +9613,13 @@
         </p:nvSpPr>
         <p:spPr>
           <a:xfrm>
-            <a:off x="5249780" y="4008519"/>
-            <a:ext cx="2725153" cy="840207"/>
+            <a:off x="5929403" y="4786995"/>
+            <a:ext cx="2137608" cy="840207"/>
           </a:xfrm>
           <a:prstGeom prst="wedgeRectCallout">
             <a:avLst>
-              <a:gd name="adj1" fmla="val -107663"/>
-              <a:gd name="adj2" fmla="val -91517"/>
+              <a:gd name="adj1" fmla="val -112447"/>
+              <a:gd name="adj2" fmla="val -107269"/>
             </a:avLst>
           </a:prstGeom>
         </p:spPr>
@@ -10114,33 +9645,75 @@
           <a:p>
             <a:r>
               <a:rPr lang="da-DK" sz="2400" smtClean="0"/>
-              <a:t>New table is initially named </a:t>
-            </a:r>
-            <a:r>
-              <a:rPr lang="da-DK" sz="2400" b="1" smtClean="0"/>
-              <a:t>Table</a:t>
+              <a:t>Change name manually here</a:t>
             </a:r>
             <a:endParaRPr lang="da-DK" sz="2400" b="1"/>
+          </a:p>
+        </p:txBody>
+      </p:sp>
+      <p:sp>
+        <p:nvSpPr>
+          <p:cNvPr id="8" name="Afrundet rektangel 7"/>
+          <p:cNvSpPr/>
+          <p:nvPr/>
+        </p:nvSpPr>
+        <p:spPr>
+          <a:xfrm>
+            <a:off x="1236004" y="3917092"/>
+            <a:ext cx="3602480" cy="525187"/>
+          </a:xfrm>
+          <a:prstGeom prst="roundRect">
+            <a:avLst/>
+          </a:prstGeom>
+          <a:noFill/>
+          <a:ln w="76200">
+            <a:solidFill>
+              <a:srgbClr val="FF0000"/>
+            </a:solidFill>
+          </a:ln>
+        </p:spPr>
+        <p:style>
+          <a:lnRef idx="2">
+            <a:schemeClr val="accent1">
+              <a:shade val="50000"/>
+            </a:schemeClr>
+          </a:lnRef>
+          <a:fillRef idx="1">
+            <a:schemeClr val="accent1"/>
+          </a:fillRef>
+          <a:effectRef idx="0">
+            <a:schemeClr val="accent1"/>
+          </a:effectRef>
+          <a:fontRef idx="minor">
+            <a:schemeClr val="lt1"/>
+          </a:fontRef>
+        </p:style>
+        <p:txBody>
+          <a:bodyPr rtlCol="0" anchor="ctr"/>
+          <a:lstStyle/>
+          <a:p>
+            <a:pPr algn="ctr"/>
+            <a:endParaRPr lang="da-DK"/>
           </a:p>
         </p:txBody>
       </p:sp>
     </p:spTree>
     <p:extLst>
       <p:ext uri="{BB962C8B-B14F-4D97-AF65-F5344CB8AC3E}">
-        <p14:creationId xmlns:p14="http://schemas.microsoft.com/office/powerpoint/2010/main" val="3863005985"/>
+        <p14:creationId xmlns:p14="http://schemas.microsoft.com/office/powerpoint/2010/main" val="1007342973"/>
       </p:ext>
     </p:extLst>
   </p:cSld>
   <p:clrMapOvr>
     <a:masterClrMapping/>
   </p:clrMapOvr>
-  <mc:AlternateContent xmlns:mc="http://schemas.openxmlformats.org/markup-compatibility/2006">
-    <mc:Choice xmlns:p14="http://schemas.microsoft.com/office/powerpoint/2010/main" Requires="p14">
+  <mc:AlternateContent xmlns:mc="http://schemas.openxmlformats.org/markup-compatibility/2006" xmlns:p14="http://schemas.microsoft.com/office/powerpoint/2010/main">
+    <mc:Choice Requires="p14">
       <p:transition spd="med" p14:dur="700">
         <p:fade/>
       </p:transition>
     </mc:Choice>
-    <mc:Fallback>
+    <mc:Fallback xmlns="">
       <p:transition spd="med">
         <p:fade/>
       </p:transition>
@@ -10149,88 +9722,9 @@
   <p:timing>
     <p:tnLst>
       <p:par>
-        <p:cTn id="1" dur="indefinite" restart="never" nodeType="tmRoot">
-          <p:childTnLst>
-            <p:seq concurrent="1" nextAc="seek">
-              <p:cTn id="2" dur="indefinite" nodeType="mainSeq">
-                <p:childTnLst>
-                  <p:par>
-                    <p:cTn id="3" fill="hold">
-                      <p:stCondLst>
-                        <p:cond delay="indefinite"/>
-                      </p:stCondLst>
-                      <p:childTnLst>
-                        <p:par>
-                          <p:cTn id="4" fill="hold">
-                            <p:stCondLst>
-                              <p:cond delay="0"/>
-                            </p:stCondLst>
-                            <p:childTnLst>
-                              <p:par>
-                                <p:cTn id="5" presetID="10" presetClass="entr" presetSubtype="0" fill="hold" grpId="0" nodeType="clickEffect">
-                                  <p:stCondLst>
-                                    <p:cond delay="0"/>
-                                  </p:stCondLst>
-                                  <p:childTnLst>
-                                    <p:set>
-                                      <p:cBhvr>
-                                        <p:cTn id="6" dur="1" fill="hold">
-                                          <p:stCondLst>
-                                            <p:cond delay="0"/>
-                                          </p:stCondLst>
-                                        </p:cTn>
-                                        <p:tgtEl>
-                                          <p:spTgt spid="6"/>
-                                        </p:tgtEl>
-                                        <p:attrNameLst>
-                                          <p:attrName>style.visibility</p:attrName>
-                                        </p:attrNameLst>
-                                      </p:cBhvr>
-                                      <p:to>
-                                        <p:strVal val="visible"/>
-                                      </p:to>
-                                    </p:set>
-                                    <p:animEffect transition="in" filter="fade">
-                                      <p:cBhvr>
-                                        <p:cTn id="7" dur="500"/>
-                                        <p:tgtEl>
-                                          <p:spTgt spid="6"/>
-                                        </p:tgtEl>
-                                      </p:cBhvr>
-                                    </p:animEffect>
-                                  </p:childTnLst>
-                                </p:cTn>
-                              </p:par>
-                            </p:childTnLst>
-                          </p:cTn>
-                        </p:par>
-                      </p:childTnLst>
-                    </p:cTn>
-                  </p:par>
-                </p:childTnLst>
-              </p:cTn>
-              <p:prevCondLst>
-                <p:cond evt="onPrev" delay="0">
-                  <p:tgtEl>
-                    <p:sldTgt/>
-                  </p:tgtEl>
-                </p:cond>
-              </p:prevCondLst>
-              <p:nextCondLst>
-                <p:cond evt="onNext" delay="0">
-                  <p:tgtEl>
-                    <p:sldTgt/>
-                  </p:tgtEl>
-                </p:cond>
-              </p:nextCondLst>
-            </p:seq>
-          </p:childTnLst>
-        </p:cTn>
+        <p:cTn id="1" dur="indefinite" restart="never" nodeType="tmRoot"/>
       </p:par>
     </p:tnLst>
-    <p:bldLst>
-      <p:bldP spid="6" grpId="0" animBg="1"/>
-    </p:bldLst>
   </p:timing>
 </p:sld>
 </file>
@@ -10254,7 +9748,7 @@
       </p:grpSpPr>
       <p:pic>
         <p:nvPicPr>
-          <p:cNvPr id="7" name="Billede 6"/>
+          <p:cNvPr id="4" name="Billede 3"/>
           <p:cNvPicPr>
             <a:picLocks noChangeAspect="1"/>
           </p:cNvPicPr>
@@ -10268,8 +9762,8 @@
         </p:blipFill>
         <p:spPr>
           <a:xfrm>
-            <a:off x="858252" y="354554"/>
-            <a:ext cx="9230229" cy="5192004"/>
+            <a:off x="877327" y="444067"/>
+            <a:ext cx="10523840" cy="5919660"/>
           </a:xfrm>
           <a:prstGeom prst="rect">
             <a:avLst/>
@@ -10284,13 +9778,13 @@
         </p:nvSpPr>
         <p:spPr>
           <a:xfrm>
-            <a:off x="5249781" y="4008519"/>
-            <a:ext cx="2137608" cy="840207"/>
+            <a:off x="1384635" y="2530452"/>
+            <a:ext cx="2850480" cy="840207"/>
           </a:xfrm>
           <a:prstGeom prst="wedgeRectCallout">
             <a:avLst>
-              <a:gd name="adj1" fmla="val -112447"/>
-              <a:gd name="adj2" fmla="val -107269"/>
+              <a:gd name="adj1" fmla="val -47326"/>
+              <a:gd name="adj2" fmla="val -125709"/>
             </a:avLst>
           </a:prstGeom>
         </p:spPr>
@@ -10316,304 +9810,6 @@
           <a:p>
             <a:r>
               <a:rPr lang="da-DK" sz="2400" smtClean="0"/>
-              <a:t>Change name manually here</a:t>
-            </a:r>
-            <a:endParaRPr lang="da-DK" sz="2400" b="1"/>
-          </a:p>
-        </p:txBody>
-      </p:sp>
-      <p:sp>
-        <p:nvSpPr>
-          <p:cNvPr id="8" name="Afrundet rektangel 7"/>
-          <p:cNvSpPr/>
-          <p:nvPr/>
-        </p:nvSpPr>
-        <p:spPr>
-          <a:xfrm>
-            <a:off x="1209174" y="3152273"/>
-            <a:ext cx="2875547" cy="607595"/>
-          </a:xfrm>
-          <a:prstGeom prst="roundRect">
-            <a:avLst/>
-          </a:prstGeom>
-          <a:noFill/>
-          <a:ln w="76200">
-            <a:solidFill>
-              <a:srgbClr val="FF0000"/>
-            </a:solidFill>
-          </a:ln>
-        </p:spPr>
-        <p:style>
-          <a:lnRef idx="2">
-            <a:schemeClr val="accent1">
-              <a:shade val="50000"/>
-            </a:schemeClr>
-          </a:lnRef>
-          <a:fillRef idx="1">
-            <a:schemeClr val="accent1"/>
-          </a:fillRef>
-          <a:effectRef idx="0">
-            <a:schemeClr val="accent1"/>
-          </a:effectRef>
-          <a:fontRef idx="minor">
-            <a:schemeClr val="lt1"/>
-          </a:fontRef>
-        </p:style>
-        <p:txBody>
-          <a:bodyPr rtlCol="0" anchor="ctr"/>
-          <a:lstStyle/>
-          <a:p>
-            <a:pPr algn="ctr"/>
-            <a:endParaRPr lang="da-DK"/>
-          </a:p>
-        </p:txBody>
-      </p:sp>
-    </p:spTree>
-    <p:extLst>
-      <p:ext uri="{BB962C8B-B14F-4D97-AF65-F5344CB8AC3E}">
-        <p14:creationId xmlns:p14="http://schemas.microsoft.com/office/powerpoint/2010/main" val="1007342973"/>
-      </p:ext>
-    </p:extLst>
-  </p:cSld>
-  <p:clrMapOvr>
-    <a:masterClrMapping/>
-  </p:clrMapOvr>
-  <mc:AlternateContent xmlns:mc="http://schemas.openxmlformats.org/markup-compatibility/2006">
-    <mc:Choice xmlns:p14="http://schemas.microsoft.com/office/powerpoint/2010/main" Requires="p14">
-      <p:transition spd="med" p14:dur="700">
-        <p:fade/>
-      </p:transition>
-    </mc:Choice>
-    <mc:Fallback>
-      <p:transition spd="med">
-        <p:fade/>
-      </p:transition>
-    </mc:Fallback>
-  </mc:AlternateContent>
-  <p:timing>
-    <p:tnLst>
-      <p:par>
-        <p:cTn id="1" dur="indefinite" restart="never" nodeType="tmRoot">
-          <p:childTnLst>
-            <p:seq concurrent="1" nextAc="seek">
-              <p:cTn id="2" dur="indefinite" nodeType="mainSeq">
-                <p:childTnLst>
-                  <p:par>
-                    <p:cTn id="3" fill="hold">
-                      <p:stCondLst>
-                        <p:cond delay="indefinite"/>
-                      </p:stCondLst>
-                      <p:childTnLst>
-                        <p:par>
-                          <p:cTn id="4" fill="hold">
-                            <p:stCondLst>
-                              <p:cond delay="0"/>
-                            </p:stCondLst>
-                            <p:childTnLst>
-                              <p:par>
-                                <p:cTn id="5" presetID="10" presetClass="entr" presetSubtype="0" fill="hold" grpId="0" nodeType="clickEffect">
-                                  <p:stCondLst>
-                                    <p:cond delay="0"/>
-                                  </p:stCondLst>
-                                  <p:childTnLst>
-                                    <p:set>
-                                      <p:cBhvr>
-                                        <p:cTn id="6" dur="1" fill="hold">
-                                          <p:stCondLst>
-                                            <p:cond delay="0"/>
-                                          </p:stCondLst>
-                                        </p:cTn>
-                                        <p:tgtEl>
-                                          <p:spTgt spid="6"/>
-                                        </p:tgtEl>
-                                        <p:attrNameLst>
-                                          <p:attrName>style.visibility</p:attrName>
-                                        </p:attrNameLst>
-                                      </p:cBhvr>
-                                      <p:to>
-                                        <p:strVal val="visible"/>
-                                      </p:to>
-                                    </p:set>
-                                    <p:animEffect transition="in" filter="fade">
-                                      <p:cBhvr>
-                                        <p:cTn id="7" dur="500"/>
-                                        <p:tgtEl>
-                                          <p:spTgt spid="6"/>
-                                        </p:tgtEl>
-                                      </p:cBhvr>
-                                    </p:animEffect>
-                                  </p:childTnLst>
-                                </p:cTn>
-                              </p:par>
-                            </p:childTnLst>
-                          </p:cTn>
-                        </p:par>
-                      </p:childTnLst>
-                    </p:cTn>
-                  </p:par>
-                  <p:par>
-                    <p:cTn id="8" fill="hold">
-                      <p:stCondLst>
-                        <p:cond delay="indefinite"/>
-                      </p:stCondLst>
-                      <p:childTnLst>
-                        <p:par>
-                          <p:cTn id="9" fill="hold">
-                            <p:stCondLst>
-                              <p:cond delay="0"/>
-                            </p:stCondLst>
-                            <p:childTnLst>
-                              <p:par>
-                                <p:cTn id="10" presetID="10" presetClass="entr" presetSubtype="0" fill="hold" grpId="0" nodeType="clickEffect">
-                                  <p:stCondLst>
-                                    <p:cond delay="0"/>
-                                  </p:stCondLst>
-                                  <p:childTnLst>
-                                    <p:set>
-                                      <p:cBhvr>
-                                        <p:cTn id="11" dur="1" fill="hold">
-                                          <p:stCondLst>
-                                            <p:cond delay="0"/>
-                                          </p:stCondLst>
-                                        </p:cTn>
-                                        <p:tgtEl>
-                                          <p:spTgt spid="8"/>
-                                        </p:tgtEl>
-                                        <p:attrNameLst>
-                                          <p:attrName>style.visibility</p:attrName>
-                                        </p:attrNameLst>
-                                      </p:cBhvr>
-                                      <p:to>
-                                        <p:strVal val="visible"/>
-                                      </p:to>
-                                    </p:set>
-                                    <p:animEffect transition="in" filter="fade">
-                                      <p:cBhvr>
-                                        <p:cTn id="12" dur="500"/>
-                                        <p:tgtEl>
-                                          <p:spTgt spid="8"/>
-                                        </p:tgtEl>
-                                      </p:cBhvr>
-                                    </p:animEffect>
-                                  </p:childTnLst>
-                                </p:cTn>
-                              </p:par>
-                            </p:childTnLst>
-                          </p:cTn>
-                        </p:par>
-                      </p:childTnLst>
-                    </p:cTn>
-                  </p:par>
-                </p:childTnLst>
-              </p:cTn>
-              <p:prevCondLst>
-                <p:cond evt="onPrev" delay="0">
-                  <p:tgtEl>
-                    <p:sldTgt/>
-                  </p:tgtEl>
-                </p:cond>
-              </p:prevCondLst>
-              <p:nextCondLst>
-                <p:cond evt="onNext" delay="0">
-                  <p:tgtEl>
-                    <p:sldTgt/>
-                  </p:tgtEl>
-                </p:cond>
-              </p:nextCondLst>
-            </p:seq>
-          </p:childTnLst>
-        </p:cTn>
-      </p:par>
-    </p:tnLst>
-    <p:bldLst>
-      <p:bldP spid="6" grpId="0" animBg="1"/>
-      <p:bldP spid="8" grpId="0" animBg="1"/>
-    </p:bldLst>
-  </p:timing>
-</p:sld>
-</file>
-
-<file path=ppt/slides/slide43.xml><?xml version="1.0" encoding="utf-8"?>
-<p:sld xmlns:a="http://schemas.openxmlformats.org/drawingml/2006/main" xmlns:r="http://schemas.openxmlformats.org/officeDocument/2006/relationships" xmlns:p="http://schemas.openxmlformats.org/presentationml/2006/main">
-  <p:cSld>
-    <p:spTree>
-      <p:nvGrpSpPr>
-        <p:cNvPr id="1" name=""/>
-        <p:cNvGrpSpPr/>
-        <p:nvPr/>
-      </p:nvGrpSpPr>
-      <p:grpSpPr>
-        <a:xfrm>
-          <a:off x="0" y="0"/>
-          <a:ext cx="0" cy="0"/>
-          <a:chOff x="0" y="0"/>
-          <a:chExt cx="0" cy="0"/>
-        </a:xfrm>
-      </p:grpSpPr>
-      <p:pic>
-        <p:nvPicPr>
-          <p:cNvPr id="7" name="Billede 6"/>
-          <p:cNvPicPr>
-            <a:picLocks noChangeAspect="1"/>
-          </p:cNvPicPr>
-          <p:nvPr/>
-        </p:nvPicPr>
-        <p:blipFill>
-          <a:blip r:embed="rId2"/>
-          <a:stretch>
-            <a:fillRect/>
-          </a:stretch>
-        </p:blipFill>
-        <p:spPr>
-          <a:xfrm>
-            <a:off x="858252" y="354554"/>
-            <a:ext cx="9230229" cy="5192004"/>
-          </a:xfrm>
-          <a:prstGeom prst="rect">
-            <a:avLst/>
-          </a:prstGeom>
-        </p:spPr>
-      </p:pic>
-      <p:sp>
-        <p:nvSpPr>
-          <p:cNvPr id="6" name="Rektangulær billedforklaring 5"/>
-          <p:cNvSpPr/>
-          <p:nvPr/>
-        </p:nvSpPr>
-        <p:spPr>
-          <a:xfrm>
-            <a:off x="1384635" y="2530452"/>
-            <a:ext cx="2850480" cy="840207"/>
-          </a:xfrm>
-          <a:prstGeom prst="wedgeRectCallout">
-            <a:avLst>
-              <a:gd name="adj1" fmla="val -43858"/>
-              <a:gd name="adj2" fmla="val -159535"/>
-            </a:avLst>
-          </a:prstGeom>
-        </p:spPr>
-        <p:style>
-          <a:lnRef idx="2">
-            <a:schemeClr val="accent1">
-              <a:shade val="50000"/>
-            </a:schemeClr>
-          </a:lnRef>
-          <a:fillRef idx="1">
-            <a:schemeClr val="accent1"/>
-          </a:fillRef>
-          <a:effectRef idx="0">
-            <a:schemeClr val="accent1"/>
-          </a:effectRef>
-          <a:fontRef idx="minor">
-            <a:schemeClr val="lt1"/>
-          </a:fontRef>
-        </p:style>
-        <p:txBody>
-          <a:bodyPr rtlCol="0" anchor="ctr"/>
-          <a:lstStyle/>
-          <a:p>
-            <a:r>
-              <a:rPr lang="da-DK" sz="2400" smtClean="0"/>
               <a:t>Table initially has one column named </a:t>
             </a:r>
             <a:r>
@@ -10634,13 +9830,13 @@
   <p:clrMapOvr>
     <a:masterClrMapping/>
   </p:clrMapOvr>
-  <mc:AlternateContent xmlns:mc="http://schemas.openxmlformats.org/markup-compatibility/2006">
-    <mc:Choice xmlns:p14="http://schemas.microsoft.com/office/powerpoint/2010/main" Requires="p14">
+  <mc:AlternateContent xmlns:mc="http://schemas.openxmlformats.org/markup-compatibility/2006" xmlns:p14="http://schemas.microsoft.com/office/powerpoint/2010/main">
+    <mc:Choice Requires="p14">
       <p:transition spd="med" p14:dur="700">
         <p:fade/>
       </p:transition>
     </mc:Choice>
-    <mc:Fallback>
+    <mc:Fallback xmlns="">
       <p:transition spd="med">
         <p:fade/>
       </p:transition>
@@ -10649,337 +9845,14 @@
   <p:timing>
     <p:tnLst>
       <p:par>
-        <p:cTn id="1" dur="indefinite" restart="never" nodeType="tmRoot">
-          <p:childTnLst>
-            <p:seq concurrent="1" nextAc="seek">
-              <p:cTn id="2" dur="indefinite" nodeType="mainSeq">
-                <p:childTnLst>
-                  <p:par>
-                    <p:cTn id="3" fill="hold">
-                      <p:stCondLst>
-                        <p:cond delay="indefinite"/>
-                      </p:stCondLst>
-                      <p:childTnLst>
-                        <p:par>
-                          <p:cTn id="4" fill="hold">
-                            <p:stCondLst>
-                              <p:cond delay="0"/>
-                            </p:stCondLst>
-                            <p:childTnLst>
-                              <p:par>
-                                <p:cTn id="5" presetID="10" presetClass="entr" presetSubtype="0" fill="hold" grpId="0" nodeType="clickEffect">
-                                  <p:stCondLst>
-                                    <p:cond delay="0"/>
-                                  </p:stCondLst>
-                                  <p:childTnLst>
-                                    <p:set>
-                                      <p:cBhvr>
-                                        <p:cTn id="6" dur="1" fill="hold">
-                                          <p:stCondLst>
-                                            <p:cond delay="0"/>
-                                          </p:stCondLst>
-                                        </p:cTn>
-                                        <p:tgtEl>
-                                          <p:spTgt spid="6"/>
-                                        </p:tgtEl>
-                                        <p:attrNameLst>
-                                          <p:attrName>style.visibility</p:attrName>
-                                        </p:attrNameLst>
-                                      </p:cBhvr>
-                                      <p:to>
-                                        <p:strVal val="visible"/>
-                                      </p:to>
-                                    </p:set>
-                                    <p:animEffect transition="in" filter="fade">
-                                      <p:cBhvr>
-                                        <p:cTn id="7" dur="500"/>
-                                        <p:tgtEl>
-                                          <p:spTgt spid="6"/>
-                                        </p:tgtEl>
-                                      </p:cBhvr>
-                                    </p:animEffect>
-                                  </p:childTnLst>
-                                </p:cTn>
-                              </p:par>
-                            </p:childTnLst>
-                          </p:cTn>
-                        </p:par>
-                      </p:childTnLst>
-                    </p:cTn>
-                  </p:par>
-                </p:childTnLst>
-              </p:cTn>
-              <p:prevCondLst>
-                <p:cond evt="onPrev" delay="0">
-                  <p:tgtEl>
-                    <p:sldTgt/>
-                  </p:tgtEl>
-                </p:cond>
-              </p:prevCondLst>
-              <p:nextCondLst>
-                <p:cond evt="onNext" delay="0">
-                  <p:tgtEl>
-                    <p:sldTgt/>
-                  </p:tgtEl>
-                </p:cond>
-              </p:nextCondLst>
-            </p:seq>
-          </p:childTnLst>
-        </p:cTn>
+        <p:cTn id="1" dur="indefinite" restart="never" nodeType="tmRoot"/>
       </p:par>
     </p:tnLst>
-    <p:bldLst>
-      <p:bldP spid="6" grpId="0" animBg="1"/>
-    </p:bldLst>
   </p:timing>
 </p:sld>
 </file>
 
-<file path=ppt/slides/slide44.xml><?xml version="1.0" encoding="utf-8"?>
-<p:sld xmlns:a="http://schemas.openxmlformats.org/drawingml/2006/main" xmlns:r="http://schemas.openxmlformats.org/officeDocument/2006/relationships" xmlns:p="http://schemas.openxmlformats.org/presentationml/2006/main">
-  <p:cSld>
-    <p:spTree>
-      <p:nvGrpSpPr>
-        <p:cNvPr id="1" name=""/>
-        <p:cNvGrpSpPr/>
-        <p:nvPr/>
-      </p:nvGrpSpPr>
-      <p:grpSpPr>
-        <a:xfrm>
-          <a:off x="0" y="0"/>
-          <a:ext cx="0" cy="0"/>
-          <a:chOff x="0" y="0"/>
-          <a:chExt cx="0" cy="0"/>
-        </a:xfrm>
-      </p:grpSpPr>
-      <p:pic>
-        <p:nvPicPr>
-          <p:cNvPr id="7" name="Billede 6"/>
-          <p:cNvPicPr>
-            <a:picLocks noChangeAspect="1"/>
-          </p:cNvPicPr>
-          <p:nvPr/>
-        </p:nvPicPr>
-        <p:blipFill>
-          <a:blip r:embed="rId2"/>
-          <a:stretch>
-            <a:fillRect/>
-          </a:stretch>
-        </p:blipFill>
-        <p:spPr>
-          <a:xfrm>
-            <a:off x="858252" y="354554"/>
-            <a:ext cx="9230229" cy="5192004"/>
-          </a:xfrm>
-          <a:prstGeom prst="rect">
-            <a:avLst/>
-          </a:prstGeom>
-        </p:spPr>
-      </p:pic>
-      <p:sp>
-        <p:nvSpPr>
-          <p:cNvPr id="6" name="Rektangulær billedforklaring 5"/>
-          <p:cNvSpPr/>
-          <p:nvPr/>
-        </p:nvSpPr>
-        <p:spPr>
-          <a:xfrm>
-            <a:off x="1384635" y="2530452"/>
-            <a:ext cx="2435391" cy="1518174"/>
-          </a:xfrm>
-          <a:prstGeom prst="wedgeRectCallout">
-            <a:avLst>
-              <a:gd name="adj1" fmla="val -44534"/>
-              <a:gd name="adj2" fmla="val -109211"/>
-            </a:avLst>
-          </a:prstGeom>
-        </p:spPr>
-        <p:style>
-          <a:lnRef idx="2">
-            <a:schemeClr val="accent1">
-              <a:shade val="50000"/>
-            </a:schemeClr>
-          </a:lnRef>
-          <a:fillRef idx="1">
-            <a:schemeClr val="accent1"/>
-          </a:fillRef>
-          <a:effectRef idx="0">
-            <a:schemeClr val="accent1"/>
-          </a:effectRef>
-          <a:fontRef idx="minor">
-            <a:schemeClr val="lt1"/>
-          </a:fontRef>
-        </p:style>
-        <p:txBody>
-          <a:bodyPr rtlCol="0" anchor="ctr"/>
-          <a:lstStyle/>
-          <a:p>
-            <a:r>
-              <a:rPr lang="da-DK" sz="2400" smtClean="0"/>
-              <a:t>The column </a:t>
-            </a:r>
-            <a:r>
-              <a:rPr lang="da-DK" sz="2400" b="1" smtClean="0"/>
-              <a:t>Id</a:t>
-            </a:r>
-            <a:r>
-              <a:rPr lang="da-DK" sz="2400" smtClean="0"/>
-              <a:t> is:</a:t>
-            </a:r>
-          </a:p>
-          <a:p>
-            <a:r>
-              <a:rPr lang="da-DK" sz="2400" smtClean="0"/>
-              <a:t>  A </a:t>
-            </a:r>
-            <a:r>
-              <a:rPr lang="da-DK" sz="2400" b="1" smtClean="0"/>
-              <a:t>primary</a:t>
-            </a:r>
-            <a:r>
-              <a:rPr lang="da-DK" sz="2400" smtClean="0"/>
-              <a:t> key</a:t>
-            </a:r>
-          </a:p>
-          <a:p>
-            <a:r>
-              <a:rPr lang="da-DK" sz="2400" smtClean="0"/>
-              <a:t>  Of type </a:t>
-            </a:r>
-            <a:r>
-              <a:rPr lang="da-DK" sz="2400" b="1" smtClean="0"/>
-              <a:t>int</a:t>
-            </a:r>
-          </a:p>
-          <a:p>
-            <a:r>
-              <a:rPr lang="da-DK" sz="2400" smtClean="0"/>
-              <a:t>  Cannot be</a:t>
-            </a:r>
-            <a:r>
-              <a:rPr lang="da-DK" sz="2400" b="1" smtClean="0"/>
-              <a:t> </a:t>
-            </a:r>
-            <a:r>
-              <a:rPr lang="da-DK" sz="2400" b="1" i="1" smtClean="0"/>
-              <a:t>null</a:t>
-            </a:r>
-            <a:endParaRPr lang="da-DK" sz="2400" b="1" i="1"/>
-          </a:p>
-        </p:txBody>
-      </p:sp>
-    </p:spTree>
-    <p:extLst>
-      <p:ext uri="{BB962C8B-B14F-4D97-AF65-F5344CB8AC3E}">
-        <p14:creationId xmlns:p14="http://schemas.microsoft.com/office/powerpoint/2010/main" val="2269192205"/>
-      </p:ext>
-    </p:extLst>
-  </p:cSld>
-  <p:clrMapOvr>
-    <a:masterClrMapping/>
-  </p:clrMapOvr>
-  <mc:AlternateContent xmlns:mc="http://schemas.openxmlformats.org/markup-compatibility/2006">
-    <mc:Choice xmlns:p14="http://schemas.microsoft.com/office/powerpoint/2010/main" Requires="p14">
-      <p:transition spd="med" p14:dur="700">
-        <p:fade/>
-      </p:transition>
-    </mc:Choice>
-    <mc:Fallback>
-      <p:transition spd="med">
-        <p:fade/>
-      </p:transition>
-    </mc:Fallback>
-  </mc:AlternateContent>
-  <p:timing>
-    <p:tnLst>
-      <p:par>
-        <p:cTn id="1" dur="indefinite" restart="never" nodeType="tmRoot">
-          <p:childTnLst>
-            <p:seq concurrent="1" nextAc="seek">
-              <p:cTn id="2" dur="indefinite" nodeType="mainSeq">
-                <p:childTnLst>
-                  <p:par>
-                    <p:cTn id="3" fill="hold">
-                      <p:stCondLst>
-                        <p:cond delay="indefinite"/>
-                      </p:stCondLst>
-                      <p:childTnLst>
-                        <p:par>
-                          <p:cTn id="4" fill="hold">
-                            <p:stCondLst>
-                              <p:cond delay="0"/>
-                            </p:stCondLst>
-                            <p:childTnLst>
-                              <p:par>
-                                <p:cTn id="5" presetID="10" presetClass="entr" presetSubtype="0" fill="hold" grpId="0" nodeType="clickEffect">
-                                  <p:stCondLst>
-                                    <p:cond delay="0"/>
-                                  </p:stCondLst>
-                                  <p:childTnLst>
-                                    <p:set>
-                                      <p:cBhvr>
-                                        <p:cTn id="6" dur="1" fill="hold">
-                                          <p:stCondLst>
-                                            <p:cond delay="0"/>
-                                          </p:stCondLst>
-                                        </p:cTn>
-                                        <p:tgtEl>
-                                          <p:spTgt spid="6"/>
-                                        </p:tgtEl>
-                                        <p:attrNameLst>
-                                          <p:attrName>style.visibility</p:attrName>
-                                        </p:attrNameLst>
-                                      </p:cBhvr>
-                                      <p:to>
-                                        <p:strVal val="visible"/>
-                                      </p:to>
-                                    </p:set>
-                                    <p:animEffect transition="in" filter="fade">
-                                      <p:cBhvr>
-                                        <p:cTn id="7" dur="500"/>
-                                        <p:tgtEl>
-                                          <p:spTgt spid="6"/>
-                                        </p:tgtEl>
-                                      </p:cBhvr>
-                                    </p:animEffect>
-                                  </p:childTnLst>
-                                </p:cTn>
-                              </p:par>
-                            </p:childTnLst>
-                          </p:cTn>
-                        </p:par>
-                      </p:childTnLst>
-                    </p:cTn>
-                  </p:par>
-                </p:childTnLst>
-              </p:cTn>
-              <p:prevCondLst>
-                <p:cond evt="onPrev" delay="0">
-                  <p:tgtEl>
-                    <p:sldTgt/>
-                  </p:tgtEl>
-                </p:cond>
-              </p:prevCondLst>
-              <p:nextCondLst>
-                <p:cond evt="onNext" delay="0">
-                  <p:tgtEl>
-                    <p:sldTgt/>
-                  </p:tgtEl>
-                </p:cond>
-              </p:nextCondLst>
-            </p:seq>
-          </p:childTnLst>
-        </p:cTn>
-      </p:par>
-    </p:tnLst>
-    <p:bldLst>
-      <p:bldP spid="6" grpId="0" animBg="1"/>
-    </p:bldLst>
-  </p:timing>
-</p:sld>
-</file>
-
-<file path=ppt/slides/slide45.xml><?xml version="1.0" encoding="utf-8"?>
+<file path=ppt/slides/slide43.xml><?xml version="1.0" encoding="utf-8"?>
 <p:sld xmlns:a="http://schemas.openxmlformats.org/drawingml/2006/main" xmlns:r="http://schemas.openxmlformats.org/officeDocument/2006/relationships" xmlns:p="http://schemas.openxmlformats.org/presentationml/2006/main">
   <p:cSld>
     <p:spTree>
@@ -11012,8 +9885,8 @@
         </p:blipFill>
         <p:spPr>
           <a:xfrm>
-            <a:off x="858251" y="354554"/>
-            <a:ext cx="9230229" cy="5192004"/>
+            <a:off x="877327" y="444067"/>
+            <a:ext cx="10523840" cy="5919660"/>
           </a:xfrm>
           <a:prstGeom prst="rect">
             <a:avLst/>
@@ -11028,13 +9901,13 @@
         </p:nvSpPr>
         <p:spPr>
           <a:xfrm>
-            <a:off x="3646572" y="2097315"/>
-            <a:ext cx="2657976" cy="1181290"/>
+            <a:off x="1384635" y="2530452"/>
+            <a:ext cx="2435391" cy="1518174"/>
           </a:xfrm>
           <a:prstGeom prst="wedgeRectCallout">
             <a:avLst>
-              <a:gd name="adj1" fmla="val -107906"/>
-              <a:gd name="adj2" fmla="val -91387"/>
+              <a:gd name="adj1" fmla="val -48086"/>
+              <a:gd name="adj2" fmla="val -93746"/>
             </a:avLst>
           </a:prstGeom>
         </p:spPr>
@@ -11060,83 +9933,75 @@
           <a:p>
             <a:r>
               <a:rPr lang="da-DK" sz="2400" smtClean="0"/>
-              <a:t>Change the column definition in the </a:t>
+              <a:t>The column </a:t>
             </a:r>
             <a:r>
               <a:rPr lang="da-DK" sz="2400" b="1" smtClean="0"/>
-              <a:t>Design</a:t>
+              <a:t>Id</a:t>
             </a:r>
             <a:r>
               <a:rPr lang="da-DK" sz="2400" smtClean="0"/>
-              <a:t> view</a:t>
+              <a:t> is:</a:t>
+            </a:r>
+          </a:p>
+          <a:p>
+            <a:r>
+              <a:rPr lang="da-DK" sz="2400" smtClean="0"/>
+              <a:t>  A </a:t>
+            </a:r>
+            <a:r>
+              <a:rPr lang="da-DK" sz="2400" b="1" smtClean="0"/>
+              <a:t>primary</a:t>
+            </a:r>
+            <a:r>
+              <a:rPr lang="da-DK" sz="2400" smtClean="0"/>
+              <a:t> key</a:t>
+            </a:r>
+          </a:p>
+          <a:p>
+            <a:r>
+              <a:rPr lang="da-DK" sz="2400" smtClean="0"/>
+              <a:t>  Of type </a:t>
+            </a:r>
+            <a:r>
+              <a:rPr lang="da-DK" sz="2400" b="1" smtClean="0"/>
+              <a:t>int</a:t>
+            </a:r>
+          </a:p>
+          <a:p>
+            <a:r>
+              <a:rPr lang="da-DK" sz="2400" smtClean="0"/>
+              <a:t>  Cannot be</a:t>
+            </a:r>
+            <a:r>
+              <a:rPr lang="da-DK" sz="2400" b="1" smtClean="0"/>
+              <a:t> </a:t>
+            </a:r>
+            <a:r>
+              <a:rPr lang="da-DK" sz="2400" b="1" i="1" smtClean="0"/>
+              <a:t>null</a:t>
             </a:r>
             <a:endParaRPr lang="da-DK" sz="2400" b="1" i="1"/>
-          </a:p>
-        </p:txBody>
-      </p:sp>
-      <p:sp>
-        <p:nvSpPr>
-          <p:cNvPr id="7" name="Afrundet rektangel 6"/>
-          <p:cNvSpPr/>
-          <p:nvPr/>
-        </p:nvSpPr>
-        <p:spPr>
-          <a:xfrm>
-            <a:off x="1870911" y="3561347"/>
-            <a:ext cx="3260557" cy="607595"/>
-          </a:xfrm>
-          <a:prstGeom prst="roundRect">
-            <a:avLst/>
-          </a:prstGeom>
-          <a:noFill/>
-          <a:ln w="76200">
-            <a:solidFill>
-              <a:srgbClr val="FF0000"/>
-            </a:solidFill>
-          </a:ln>
-        </p:spPr>
-        <p:style>
-          <a:lnRef idx="2">
-            <a:schemeClr val="accent1">
-              <a:shade val="50000"/>
-            </a:schemeClr>
-          </a:lnRef>
-          <a:fillRef idx="1">
-            <a:schemeClr val="accent1"/>
-          </a:fillRef>
-          <a:effectRef idx="0">
-            <a:schemeClr val="accent1"/>
-          </a:effectRef>
-          <a:fontRef idx="minor">
-            <a:schemeClr val="lt1"/>
-          </a:fontRef>
-        </p:style>
-        <p:txBody>
-          <a:bodyPr rtlCol="0" anchor="ctr"/>
-          <a:lstStyle/>
-          <a:p>
-            <a:pPr algn="ctr"/>
-            <a:endParaRPr lang="da-DK"/>
           </a:p>
         </p:txBody>
       </p:sp>
     </p:spTree>
     <p:extLst>
       <p:ext uri="{BB962C8B-B14F-4D97-AF65-F5344CB8AC3E}">
-        <p14:creationId xmlns:p14="http://schemas.microsoft.com/office/powerpoint/2010/main" val="895679465"/>
+        <p14:creationId xmlns:p14="http://schemas.microsoft.com/office/powerpoint/2010/main" val="2269192205"/>
       </p:ext>
     </p:extLst>
   </p:cSld>
   <p:clrMapOvr>
     <a:masterClrMapping/>
   </p:clrMapOvr>
-  <mc:AlternateContent xmlns:mc="http://schemas.openxmlformats.org/markup-compatibility/2006">
-    <mc:Choice xmlns:p14="http://schemas.microsoft.com/office/powerpoint/2010/main" Requires="p14">
+  <mc:AlternateContent xmlns:mc="http://schemas.openxmlformats.org/markup-compatibility/2006" xmlns:p14="http://schemas.microsoft.com/office/powerpoint/2010/main">
+    <mc:Choice Requires="p14">
       <p:transition spd="med" p14:dur="700">
         <p:fade/>
       </p:transition>
     </mc:Choice>
-    <mc:Fallback>
+    <mc:Fallback xmlns="">
       <p:transition spd="med">
         <p:fade/>
       </p:transition>
@@ -11145,147 +10010,14 @@
   <p:timing>
     <p:tnLst>
       <p:par>
-        <p:cTn id="1" dur="indefinite" restart="never" nodeType="tmRoot">
-          <p:childTnLst>
-            <p:seq concurrent="1" nextAc="seek">
-              <p:cTn id="2" dur="indefinite" nodeType="mainSeq">
-                <p:childTnLst>
-                  <p:par>
-                    <p:cTn id="3" fill="hold">
-                      <p:stCondLst>
-                        <p:cond delay="indefinite"/>
-                      </p:stCondLst>
-                      <p:childTnLst>
-                        <p:par>
-                          <p:cTn id="4" fill="hold">
-                            <p:stCondLst>
-                              <p:cond delay="0"/>
-                            </p:stCondLst>
-                            <p:childTnLst>
-                              <p:par>
-                                <p:cTn id="5" presetID="10" presetClass="entr" presetSubtype="0" fill="hold" grpId="0" nodeType="clickEffect">
-                                  <p:stCondLst>
-                                    <p:cond delay="0"/>
-                                  </p:stCondLst>
-                                  <p:childTnLst>
-                                    <p:set>
-                                      <p:cBhvr>
-                                        <p:cTn id="6" dur="1" fill="hold">
-                                          <p:stCondLst>
-                                            <p:cond delay="0"/>
-                                          </p:stCondLst>
-                                        </p:cTn>
-                                        <p:tgtEl>
-                                          <p:spTgt spid="6"/>
-                                        </p:tgtEl>
-                                        <p:attrNameLst>
-                                          <p:attrName>style.visibility</p:attrName>
-                                        </p:attrNameLst>
-                                      </p:cBhvr>
-                                      <p:to>
-                                        <p:strVal val="visible"/>
-                                      </p:to>
-                                    </p:set>
-                                    <p:animEffect transition="in" filter="fade">
-                                      <p:cBhvr>
-                                        <p:cTn id="7" dur="500"/>
-                                        <p:tgtEl>
-                                          <p:spTgt spid="6"/>
-                                        </p:tgtEl>
-                                      </p:cBhvr>
-                                    </p:animEffect>
-                                  </p:childTnLst>
-                                </p:cTn>
-                              </p:par>
-                            </p:childTnLst>
-                          </p:cTn>
-                        </p:par>
-                      </p:childTnLst>
-                    </p:cTn>
-                  </p:par>
-                  <p:par>
-                    <p:cTn id="8" fill="hold">
-                      <p:stCondLst>
-                        <p:cond delay="indefinite"/>
-                      </p:stCondLst>
-                      <p:childTnLst>
-                        <p:par>
-                          <p:cTn id="9" fill="hold">
-                            <p:stCondLst>
-                              <p:cond delay="0"/>
-                            </p:stCondLst>
-                            <p:childTnLst>
-                              <p:par>
-                                <p:cTn id="10" presetID="10" presetClass="entr" presetSubtype="0" fill="hold" grpId="0" nodeType="clickEffect">
-                                  <p:stCondLst>
-                                    <p:cond delay="0"/>
-                                  </p:stCondLst>
-                                  <p:childTnLst>
-                                    <p:set>
-                                      <p:cBhvr>
-                                        <p:cTn id="11" dur="1" fill="hold">
-                                          <p:stCondLst>
-                                            <p:cond delay="0"/>
-                                          </p:stCondLst>
-                                        </p:cTn>
-                                        <p:tgtEl>
-                                          <p:spTgt spid="7"/>
-                                        </p:tgtEl>
-                                        <p:attrNameLst>
-                                          <p:attrName>style.visibility</p:attrName>
-                                        </p:attrNameLst>
-                                      </p:cBhvr>
-                                      <p:to>
-                                        <p:strVal val="visible"/>
-                                      </p:to>
-                                    </p:set>
-                                    <p:animEffect transition="in" filter="fade">
-                                      <p:cBhvr>
-                                        <p:cTn id="12" dur="500"/>
-                                        <p:tgtEl>
-                                          <p:spTgt spid="7"/>
-                                        </p:tgtEl>
-                                      </p:cBhvr>
-                                    </p:animEffect>
-                                  </p:childTnLst>
-                                </p:cTn>
-                              </p:par>
-                            </p:childTnLst>
-                          </p:cTn>
-                        </p:par>
-                      </p:childTnLst>
-                    </p:cTn>
-                  </p:par>
-                </p:childTnLst>
-              </p:cTn>
-              <p:prevCondLst>
-                <p:cond evt="onPrev" delay="0">
-                  <p:tgtEl>
-                    <p:sldTgt/>
-                  </p:tgtEl>
-                </p:cond>
-              </p:prevCondLst>
-              <p:nextCondLst>
-                <p:cond evt="onNext" delay="0">
-                  <p:tgtEl>
-                    <p:sldTgt/>
-                  </p:tgtEl>
-                </p:cond>
-              </p:nextCondLst>
-            </p:seq>
-          </p:childTnLst>
-        </p:cTn>
+        <p:cTn id="1" dur="indefinite" restart="never" nodeType="tmRoot"/>
       </p:par>
     </p:tnLst>
-    <p:bldLst>
-      <p:bldP spid="6" grpId="0" animBg="1"/>
-      <p:bldP spid="7" grpId="0" animBg="1"/>
-    </p:bldLst>
   </p:timing>
 </p:sld>
 </file>
 
-<file path=ppt/slides/slide46.xml><?xml version="1.0" encoding="utf-8"?>
+<file path=ppt/slides/slide44.xml><?xml version="1.0" encoding="utf-8"?>
 <p:sld xmlns:a="http://schemas.openxmlformats.org/drawingml/2006/main" xmlns:r="http://schemas.openxmlformats.org/officeDocument/2006/relationships" xmlns:p="http://schemas.openxmlformats.org/presentationml/2006/main">
   <p:cSld>
     <p:spTree>
@@ -11318,8 +10050,8 @@
         </p:blipFill>
         <p:spPr>
           <a:xfrm>
-            <a:off x="858251" y="354554"/>
-            <a:ext cx="9230230" cy="5192004"/>
+            <a:off x="877327" y="444067"/>
+            <a:ext cx="10523840" cy="5919660"/>
           </a:xfrm>
           <a:prstGeom prst="rect">
             <a:avLst/>
@@ -11334,13 +10066,13 @@
         </p:nvSpPr>
         <p:spPr>
           <a:xfrm>
-            <a:off x="5728035" y="1976999"/>
+            <a:off x="2317584" y="2301739"/>
             <a:ext cx="2657976" cy="1181290"/>
           </a:xfrm>
           <a:prstGeom prst="wedgeRectCallout">
             <a:avLst>
-              <a:gd name="adj1" fmla="val -127370"/>
-              <a:gd name="adj2" fmla="val -52684"/>
+              <a:gd name="adj1" fmla="val -73969"/>
+              <a:gd name="adj2" fmla="val -87203"/>
             </a:avLst>
           </a:prstGeom>
         </p:spPr>
@@ -11366,7 +10098,7 @@
           <a:p>
             <a:r>
               <a:rPr lang="da-DK" sz="2400" smtClean="0"/>
-              <a:t>Add further column definitions in the </a:t>
+              <a:t>Change the column definition in the </a:t>
             </a:r>
             <a:r>
               <a:rPr lang="da-DK" sz="2400" b="1" smtClean="0"/>
@@ -11388,8 +10120,8 @@
         </p:nvSpPr>
         <p:spPr>
           <a:xfrm>
-            <a:off x="1870911" y="3561347"/>
-            <a:ext cx="3260557" cy="1179095"/>
+            <a:off x="1715003" y="4324258"/>
+            <a:ext cx="3260557" cy="607595"/>
           </a:xfrm>
           <a:prstGeom prst="roundRect">
             <a:avLst/>
@@ -11426,21 +10158,94 @@
           </a:p>
         </p:txBody>
       </p:sp>
+    </p:spTree>
+    <p:extLst>
+      <p:ext uri="{BB962C8B-B14F-4D97-AF65-F5344CB8AC3E}">
+        <p14:creationId xmlns:p14="http://schemas.microsoft.com/office/powerpoint/2010/main" val="895679465"/>
+      </p:ext>
+    </p:extLst>
+  </p:cSld>
+  <p:clrMapOvr>
+    <a:masterClrMapping/>
+  </p:clrMapOvr>
+  <mc:AlternateContent xmlns:mc="http://schemas.openxmlformats.org/markup-compatibility/2006" xmlns:p14="http://schemas.microsoft.com/office/powerpoint/2010/main">
+    <mc:Choice Requires="p14">
+      <p:transition spd="med" p14:dur="700">
+        <p:fade/>
+      </p:transition>
+    </mc:Choice>
+    <mc:Fallback xmlns="">
+      <p:transition spd="med">
+        <p:fade/>
+      </p:transition>
+    </mc:Fallback>
+  </mc:AlternateContent>
+  <p:timing>
+    <p:tnLst>
+      <p:par>
+        <p:cTn id="1" dur="indefinite" restart="never" nodeType="tmRoot"/>
+      </p:par>
+    </p:tnLst>
+  </p:timing>
+</p:sld>
+</file>
+
+<file path=ppt/slides/slide45.xml><?xml version="1.0" encoding="utf-8"?>
+<p:sld xmlns:a="http://schemas.openxmlformats.org/drawingml/2006/main" xmlns:r="http://schemas.openxmlformats.org/officeDocument/2006/relationships" xmlns:p="http://schemas.openxmlformats.org/presentationml/2006/main">
+  <p:cSld>
+    <p:spTree>
+      <p:nvGrpSpPr>
+        <p:cNvPr id="1" name=""/>
+        <p:cNvGrpSpPr/>
+        <p:nvPr/>
+      </p:nvGrpSpPr>
+      <p:grpSpPr>
+        <a:xfrm>
+          <a:off x="0" y="0"/>
+          <a:ext cx="0" cy="0"/>
+          <a:chOff x="0" y="0"/>
+          <a:chExt cx="0" cy="0"/>
+        </a:xfrm>
+      </p:grpSpPr>
+      <p:pic>
+        <p:nvPicPr>
+          <p:cNvPr id="10" name="Billede 9"/>
+          <p:cNvPicPr>
+            <a:picLocks noChangeAspect="1"/>
+          </p:cNvPicPr>
+          <p:nvPr/>
+        </p:nvPicPr>
+        <p:blipFill>
+          <a:blip r:embed="rId2"/>
+          <a:stretch>
+            <a:fillRect/>
+          </a:stretch>
+        </p:blipFill>
+        <p:spPr>
+          <a:xfrm>
+            <a:off x="877327" y="444067"/>
+            <a:ext cx="10523840" cy="5919660"/>
+          </a:xfrm>
+          <a:prstGeom prst="rect">
+            <a:avLst/>
+          </a:prstGeom>
+        </p:spPr>
+      </p:pic>
       <p:sp>
         <p:nvSpPr>
-          <p:cNvPr id="9" name="Rektangulær billedforklaring 8"/>
+          <p:cNvPr id="6" name="Rektangulær billedforklaring 5"/>
           <p:cNvSpPr/>
           <p:nvPr/>
         </p:nvSpPr>
         <p:spPr>
           <a:xfrm>
-            <a:off x="6421856" y="3464904"/>
-            <a:ext cx="2866524" cy="1181290"/>
+            <a:off x="4665354" y="1937756"/>
+            <a:ext cx="2657976" cy="1181290"/>
           </a:xfrm>
           <a:prstGeom prst="wedgeRectCallout">
             <a:avLst>
-              <a:gd name="adj1" fmla="val -102700"/>
-              <a:gd name="adj2" fmla="val -5832"/>
+              <a:gd name="adj1" fmla="val -127370"/>
+              <a:gd name="adj2" fmla="val -52684"/>
             </a:avLst>
           </a:prstGeom>
         </p:spPr>
@@ -11466,6 +10271,106 @@
           <a:p>
             <a:r>
               <a:rPr lang="da-DK" sz="2400" smtClean="0"/>
+              <a:t>Add further column definitions in the </a:t>
+            </a:r>
+            <a:r>
+              <a:rPr lang="da-DK" sz="2400" b="1" smtClean="0"/>
+              <a:t>Design</a:t>
+            </a:r>
+            <a:r>
+              <a:rPr lang="da-DK" sz="2400" smtClean="0"/>
+              <a:t> view</a:t>
+            </a:r>
+            <a:endParaRPr lang="da-DK" sz="2400" b="1" i="1"/>
+          </a:p>
+        </p:txBody>
+      </p:sp>
+      <p:sp>
+        <p:nvSpPr>
+          <p:cNvPr id="7" name="Afrundet rektangel 6"/>
+          <p:cNvSpPr/>
+          <p:nvPr/>
+        </p:nvSpPr>
+        <p:spPr>
+          <a:xfrm>
+            <a:off x="1421027" y="3561347"/>
+            <a:ext cx="3710441" cy="1937410"/>
+          </a:xfrm>
+          <a:prstGeom prst="roundRect">
+            <a:avLst/>
+          </a:prstGeom>
+          <a:noFill/>
+          <a:ln w="76200">
+            <a:solidFill>
+              <a:srgbClr val="FF0000"/>
+            </a:solidFill>
+          </a:ln>
+        </p:spPr>
+        <p:style>
+          <a:lnRef idx="2">
+            <a:schemeClr val="accent1">
+              <a:shade val="50000"/>
+            </a:schemeClr>
+          </a:lnRef>
+          <a:fillRef idx="1">
+            <a:schemeClr val="accent1"/>
+          </a:fillRef>
+          <a:effectRef idx="0">
+            <a:schemeClr val="accent1"/>
+          </a:effectRef>
+          <a:fontRef idx="minor">
+            <a:schemeClr val="lt1"/>
+          </a:fontRef>
+        </p:style>
+        <p:txBody>
+          <a:bodyPr rtlCol="0" anchor="ctr"/>
+          <a:lstStyle/>
+          <a:p>
+            <a:pPr algn="ctr"/>
+            <a:endParaRPr lang="da-DK"/>
+          </a:p>
+        </p:txBody>
+      </p:sp>
+      <p:sp>
+        <p:nvSpPr>
+          <p:cNvPr id="9" name="Rektangulær billedforklaring 8"/>
+          <p:cNvSpPr/>
+          <p:nvPr/>
+        </p:nvSpPr>
+        <p:spPr>
+          <a:xfrm>
+            <a:off x="5727804" y="4612734"/>
+            <a:ext cx="2866524" cy="1181290"/>
+          </a:xfrm>
+          <a:prstGeom prst="wedgeRectCallout">
+            <a:avLst>
+              <a:gd name="adj1" fmla="val -78129"/>
+              <a:gd name="adj2" fmla="val -64410"/>
+            </a:avLst>
+          </a:prstGeom>
+        </p:spPr>
+        <p:style>
+          <a:lnRef idx="2">
+            <a:schemeClr val="accent1">
+              <a:shade val="50000"/>
+            </a:schemeClr>
+          </a:lnRef>
+          <a:fillRef idx="1">
+            <a:schemeClr val="accent1"/>
+          </a:fillRef>
+          <a:effectRef idx="0">
+            <a:schemeClr val="accent1"/>
+          </a:effectRef>
+          <a:fontRef idx="minor">
+            <a:schemeClr val="lt1"/>
+          </a:fontRef>
+        </p:style>
+        <p:txBody>
+          <a:bodyPr rtlCol="0" anchor="ctr"/>
+          <a:lstStyle/>
+          <a:p>
+            <a:r>
+              <a:rPr lang="da-DK" sz="2400" smtClean="0"/>
               <a:t>SQL code for column definitions is auto-matically updated</a:t>
             </a:r>
             <a:endParaRPr lang="da-DK" sz="2400" b="1" i="1"/>
@@ -11482,13 +10387,13 @@
   <p:clrMapOvr>
     <a:masterClrMapping/>
   </p:clrMapOvr>
-  <mc:AlternateContent xmlns:mc="http://schemas.openxmlformats.org/markup-compatibility/2006">
-    <mc:Choice xmlns:p14="http://schemas.microsoft.com/office/powerpoint/2010/main" Requires="p14">
+  <mc:AlternateContent xmlns:mc="http://schemas.openxmlformats.org/markup-compatibility/2006" xmlns:p14="http://schemas.microsoft.com/office/powerpoint/2010/main">
+    <mc:Choice Requires="p14">
       <p:transition spd="med" p14:dur="700">
         <p:fade/>
       </p:transition>
     </mc:Choice>
-    <mc:Fallback>
+    <mc:Fallback xmlns="">
       <p:transition spd="med">
         <p:fade/>
       </p:transition>
@@ -11673,7 +10578,7 @@
 </p:sld>
 </file>
 
-<file path=ppt/slides/slide47.xml><?xml version="1.0" encoding="utf-8"?>
+<file path=ppt/slides/slide46.xml><?xml version="1.0" encoding="utf-8"?>
 <p:sld xmlns:a="http://schemas.openxmlformats.org/drawingml/2006/main" xmlns:r="http://schemas.openxmlformats.org/officeDocument/2006/relationships" xmlns:p="http://schemas.openxmlformats.org/presentationml/2006/main">
   <p:cSld>
     <p:spTree>
@@ -11692,7 +10597,7 @@
       </p:grpSpPr>
       <p:pic>
         <p:nvPicPr>
-          <p:cNvPr id="5" name="Billede 4"/>
+          <p:cNvPr id="8" name="Billede 7"/>
           <p:cNvPicPr>
             <a:picLocks noChangeAspect="1"/>
           </p:cNvPicPr>
@@ -11706,8 +10611,8 @@
         </p:blipFill>
         <p:spPr>
           <a:xfrm>
-            <a:off x="858251" y="354554"/>
-            <a:ext cx="9230230" cy="5192005"/>
+            <a:off x="877327" y="444067"/>
+            <a:ext cx="10523840" cy="5919660"/>
           </a:xfrm>
           <a:prstGeom prst="rect">
             <a:avLst/>
@@ -11722,7 +10627,7 @@
         </p:nvSpPr>
         <p:spPr>
           <a:xfrm>
-            <a:off x="4523871" y="2460455"/>
+            <a:off x="4647438" y="3219391"/>
             <a:ext cx="3777917" cy="1209177"/>
           </a:xfrm>
           <a:prstGeom prst="wedgeRectCallout">
@@ -11784,7 +10689,7 @@
         </p:nvSpPr>
         <p:spPr>
           <a:xfrm>
-            <a:off x="2606839" y="583528"/>
+            <a:off x="2853974" y="768880"/>
             <a:ext cx="2181728" cy="515353"/>
           </a:xfrm>
           <a:prstGeom prst="wedgeRectCallout">
@@ -11835,13 +10740,13 @@
   <p:clrMapOvr>
     <a:masterClrMapping/>
   </p:clrMapOvr>
-  <mc:AlternateContent xmlns:mc="http://schemas.openxmlformats.org/markup-compatibility/2006">
-    <mc:Choice xmlns:p14="http://schemas.microsoft.com/office/powerpoint/2010/main" Requires="p14">
+  <mc:AlternateContent xmlns:mc="http://schemas.openxmlformats.org/markup-compatibility/2006" xmlns:p14="http://schemas.microsoft.com/office/powerpoint/2010/main">
+    <mc:Choice Requires="p14">
       <p:transition spd="med" p14:dur="700">
         <p:fade/>
       </p:transition>
     </mc:Choice>
-    <mc:Fallback>
+    <mc:Fallback xmlns="">
       <p:transition spd="med">
         <p:fade/>
       </p:transition>
@@ -11881,7 +10786,7 @@
                                           </p:stCondLst>
                                         </p:cTn>
                                         <p:tgtEl>
-                                          <p:spTgt spid="6"/>
+                                          <p:spTgt spid="7"/>
                                         </p:tgtEl>
                                         <p:attrNameLst>
                                           <p:attrName>style.visibility</p:attrName>
@@ -11894,59 +10799,6 @@
                                     <p:animEffect transition="in" filter="fade">
                                       <p:cBhvr>
                                         <p:cTn id="7" dur="500"/>
-                                        <p:tgtEl>
-                                          <p:spTgt spid="6"/>
-                                        </p:tgtEl>
-                                      </p:cBhvr>
-                                    </p:animEffect>
-                                  </p:childTnLst>
-                                </p:cTn>
-                              </p:par>
-                            </p:childTnLst>
-                          </p:cTn>
-                        </p:par>
-                      </p:childTnLst>
-                    </p:cTn>
-                  </p:par>
-                  <p:par>
-                    <p:cTn id="8" fill="hold">
-                      <p:stCondLst>
-                        <p:cond delay="indefinite"/>
-                      </p:stCondLst>
-                      <p:childTnLst>
-                        <p:par>
-                          <p:cTn id="9" fill="hold">
-                            <p:stCondLst>
-                              <p:cond delay="0"/>
-                            </p:stCondLst>
-                            <p:childTnLst>
-                              <p:par>
-                                <p:cTn id="10" presetID="10" presetClass="entr" presetSubtype="0" fill="hold" grpId="0" nodeType="clickEffect">
-                                  <p:stCondLst>
-                                    <p:cond delay="0"/>
-                                  </p:stCondLst>
-                                  <p:childTnLst>
-                                    <p:set>
-                                      <p:cBhvr>
-                                        <p:cTn id="11" dur="1" fill="hold">
-                                          <p:stCondLst>
-                                            <p:cond delay="0"/>
-                                          </p:stCondLst>
-                                        </p:cTn>
-                                        <p:tgtEl>
-                                          <p:spTgt spid="7"/>
-                                        </p:tgtEl>
-                                        <p:attrNameLst>
-                                          <p:attrName>style.visibility</p:attrName>
-                                        </p:attrNameLst>
-                                      </p:cBhvr>
-                                      <p:to>
-                                        <p:strVal val="visible"/>
-                                      </p:to>
-                                    </p:set>
-                                    <p:animEffect transition="in" filter="fade">
-                                      <p:cBhvr>
-                                        <p:cTn id="12" dur="500"/>
                                         <p:tgtEl>
                                           <p:spTgt spid="7"/>
                                         </p:tgtEl>
@@ -11983,220 +10835,13 @@
       </p:par>
     </p:tnLst>
     <p:bldLst>
-      <p:bldP spid="6" grpId="0" animBg="1"/>
       <p:bldP spid="7" grpId="0" animBg="1"/>
     </p:bldLst>
   </p:timing>
 </p:sld>
 </file>
 
-<file path=ppt/slides/slide48.xml><?xml version="1.0" encoding="utf-8"?>
-<p:sld xmlns:a="http://schemas.openxmlformats.org/drawingml/2006/main" xmlns:r="http://schemas.openxmlformats.org/officeDocument/2006/relationships" xmlns:p="http://schemas.openxmlformats.org/presentationml/2006/main">
-  <p:cSld>
-    <p:spTree>
-      <p:nvGrpSpPr>
-        <p:cNvPr id="1" name=""/>
-        <p:cNvGrpSpPr/>
-        <p:nvPr/>
-      </p:nvGrpSpPr>
-      <p:grpSpPr>
-        <a:xfrm>
-          <a:off x="0" y="0"/>
-          <a:ext cx="0" cy="0"/>
-          <a:chOff x="0" y="0"/>
-          <a:chExt cx="0" cy="0"/>
-        </a:xfrm>
-      </p:grpSpPr>
-      <p:pic>
-        <p:nvPicPr>
-          <p:cNvPr id="5" name="Billede 4"/>
-          <p:cNvPicPr>
-            <a:picLocks noChangeAspect="1"/>
-          </p:cNvPicPr>
-          <p:nvPr/>
-        </p:nvPicPr>
-        <p:blipFill>
-          <a:blip r:embed="rId2"/>
-          <a:stretch>
-            <a:fillRect/>
-          </a:stretch>
-        </p:blipFill>
-        <p:spPr>
-          <a:xfrm>
-            <a:off x="858251" y="354554"/>
-            <a:ext cx="9230230" cy="5192005"/>
-          </a:xfrm>
-          <a:prstGeom prst="rect">
-            <a:avLst/>
-          </a:prstGeom>
-        </p:spPr>
-      </p:pic>
-      <p:sp>
-        <p:nvSpPr>
-          <p:cNvPr id="6" name="Rektangulær billedforklaring 5"/>
-          <p:cNvSpPr/>
-          <p:nvPr/>
-        </p:nvSpPr>
-        <p:spPr>
-          <a:xfrm>
-            <a:off x="2460455" y="956509"/>
-            <a:ext cx="2147639" cy="806118"/>
-          </a:xfrm>
-          <a:prstGeom prst="wedgeRectCallout">
-            <a:avLst>
-              <a:gd name="adj1" fmla="val -91071"/>
-              <a:gd name="adj2" fmla="val -16957"/>
-            </a:avLst>
-          </a:prstGeom>
-        </p:spPr>
-        <p:style>
-          <a:lnRef idx="2">
-            <a:schemeClr val="accent1">
-              <a:shade val="50000"/>
-            </a:schemeClr>
-          </a:lnRef>
-          <a:fillRef idx="1">
-            <a:schemeClr val="accent1"/>
-          </a:fillRef>
-          <a:effectRef idx="0">
-            <a:schemeClr val="accent1"/>
-          </a:effectRef>
-          <a:fontRef idx="minor">
-            <a:schemeClr val="lt1"/>
-          </a:fontRef>
-        </p:style>
-        <p:txBody>
-          <a:bodyPr rtlCol="0" anchor="ctr"/>
-          <a:lstStyle/>
-          <a:p>
-            <a:r>
-              <a:rPr lang="da-DK" sz="2400" smtClean="0"/>
-              <a:t>Click on the </a:t>
-            </a:r>
-            <a:r>
-              <a:rPr lang="da-DK" sz="2400" b="1" smtClean="0"/>
-              <a:t>Update</a:t>
-            </a:r>
-            <a:r>
-              <a:rPr lang="da-DK" sz="2400" smtClean="0"/>
-              <a:t> button</a:t>
-            </a:r>
-            <a:endParaRPr lang="da-DK" sz="2400"/>
-          </a:p>
-        </p:txBody>
-      </p:sp>
-    </p:spTree>
-    <p:extLst>
-      <p:ext uri="{BB962C8B-B14F-4D97-AF65-F5344CB8AC3E}">
-        <p14:creationId xmlns:p14="http://schemas.microsoft.com/office/powerpoint/2010/main" val="1848666696"/>
-      </p:ext>
-    </p:extLst>
-  </p:cSld>
-  <p:clrMapOvr>
-    <a:masterClrMapping/>
-  </p:clrMapOvr>
-  <mc:AlternateContent xmlns:mc="http://schemas.openxmlformats.org/markup-compatibility/2006">
-    <mc:Choice xmlns:p14="http://schemas.microsoft.com/office/powerpoint/2010/main" Requires="p14">
-      <p:transition spd="med" p14:dur="700">
-        <p:fade/>
-      </p:transition>
-    </mc:Choice>
-    <mc:Fallback>
-      <p:transition spd="med">
-        <p:fade/>
-      </p:transition>
-    </mc:Fallback>
-  </mc:AlternateContent>
-  <p:timing>
-    <p:tnLst>
-      <p:par>
-        <p:cTn id="1" dur="indefinite" restart="never" nodeType="tmRoot">
-          <p:childTnLst>
-            <p:seq concurrent="1" nextAc="seek">
-              <p:cTn id="2" dur="indefinite" nodeType="mainSeq">
-                <p:childTnLst>
-                  <p:par>
-                    <p:cTn id="3" fill="hold">
-                      <p:stCondLst>
-                        <p:cond delay="indefinite"/>
-                      </p:stCondLst>
-                      <p:childTnLst>
-                        <p:par>
-                          <p:cTn id="4" fill="hold">
-                            <p:stCondLst>
-                              <p:cond delay="0"/>
-                            </p:stCondLst>
-                            <p:childTnLst>
-                              <p:par>
-                                <p:cTn id="5" presetID="10" presetClass="entr" presetSubtype="0" fill="hold" grpId="0" nodeType="clickEffect">
-                                  <p:stCondLst>
-                                    <p:cond delay="0"/>
-                                  </p:stCondLst>
-                                  <p:childTnLst>
-                                    <p:set>
-                                      <p:cBhvr>
-                                        <p:cTn id="6" dur="1" fill="hold">
-                                          <p:stCondLst>
-                                            <p:cond delay="0"/>
-                                          </p:stCondLst>
-                                        </p:cTn>
-                                        <p:tgtEl>
-                                          <p:spTgt spid="6"/>
-                                        </p:tgtEl>
-                                        <p:attrNameLst>
-                                          <p:attrName>style.visibility</p:attrName>
-                                        </p:attrNameLst>
-                                      </p:cBhvr>
-                                      <p:to>
-                                        <p:strVal val="visible"/>
-                                      </p:to>
-                                    </p:set>
-                                    <p:animEffect transition="in" filter="fade">
-                                      <p:cBhvr>
-                                        <p:cTn id="7" dur="500"/>
-                                        <p:tgtEl>
-                                          <p:spTgt spid="6"/>
-                                        </p:tgtEl>
-                                      </p:cBhvr>
-                                    </p:animEffect>
-                                  </p:childTnLst>
-                                </p:cTn>
-                              </p:par>
-                            </p:childTnLst>
-                          </p:cTn>
-                        </p:par>
-                      </p:childTnLst>
-                    </p:cTn>
-                  </p:par>
-                </p:childTnLst>
-              </p:cTn>
-              <p:prevCondLst>
-                <p:cond evt="onPrev" delay="0">
-                  <p:tgtEl>
-                    <p:sldTgt/>
-                  </p:tgtEl>
-                </p:cond>
-              </p:prevCondLst>
-              <p:nextCondLst>
-                <p:cond evt="onNext" delay="0">
-                  <p:tgtEl>
-                    <p:sldTgt/>
-                  </p:tgtEl>
-                </p:cond>
-              </p:nextCondLst>
-            </p:seq>
-          </p:childTnLst>
-        </p:cTn>
-      </p:par>
-    </p:tnLst>
-    <p:bldLst>
-      <p:bldP spid="6" grpId="0" animBg="1"/>
-    </p:bldLst>
-  </p:timing>
-</p:sld>
-</file>
-
-<file path=ppt/slides/slide49.xml><?xml version="1.0" encoding="utf-8"?>
+<file path=ppt/slides/slide47.xml><?xml version="1.0" encoding="utf-8"?>
 <p:sld xmlns:a="http://schemas.openxmlformats.org/drawingml/2006/main" xmlns:r="http://schemas.openxmlformats.org/officeDocument/2006/relationships" xmlns:p="http://schemas.openxmlformats.org/presentationml/2006/main">
   <p:cSld>
     <p:spTree>
@@ -12229,8 +10874,135 @@
         </p:blipFill>
         <p:spPr>
           <a:xfrm>
-            <a:off x="1348789" y="459957"/>
-            <a:ext cx="8082715" cy="5816905"/>
+            <a:off x="877327" y="444067"/>
+            <a:ext cx="10523840" cy="5919660"/>
+          </a:xfrm>
+          <a:prstGeom prst="rect">
+            <a:avLst/>
+          </a:prstGeom>
+        </p:spPr>
+      </p:pic>
+      <p:sp>
+        <p:nvSpPr>
+          <p:cNvPr id="6" name="Rektangulær billedforklaring 5"/>
+          <p:cNvSpPr/>
+          <p:nvPr/>
+        </p:nvSpPr>
+        <p:spPr>
+          <a:xfrm>
+            <a:off x="2336887" y="1166574"/>
+            <a:ext cx="2147639" cy="806118"/>
+          </a:xfrm>
+          <a:prstGeom prst="wedgeRectCallout">
+            <a:avLst>
+              <a:gd name="adj1" fmla="val -91071"/>
+              <a:gd name="adj2" fmla="val -16957"/>
+            </a:avLst>
+          </a:prstGeom>
+        </p:spPr>
+        <p:style>
+          <a:lnRef idx="2">
+            <a:schemeClr val="accent1">
+              <a:shade val="50000"/>
+            </a:schemeClr>
+          </a:lnRef>
+          <a:fillRef idx="1">
+            <a:schemeClr val="accent1"/>
+          </a:fillRef>
+          <a:effectRef idx="0">
+            <a:schemeClr val="accent1"/>
+          </a:effectRef>
+          <a:fontRef idx="minor">
+            <a:schemeClr val="lt1"/>
+          </a:fontRef>
+        </p:style>
+        <p:txBody>
+          <a:bodyPr rtlCol="0" anchor="ctr"/>
+          <a:lstStyle/>
+          <a:p>
+            <a:r>
+              <a:rPr lang="da-DK" sz="2400" smtClean="0"/>
+              <a:t>Click on the </a:t>
+            </a:r>
+            <a:r>
+              <a:rPr lang="da-DK" sz="2400" b="1" smtClean="0"/>
+              <a:t>Update</a:t>
+            </a:r>
+            <a:r>
+              <a:rPr lang="da-DK" sz="2400" smtClean="0"/>
+              <a:t> button</a:t>
+            </a:r>
+            <a:endParaRPr lang="da-DK" sz="2400"/>
+          </a:p>
+        </p:txBody>
+      </p:sp>
+    </p:spTree>
+    <p:extLst>
+      <p:ext uri="{BB962C8B-B14F-4D97-AF65-F5344CB8AC3E}">
+        <p14:creationId xmlns:p14="http://schemas.microsoft.com/office/powerpoint/2010/main" val="1848666696"/>
+      </p:ext>
+    </p:extLst>
+  </p:cSld>
+  <p:clrMapOvr>
+    <a:masterClrMapping/>
+  </p:clrMapOvr>
+  <mc:AlternateContent xmlns:mc="http://schemas.openxmlformats.org/markup-compatibility/2006" xmlns:p14="http://schemas.microsoft.com/office/powerpoint/2010/main">
+    <mc:Choice Requires="p14">
+      <p:transition spd="med" p14:dur="700">
+        <p:fade/>
+      </p:transition>
+    </mc:Choice>
+    <mc:Fallback xmlns="">
+      <p:transition spd="med">
+        <p:fade/>
+      </p:transition>
+    </mc:Fallback>
+  </mc:AlternateContent>
+  <p:timing>
+    <p:tnLst>
+      <p:par>
+        <p:cTn id="1" dur="indefinite" restart="never" nodeType="tmRoot"/>
+      </p:par>
+    </p:tnLst>
+  </p:timing>
+</p:sld>
+</file>
+
+<file path=ppt/slides/slide48.xml><?xml version="1.0" encoding="utf-8"?>
+<p:sld xmlns:a="http://schemas.openxmlformats.org/drawingml/2006/main" xmlns:r="http://schemas.openxmlformats.org/officeDocument/2006/relationships" xmlns:p="http://schemas.openxmlformats.org/presentationml/2006/main">
+  <p:cSld>
+    <p:spTree>
+      <p:nvGrpSpPr>
+        <p:cNvPr id="1" name=""/>
+        <p:cNvGrpSpPr/>
+        <p:nvPr/>
+      </p:nvGrpSpPr>
+      <p:grpSpPr>
+        <a:xfrm>
+          <a:off x="0" y="0"/>
+          <a:ext cx="0" cy="0"/>
+          <a:chOff x="0" y="0"/>
+          <a:chExt cx="0" cy="0"/>
+        </a:xfrm>
+      </p:grpSpPr>
+      <p:pic>
+        <p:nvPicPr>
+          <p:cNvPr id="2" name="Billede 1"/>
+          <p:cNvPicPr>
+            <a:picLocks noChangeAspect="1"/>
+          </p:cNvPicPr>
+          <p:nvPr/>
+        </p:nvPicPr>
+        <p:blipFill>
+          <a:blip r:embed="rId2"/>
+          <a:stretch>
+            <a:fillRect/>
+          </a:stretch>
+        </p:blipFill>
+        <p:spPr>
+          <a:xfrm>
+            <a:off x="2033661" y="847143"/>
+            <a:ext cx="7437020" cy="5352216"/>
           </a:xfrm>
           <a:prstGeom prst="rect">
             <a:avLst/>
@@ -12245,8 +11017,8 @@
         </p:nvSpPr>
         <p:spPr>
           <a:xfrm>
-            <a:off x="1564105" y="1534025"/>
-            <a:ext cx="2093495" cy="902369"/>
+            <a:off x="2219013" y="1781160"/>
+            <a:ext cx="2402414" cy="902369"/>
           </a:xfrm>
           <a:prstGeom prst="roundRect">
             <a:avLst/>
@@ -12472,7 +11244,7 @@
 </p:sld>
 </file>
 
-<file path=ppt/slides/slide5.xml><?xml version="1.0" encoding="utf-8"?>
+<file path=ppt/slides/slide49.xml><?xml version="1.0" encoding="utf-8"?>
 <p:sld xmlns:a="http://schemas.openxmlformats.org/drawingml/2006/main" xmlns:r="http://schemas.openxmlformats.org/officeDocument/2006/relationships" xmlns:p="http://schemas.openxmlformats.org/presentationml/2006/main">
   <p:cSld>
     <p:spTree>
@@ -12491,7 +11263,7 @@
       </p:grpSpPr>
       <p:pic>
         <p:nvPicPr>
-          <p:cNvPr id="2" name="Billede 1"/>
+          <p:cNvPr id="8" name="Billede 7"/>
           <p:cNvPicPr>
             <a:picLocks noChangeAspect="1"/>
           </p:cNvPicPr>
@@ -12505,55 +11277,34 @@
         </p:blipFill>
         <p:spPr>
           <a:xfrm>
-            <a:off x="1398921" y="585035"/>
-            <a:ext cx="9344748" cy="1887454"/>
+            <a:off x="877327" y="444067"/>
+            <a:ext cx="10523840" cy="5919660"/>
           </a:xfrm>
           <a:prstGeom prst="rect">
             <a:avLst/>
           </a:prstGeom>
         </p:spPr>
       </p:pic>
-      <p:pic>
-        <p:nvPicPr>
-          <p:cNvPr id="4" name="Billede 3"/>
-          <p:cNvPicPr>
-            <a:picLocks noChangeAspect="1"/>
-          </p:cNvPicPr>
-          <p:nvPr/>
-        </p:nvPicPr>
-        <p:blipFill>
-          <a:blip r:embed="rId3"/>
-          <a:stretch>
-            <a:fillRect/>
-          </a:stretch>
-        </p:blipFill>
-        <p:spPr>
-          <a:xfrm>
-            <a:off x="1398921" y="3087101"/>
-            <a:ext cx="9344748" cy="3083579"/>
-          </a:xfrm>
-          <a:prstGeom prst="rect">
-            <a:avLst/>
-          </a:prstGeom>
-        </p:spPr>
-      </p:pic>
       <p:sp>
         <p:nvSpPr>
-          <p:cNvPr id="5" name="Rektangulær billedforklaring 4"/>
+          <p:cNvPr id="6" name="Afrundet rektangel 5"/>
           <p:cNvSpPr/>
           <p:nvPr/>
         </p:nvSpPr>
         <p:spPr>
           <a:xfrm>
-            <a:off x="8256849" y="2284347"/>
-            <a:ext cx="3206770" cy="1605509"/>
-          </a:xfrm>
-          <a:prstGeom prst="wedgeRectCallout">
-            <a:avLst>
-              <a:gd name="adj1" fmla="val -141080"/>
-              <a:gd name="adj2" fmla="val 84985"/>
-            </a:avLst>
+            <a:off x="877327" y="4239505"/>
+            <a:ext cx="3386890" cy="1473869"/>
+          </a:xfrm>
+          <a:prstGeom prst="roundRect">
+            <a:avLst/>
           </a:prstGeom>
+          <a:noFill/>
+          <a:ln w="76200">
+            <a:solidFill>
+              <a:srgbClr val="FF0000"/>
+            </a:solidFill>
+          </a:ln>
         </p:spPr>
         <p:style>
           <a:lnRef idx="2">
@@ -12575,190 +11326,28 @@
           <a:bodyPr rtlCol="0" anchor="ctr"/>
           <a:lstStyle/>
           <a:p>
-            <a:r>
-              <a:rPr lang="da-DK" sz="3200" smtClean="0"/>
-              <a:t>This is a built-in database server called </a:t>
-            </a:r>
-            <a:r>
-              <a:rPr lang="da-DK" sz="3200" b="1" smtClean="0"/>
-              <a:t>(localdb)</a:t>
-            </a:r>
-            <a:endParaRPr lang="da-DK" sz="3200" b="1"/>
+            <a:pPr algn="ctr"/>
+            <a:endParaRPr lang="da-DK"/>
           </a:p>
         </p:txBody>
       </p:sp>
-    </p:spTree>
-    <p:extLst>
-      <p:ext uri="{BB962C8B-B14F-4D97-AF65-F5344CB8AC3E}">
-        <p14:creationId xmlns:p14="http://schemas.microsoft.com/office/powerpoint/2010/main" val="4193266232"/>
-      </p:ext>
-    </p:extLst>
-  </p:cSld>
-  <p:clrMapOvr>
-    <a:masterClrMapping/>
-  </p:clrMapOvr>
-  <mc:AlternateContent xmlns:mc="http://schemas.openxmlformats.org/markup-compatibility/2006" xmlns:p14="http://schemas.microsoft.com/office/powerpoint/2010/main">
-    <mc:Choice Requires="p14">
-      <p:transition spd="med" p14:dur="700">
-        <p:fade/>
-      </p:transition>
-    </mc:Choice>
-    <mc:Fallback xmlns="">
-      <p:transition spd="med">
-        <p:fade/>
-      </p:transition>
-    </mc:Fallback>
-  </mc:AlternateContent>
-  <p:timing>
-    <p:tnLst>
-      <p:par>
-        <p:cTn id="1" dur="indefinite" restart="never" nodeType="tmRoot">
-          <p:childTnLst>
-            <p:seq concurrent="1" nextAc="seek">
-              <p:cTn id="2" dur="indefinite" nodeType="mainSeq">
-                <p:childTnLst>
-                  <p:par>
-                    <p:cTn id="3" fill="hold">
-                      <p:stCondLst>
-                        <p:cond delay="indefinite"/>
-                      </p:stCondLst>
-                      <p:childTnLst>
-                        <p:par>
-                          <p:cTn id="4" fill="hold">
-                            <p:stCondLst>
-                              <p:cond delay="0"/>
-                            </p:stCondLst>
-                            <p:childTnLst>
-                              <p:par>
-                                <p:cTn id="5" presetID="10" presetClass="entr" presetSubtype="0" fill="hold" grpId="0" nodeType="clickEffect">
-                                  <p:stCondLst>
-                                    <p:cond delay="0"/>
-                                  </p:stCondLst>
-                                  <p:childTnLst>
-                                    <p:set>
-                                      <p:cBhvr>
-                                        <p:cTn id="6" dur="1" fill="hold">
-                                          <p:stCondLst>
-                                            <p:cond delay="0"/>
-                                          </p:stCondLst>
-                                        </p:cTn>
-                                        <p:tgtEl>
-                                          <p:spTgt spid="5"/>
-                                        </p:tgtEl>
-                                        <p:attrNameLst>
-                                          <p:attrName>style.visibility</p:attrName>
-                                        </p:attrNameLst>
-                                      </p:cBhvr>
-                                      <p:to>
-                                        <p:strVal val="visible"/>
-                                      </p:to>
-                                    </p:set>
-                                    <p:animEffect transition="in" filter="fade">
-                                      <p:cBhvr>
-                                        <p:cTn id="7" dur="500"/>
-                                        <p:tgtEl>
-                                          <p:spTgt spid="5"/>
-                                        </p:tgtEl>
-                                      </p:cBhvr>
-                                    </p:animEffect>
-                                  </p:childTnLst>
-                                </p:cTn>
-                              </p:par>
-                            </p:childTnLst>
-                          </p:cTn>
-                        </p:par>
-                      </p:childTnLst>
-                    </p:cTn>
-                  </p:par>
-                </p:childTnLst>
-              </p:cTn>
-              <p:prevCondLst>
-                <p:cond evt="onPrev" delay="0">
-                  <p:tgtEl>
-                    <p:sldTgt/>
-                  </p:tgtEl>
-                </p:cond>
-              </p:prevCondLst>
-              <p:nextCondLst>
-                <p:cond evt="onNext" delay="0">
-                  <p:tgtEl>
-                    <p:sldTgt/>
-                  </p:tgtEl>
-                </p:cond>
-              </p:nextCondLst>
-            </p:seq>
-          </p:childTnLst>
-        </p:cTn>
-      </p:par>
-    </p:tnLst>
-    <p:bldLst>
-      <p:bldP spid="5" grpId="0" animBg="1"/>
-    </p:bldLst>
-  </p:timing>
-</p:sld>
-</file>
-
-<file path=ppt/slides/slide50.xml><?xml version="1.0" encoding="utf-8"?>
-<p:sld xmlns:a="http://schemas.openxmlformats.org/drawingml/2006/main" xmlns:r="http://schemas.openxmlformats.org/officeDocument/2006/relationships" xmlns:p="http://schemas.openxmlformats.org/presentationml/2006/main">
-  <p:cSld>
-    <p:spTree>
-      <p:nvGrpSpPr>
-        <p:cNvPr id="1" name=""/>
-        <p:cNvGrpSpPr/>
-        <p:nvPr/>
-      </p:nvGrpSpPr>
-      <p:grpSpPr>
-        <a:xfrm>
-          <a:off x="0" y="0"/>
-          <a:ext cx="0" cy="0"/>
-          <a:chOff x="0" y="0"/>
-          <a:chExt cx="0" cy="0"/>
-        </a:xfrm>
-      </p:grpSpPr>
-      <p:pic>
-        <p:nvPicPr>
-          <p:cNvPr id="5" name="Billede 4"/>
-          <p:cNvPicPr>
-            <a:picLocks noChangeAspect="1"/>
-          </p:cNvPicPr>
-          <p:nvPr/>
-        </p:nvPicPr>
-        <p:blipFill>
-          <a:blip r:embed="rId2"/>
-          <a:stretch>
-            <a:fillRect/>
-          </a:stretch>
-        </p:blipFill>
-        <p:spPr>
-          <a:xfrm>
-            <a:off x="858251" y="354553"/>
-            <a:ext cx="9230230" cy="5192005"/>
-          </a:xfrm>
-          <a:prstGeom prst="rect">
-            <a:avLst/>
-          </a:prstGeom>
-        </p:spPr>
-      </p:pic>
       <p:sp>
         <p:nvSpPr>
-          <p:cNvPr id="6" name="Afrundet rektangel 5"/>
+          <p:cNvPr id="7" name="Rektangulær billedforklaring 6"/>
           <p:cNvSpPr/>
           <p:nvPr/>
         </p:nvSpPr>
         <p:spPr>
           <a:xfrm>
-            <a:off x="992605" y="3386889"/>
-            <a:ext cx="3386890" cy="1473869"/>
-          </a:xfrm>
-          <a:prstGeom prst="roundRect">
-            <a:avLst/>
+            <a:off x="5065782" y="4784341"/>
+            <a:ext cx="2328111" cy="673768"/>
+          </a:xfrm>
+          <a:prstGeom prst="wedgeRectCallout">
+            <a:avLst>
+              <a:gd name="adj1" fmla="val -94546"/>
+              <a:gd name="adj2" fmla="val -8252"/>
+            </a:avLst>
           </a:prstGeom>
-          <a:noFill/>
-          <a:ln w="76200">
-            <a:solidFill>
-              <a:srgbClr val="FF0000"/>
-            </a:solidFill>
-          </a:ln>
         </p:spPr>
         <p:style>
           <a:lnRef idx="2">
@@ -12780,49 +11369,6 @@
           <a:bodyPr rtlCol="0" anchor="ctr"/>
           <a:lstStyle/>
           <a:p>
-            <a:pPr algn="ctr"/>
-            <a:endParaRPr lang="da-DK"/>
-          </a:p>
-        </p:txBody>
-      </p:sp>
-      <p:sp>
-        <p:nvSpPr>
-          <p:cNvPr id="7" name="Rektangulær billedforklaring 6"/>
-          <p:cNvSpPr/>
-          <p:nvPr/>
-        </p:nvSpPr>
-        <p:spPr>
-          <a:xfrm>
-            <a:off x="4818647" y="4030579"/>
-            <a:ext cx="2328111" cy="673768"/>
-          </a:xfrm>
-          <a:prstGeom prst="wedgeRectCallout">
-            <a:avLst>
-              <a:gd name="adj1" fmla="val -94546"/>
-              <a:gd name="adj2" fmla="val -8252"/>
-            </a:avLst>
-          </a:prstGeom>
-        </p:spPr>
-        <p:style>
-          <a:lnRef idx="2">
-            <a:schemeClr val="accent1">
-              <a:shade val="50000"/>
-            </a:schemeClr>
-          </a:lnRef>
-          <a:fillRef idx="1">
-            <a:schemeClr val="accent1"/>
-          </a:fillRef>
-          <a:effectRef idx="0">
-            <a:schemeClr val="accent1"/>
-          </a:effectRef>
-          <a:fontRef idx="minor">
-            <a:schemeClr val="lt1"/>
-          </a:fontRef>
-        </p:style>
-        <p:txBody>
-          <a:bodyPr rtlCol="0" anchor="ctr"/>
-          <a:lstStyle/>
-          <a:p>
             <a:r>
               <a:rPr lang="da-DK" sz="3600" smtClean="0"/>
               <a:t>SUCCESS!!</a:t>
@@ -12839,8 +11385,8 @@
         </p:nvSpPr>
         <p:spPr>
           <a:xfrm>
-            <a:off x="7628020" y="2809374"/>
-            <a:ext cx="1042737" cy="519363"/>
+            <a:off x="9605101" y="2933961"/>
+            <a:ext cx="1380056" cy="822493"/>
           </a:xfrm>
           <a:prstGeom prst="roundRect">
             <a:avLst/>
@@ -13066,7 +11612,7 @@
 </p:sld>
 </file>
 
-<file path=ppt/slides/slide51.xml><?xml version="1.0" encoding="utf-8"?>
+<file path=ppt/slides/slide5.xml><?xml version="1.0" encoding="utf-8"?>
 <p:sld xmlns:a="http://schemas.openxmlformats.org/drawingml/2006/main" xmlns:r="http://schemas.openxmlformats.org/officeDocument/2006/relationships" xmlns:p="http://schemas.openxmlformats.org/presentationml/2006/main">
   <p:cSld>
     <p:spTree>
@@ -13085,7 +11631,7 @@
       </p:grpSpPr>
       <p:pic>
         <p:nvPicPr>
-          <p:cNvPr id="5" name="Billede 4"/>
+          <p:cNvPr id="2" name="Billede 1"/>
           <p:cNvPicPr>
             <a:picLocks noChangeAspect="1"/>
           </p:cNvPicPr>
@@ -13099,34 +11645,55 @@
         </p:blipFill>
         <p:spPr>
           <a:xfrm>
-            <a:off x="858250" y="354553"/>
-            <a:ext cx="9230231" cy="5192005"/>
+            <a:off x="1398921" y="585035"/>
+            <a:ext cx="9344748" cy="1887454"/>
           </a:xfrm>
           <a:prstGeom prst="rect">
             <a:avLst/>
           </a:prstGeom>
         </p:spPr>
       </p:pic>
+      <p:pic>
+        <p:nvPicPr>
+          <p:cNvPr id="4" name="Billede 3"/>
+          <p:cNvPicPr>
+            <a:picLocks noChangeAspect="1"/>
+          </p:cNvPicPr>
+          <p:nvPr/>
+        </p:nvPicPr>
+        <p:blipFill>
+          <a:blip r:embed="rId3"/>
+          <a:stretch>
+            <a:fillRect/>
+          </a:stretch>
+        </p:blipFill>
+        <p:spPr>
+          <a:xfrm>
+            <a:off x="1398921" y="3087101"/>
+            <a:ext cx="9344748" cy="3083579"/>
+          </a:xfrm>
+          <a:prstGeom prst="rect">
+            <a:avLst/>
+          </a:prstGeom>
+        </p:spPr>
+      </p:pic>
       <p:sp>
         <p:nvSpPr>
-          <p:cNvPr id="6" name="Afrundet rektangel 5"/>
+          <p:cNvPr id="5" name="Rektangulær billedforklaring 4"/>
           <p:cNvSpPr/>
           <p:nvPr/>
         </p:nvSpPr>
         <p:spPr>
           <a:xfrm>
-            <a:off x="1130968" y="2123574"/>
-            <a:ext cx="3013911" cy="318837"/>
-          </a:xfrm>
-          <a:prstGeom prst="roundRect">
-            <a:avLst/>
+            <a:off x="8256849" y="2284347"/>
+            <a:ext cx="3206770" cy="1605509"/>
+          </a:xfrm>
+          <a:prstGeom prst="wedgeRectCallout">
+            <a:avLst>
+              <a:gd name="adj1" fmla="val -141080"/>
+              <a:gd name="adj2" fmla="val 84985"/>
+            </a:avLst>
           </a:prstGeom>
-          <a:noFill/>
-          <a:ln w="76200">
-            <a:solidFill>
-              <a:srgbClr val="FF0000"/>
-            </a:solidFill>
-          </a:ln>
         </p:spPr>
         <p:style>
           <a:lnRef idx="2">
@@ -13148,20 +11715,179 @@
           <a:bodyPr rtlCol="0" anchor="ctr"/>
           <a:lstStyle/>
           <a:p>
-            <a:pPr algn="ctr"/>
-            <a:endParaRPr lang="da-DK"/>
+            <a:r>
+              <a:rPr lang="da-DK" sz="3200" smtClean="0"/>
+              <a:t>This is a built-in database server called </a:t>
+            </a:r>
+            <a:r>
+              <a:rPr lang="da-DK" sz="3200" b="1" smtClean="0"/>
+              <a:t>(localdb)</a:t>
+            </a:r>
+            <a:endParaRPr lang="da-DK" sz="3200" b="1"/>
           </a:p>
         </p:txBody>
       </p:sp>
+    </p:spTree>
+    <p:extLst>
+      <p:ext uri="{BB962C8B-B14F-4D97-AF65-F5344CB8AC3E}">
+        <p14:creationId xmlns:p14="http://schemas.microsoft.com/office/powerpoint/2010/main" val="4193266232"/>
+      </p:ext>
+    </p:extLst>
+  </p:cSld>
+  <p:clrMapOvr>
+    <a:masterClrMapping/>
+  </p:clrMapOvr>
+  <mc:AlternateContent xmlns:mc="http://schemas.openxmlformats.org/markup-compatibility/2006" xmlns:p14="http://schemas.microsoft.com/office/powerpoint/2010/main">
+    <mc:Choice Requires="p14">
+      <p:transition spd="med" p14:dur="700">
+        <p:fade/>
+      </p:transition>
+    </mc:Choice>
+    <mc:Fallback xmlns="">
+      <p:transition spd="med">
+        <p:fade/>
+      </p:transition>
+    </mc:Fallback>
+  </mc:AlternateContent>
+  <p:timing>
+    <p:tnLst>
+      <p:par>
+        <p:cTn id="1" dur="indefinite" restart="never" nodeType="tmRoot">
+          <p:childTnLst>
+            <p:seq concurrent="1" nextAc="seek">
+              <p:cTn id="2" dur="indefinite" nodeType="mainSeq">
+                <p:childTnLst>
+                  <p:par>
+                    <p:cTn id="3" fill="hold">
+                      <p:stCondLst>
+                        <p:cond delay="indefinite"/>
+                      </p:stCondLst>
+                      <p:childTnLst>
+                        <p:par>
+                          <p:cTn id="4" fill="hold">
+                            <p:stCondLst>
+                              <p:cond delay="0"/>
+                            </p:stCondLst>
+                            <p:childTnLst>
+                              <p:par>
+                                <p:cTn id="5" presetID="10" presetClass="entr" presetSubtype="0" fill="hold" grpId="0" nodeType="clickEffect">
+                                  <p:stCondLst>
+                                    <p:cond delay="0"/>
+                                  </p:stCondLst>
+                                  <p:childTnLst>
+                                    <p:set>
+                                      <p:cBhvr>
+                                        <p:cTn id="6" dur="1" fill="hold">
+                                          <p:stCondLst>
+                                            <p:cond delay="0"/>
+                                          </p:stCondLst>
+                                        </p:cTn>
+                                        <p:tgtEl>
+                                          <p:spTgt spid="5"/>
+                                        </p:tgtEl>
+                                        <p:attrNameLst>
+                                          <p:attrName>style.visibility</p:attrName>
+                                        </p:attrNameLst>
+                                      </p:cBhvr>
+                                      <p:to>
+                                        <p:strVal val="visible"/>
+                                      </p:to>
+                                    </p:set>
+                                    <p:animEffect transition="in" filter="fade">
+                                      <p:cBhvr>
+                                        <p:cTn id="7" dur="500"/>
+                                        <p:tgtEl>
+                                          <p:spTgt spid="5"/>
+                                        </p:tgtEl>
+                                      </p:cBhvr>
+                                    </p:animEffect>
+                                  </p:childTnLst>
+                                </p:cTn>
+                              </p:par>
+                            </p:childTnLst>
+                          </p:cTn>
+                        </p:par>
+                      </p:childTnLst>
+                    </p:cTn>
+                  </p:par>
+                </p:childTnLst>
+              </p:cTn>
+              <p:prevCondLst>
+                <p:cond evt="onPrev" delay="0">
+                  <p:tgtEl>
+                    <p:sldTgt/>
+                  </p:tgtEl>
+                </p:cond>
+              </p:prevCondLst>
+              <p:nextCondLst>
+                <p:cond evt="onNext" delay="0">
+                  <p:tgtEl>
+                    <p:sldTgt/>
+                  </p:tgtEl>
+                </p:cond>
+              </p:nextCondLst>
+            </p:seq>
+          </p:childTnLst>
+        </p:cTn>
+      </p:par>
+    </p:tnLst>
+    <p:bldLst>
+      <p:bldP spid="5" grpId="0" animBg="1"/>
+    </p:bldLst>
+  </p:timing>
+</p:sld>
+</file>
+
+<file path=ppt/slides/slide50.xml><?xml version="1.0" encoding="utf-8"?>
+<p:sld xmlns:a="http://schemas.openxmlformats.org/drawingml/2006/main" xmlns:r="http://schemas.openxmlformats.org/officeDocument/2006/relationships" xmlns:p="http://schemas.openxmlformats.org/presentationml/2006/main">
+  <p:cSld>
+    <p:spTree>
+      <p:nvGrpSpPr>
+        <p:cNvPr id="1" name=""/>
+        <p:cNvGrpSpPr/>
+        <p:nvPr/>
+      </p:nvGrpSpPr>
+      <p:grpSpPr>
+        <a:xfrm>
+          <a:off x="0" y="0"/>
+          <a:ext cx="0" cy="0"/>
+          <a:chOff x="0" y="0"/>
+          <a:chExt cx="0" cy="0"/>
+        </a:xfrm>
+      </p:grpSpPr>
+      <p:pic>
+        <p:nvPicPr>
+          <p:cNvPr id="9" name="Billede 8"/>
+          <p:cNvPicPr>
+            <a:picLocks noChangeAspect="1"/>
+          </p:cNvPicPr>
+          <p:nvPr/>
+        </p:nvPicPr>
+        <p:blipFill>
+          <a:blip r:embed="rId2"/>
+          <a:stretch>
+            <a:fillRect/>
+          </a:stretch>
+        </p:blipFill>
+        <p:spPr>
+          <a:xfrm>
+            <a:off x="877327" y="444067"/>
+            <a:ext cx="10523840" cy="5919660"/>
+          </a:xfrm>
+          <a:prstGeom prst="rect">
+            <a:avLst/>
+          </a:prstGeom>
+        </p:spPr>
+      </p:pic>
       <p:sp>
         <p:nvSpPr>
-          <p:cNvPr id="7" name="Afrundet rektangel 6"/>
+          <p:cNvPr id="6" name="Afrundet rektangel 5"/>
           <p:cNvSpPr/>
           <p:nvPr/>
         </p:nvSpPr>
         <p:spPr>
           <a:xfrm>
-            <a:off x="1824789" y="4309311"/>
+            <a:off x="1093897" y="2696213"/>
             <a:ext cx="3013911" cy="318837"/>
           </a:xfrm>
           <a:prstGeom prst="roundRect">
@@ -13201,21 +11927,24 @@
       </p:sp>
       <p:sp>
         <p:nvSpPr>
-          <p:cNvPr id="8" name="Rektangulær billedforklaring 7"/>
+          <p:cNvPr id="7" name="Afrundet rektangel 6"/>
           <p:cNvSpPr/>
           <p:nvPr/>
         </p:nvSpPr>
         <p:spPr>
           <a:xfrm>
-            <a:off x="4838700" y="1606216"/>
-            <a:ext cx="3216442" cy="1118937"/>
-          </a:xfrm>
-          <a:prstGeom prst="wedgeRectCallout">
-            <a:avLst>
-              <a:gd name="adj1" fmla="val -73506"/>
-              <a:gd name="adj2" fmla="val 1465"/>
-            </a:avLst>
+            <a:off x="1754982" y="4948359"/>
+            <a:ext cx="3013911" cy="426830"/>
+          </a:xfrm>
+          <a:prstGeom prst="roundRect">
+            <a:avLst/>
           </a:prstGeom>
+          <a:noFill/>
+          <a:ln w="76200">
+            <a:solidFill>
+              <a:srgbClr val="FF0000"/>
+            </a:solidFill>
+          </a:ln>
         </p:spPr>
         <p:style>
           <a:lnRef idx="2">
@@ -13237,29 +11966,26 @@
           <a:bodyPr rtlCol="0" anchor="ctr"/>
           <a:lstStyle/>
           <a:p>
-            <a:r>
-              <a:rPr lang="da-DK" sz="2400" smtClean="0"/>
-              <a:t>If you want to update the table definition, then update it…</a:t>
-            </a:r>
-            <a:endParaRPr lang="da-DK" sz="2400"/>
+            <a:pPr algn="ctr"/>
+            <a:endParaRPr lang="da-DK"/>
           </a:p>
         </p:txBody>
       </p:sp>
       <p:sp>
         <p:nvSpPr>
-          <p:cNvPr id="10" name="Rektangulær billedforklaring 9"/>
+          <p:cNvPr id="8" name="Rektangulær billedforklaring 7"/>
           <p:cNvSpPr/>
           <p:nvPr/>
         </p:nvSpPr>
         <p:spPr>
           <a:xfrm>
-            <a:off x="2460455" y="687806"/>
-            <a:ext cx="2378245" cy="806118"/>
+            <a:off x="5246473" y="2296162"/>
+            <a:ext cx="3216442" cy="1118937"/>
           </a:xfrm>
           <a:prstGeom prst="wedgeRectCallout">
             <a:avLst>
-              <a:gd name="adj1" fmla="val -87024"/>
-              <a:gd name="adj2" fmla="val 11401"/>
+              <a:gd name="adj1" fmla="val -73506"/>
+              <a:gd name="adj2" fmla="val 1465"/>
             </a:avLst>
           </a:prstGeom>
         </p:spPr>
@@ -13285,6 +12011,52 @@
           <a:p>
             <a:r>
               <a:rPr lang="da-DK" sz="2400" smtClean="0"/>
+              <a:t>If you want to update the table definition, then update it…</a:t>
+            </a:r>
+            <a:endParaRPr lang="da-DK" sz="2400"/>
+          </a:p>
+        </p:txBody>
+      </p:sp>
+      <p:sp>
+        <p:nvSpPr>
+          <p:cNvPr id="10" name="Rektangulær billedforklaring 9"/>
+          <p:cNvSpPr/>
+          <p:nvPr/>
+        </p:nvSpPr>
+        <p:spPr>
+          <a:xfrm>
+            <a:off x="2390648" y="923441"/>
+            <a:ext cx="2378245" cy="806118"/>
+          </a:xfrm>
+          <a:prstGeom prst="wedgeRectCallout">
+            <a:avLst>
+              <a:gd name="adj1" fmla="val -87024"/>
+              <a:gd name="adj2" fmla="val 11401"/>
+            </a:avLst>
+          </a:prstGeom>
+        </p:spPr>
+        <p:style>
+          <a:lnRef idx="2">
+            <a:schemeClr val="accent1">
+              <a:shade val="50000"/>
+            </a:schemeClr>
+          </a:lnRef>
+          <a:fillRef idx="1">
+            <a:schemeClr val="accent1"/>
+          </a:fillRef>
+          <a:effectRef idx="0">
+            <a:schemeClr val="accent1"/>
+          </a:effectRef>
+          <a:fontRef idx="minor">
+            <a:schemeClr val="lt1"/>
+          </a:fontRef>
+        </p:style>
+        <p:txBody>
+          <a:bodyPr rtlCol="0" anchor="ctr"/>
+          <a:lstStyle/>
+          <a:p>
+            <a:r>
+              <a:rPr lang="da-DK" sz="2400" smtClean="0"/>
               <a:t>…and click on the </a:t>
             </a:r>
             <a:r>
@@ -13309,13 +12081,13 @@
   <p:clrMapOvr>
     <a:masterClrMapping/>
   </p:clrMapOvr>
-  <mc:AlternateContent xmlns:mc="http://schemas.openxmlformats.org/markup-compatibility/2006">
-    <mc:Choice xmlns:p14="http://schemas.microsoft.com/office/powerpoint/2010/main" Requires="p14">
+  <mc:AlternateContent xmlns:mc="http://schemas.openxmlformats.org/markup-compatibility/2006" xmlns:p14="http://schemas.microsoft.com/office/powerpoint/2010/main">
+    <mc:Choice Requires="p14">
       <p:transition spd="med" p14:dur="700">
         <p:fade/>
       </p:transition>
     </mc:Choice>
-    <mc:Fallback>
+    <mc:Fallback xmlns="">
       <p:transition spd="med">
         <p:fade/>
       </p:transition>
@@ -13554,7 +12326,7 @@
 </p:sld>
 </file>
 
-<file path=ppt/slides/slide52.xml><?xml version="1.0" encoding="utf-8"?>
+<file path=ppt/slides/slide51.xml><?xml version="1.0" encoding="utf-8"?>
 <p:sld xmlns:a="http://schemas.openxmlformats.org/drawingml/2006/main" xmlns:r="http://schemas.openxmlformats.org/officeDocument/2006/relationships" xmlns:p="http://schemas.openxmlformats.org/presentationml/2006/main">
   <p:cSld>
     <p:spTree>
@@ -13573,7 +12345,7 @@
       </p:grpSpPr>
       <p:pic>
         <p:nvPicPr>
-          <p:cNvPr id="6" name="Billede 5"/>
+          <p:cNvPr id="2" name="Billede 1"/>
           <p:cNvPicPr>
             <a:picLocks noChangeAspect="1"/>
           </p:cNvPicPr>
@@ -13587,8 +12359,8 @@
         </p:blipFill>
         <p:spPr>
           <a:xfrm>
-            <a:off x="1348788" y="459957"/>
-            <a:ext cx="8082715" cy="5816905"/>
+            <a:off x="2100513" y="448575"/>
+            <a:ext cx="7970244" cy="5735962"/>
           </a:xfrm>
           <a:prstGeom prst="rect">
             <a:avLst/>
@@ -13856,7 +12628,7 @@
 </p:sld>
 </file>
 
-<file path=ppt/slides/slide53.xml><?xml version="1.0" encoding="utf-8"?>
+<file path=ppt/slides/slide52.xml><?xml version="1.0" encoding="utf-8"?>
 <p:sld xmlns:a="http://schemas.openxmlformats.org/drawingml/2006/main" xmlns:r="http://schemas.openxmlformats.org/officeDocument/2006/relationships" xmlns:p="http://schemas.openxmlformats.org/presentationml/2006/main">
   <p:cSld>
     <p:spTree>
@@ -13875,7 +12647,7 @@
       </p:grpSpPr>
       <p:pic>
         <p:nvPicPr>
-          <p:cNvPr id="4" name="Billede 3"/>
+          <p:cNvPr id="2" name="Billede 1"/>
           <p:cNvPicPr>
             <a:picLocks noChangeAspect="1"/>
           </p:cNvPicPr>
@@ -13889,8 +12661,8 @@
         </p:blipFill>
         <p:spPr>
           <a:xfrm>
-            <a:off x="858248" y="354552"/>
-            <a:ext cx="9230231" cy="5192005"/>
+            <a:off x="3985697" y="703820"/>
+            <a:ext cx="2886075" cy="5524500"/>
           </a:xfrm>
           <a:prstGeom prst="rect">
             <a:avLst/>
@@ -13905,13 +12677,13 @@
         </p:nvSpPr>
         <p:spPr>
           <a:xfrm>
-            <a:off x="7772400" y="938462"/>
+            <a:off x="7463481" y="3465418"/>
             <a:ext cx="3648575" cy="1155033"/>
           </a:xfrm>
           <a:prstGeom prst="wedgeRectCallout">
             <a:avLst>
-              <a:gd name="adj1" fmla="val -37190"/>
-              <a:gd name="adj2" fmla="val 122667"/>
+              <a:gd name="adj1" fmla="val -81556"/>
+              <a:gd name="adj2" fmla="val 65967"/>
             </a:avLst>
           </a:prstGeom>
         </p:spPr>
@@ -13957,13 +12729,13 @@
   <p:clrMapOvr>
     <a:masterClrMapping/>
   </p:clrMapOvr>
-  <mc:AlternateContent xmlns:mc="http://schemas.openxmlformats.org/markup-compatibility/2006">
-    <mc:Choice xmlns:p14="http://schemas.microsoft.com/office/powerpoint/2010/main" Requires="p14">
+  <mc:AlternateContent xmlns:mc="http://schemas.openxmlformats.org/markup-compatibility/2006" xmlns:p14="http://schemas.microsoft.com/office/powerpoint/2010/main">
+    <mc:Choice Requires="p14">
       <p:transition spd="med" p14:dur="700">
         <p:fade/>
       </p:transition>
     </mc:Choice>
-    <mc:Fallback>
+    <mc:Fallback xmlns="">
       <p:transition spd="med">
         <p:fade/>
       </p:transition>
@@ -14058,7 +12830,7 @@
 </p:sld>
 </file>
 
-<file path=ppt/slides/slide54.xml><?xml version="1.0" encoding="utf-8"?>
+<file path=ppt/slides/slide53.xml><?xml version="1.0" encoding="utf-8"?>
 <p:sld xmlns:a="http://schemas.openxmlformats.org/drawingml/2006/main" xmlns:r="http://schemas.openxmlformats.org/officeDocument/2006/relationships" xmlns:p="http://schemas.openxmlformats.org/presentationml/2006/main">
   <p:cSld>
     <p:spTree>
@@ -14258,7 +13030,7 @@
 </p:sld>
 </file>
 
-<file path=ppt/slides/slide55.xml><?xml version="1.0" encoding="utf-8"?>
+<file path=ppt/slides/slide54.xml><?xml version="1.0" encoding="utf-8"?>
 <p:sld xmlns:a="http://schemas.openxmlformats.org/drawingml/2006/main" xmlns:r="http://schemas.openxmlformats.org/officeDocument/2006/relationships" xmlns:p="http://schemas.openxmlformats.org/presentationml/2006/main">
   <p:cSld>
     <p:spTree>
@@ -14277,7 +13049,7 @@
       </p:grpSpPr>
       <p:pic>
         <p:nvPicPr>
-          <p:cNvPr id="5" name="Billede 4"/>
+          <p:cNvPr id="2" name="Billede 1"/>
           <p:cNvPicPr>
             <a:picLocks noChangeAspect="1"/>
           </p:cNvPicPr>
@@ -14291,69 +13063,8 @@
         </p:blipFill>
         <p:spPr>
           <a:xfrm>
-            <a:off x="858248" y="354552"/>
-            <a:ext cx="9239032" cy="5192005"/>
-          </a:xfrm>
-          <a:prstGeom prst="rect">
-            <a:avLst/>
-          </a:prstGeom>
-        </p:spPr>
-      </p:pic>
-    </p:spTree>
-    <p:extLst>
-      <p:ext uri="{BB962C8B-B14F-4D97-AF65-F5344CB8AC3E}">
-        <p14:creationId xmlns:p14="http://schemas.microsoft.com/office/powerpoint/2010/main" val="2292604533"/>
-      </p:ext>
-    </p:extLst>
-  </p:cSld>
-  <p:clrMapOvr>
-    <a:masterClrMapping/>
-  </p:clrMapOvr>
-  <p:timing>
-    <p:tnLst>
-      <p:par>
-        <p:cTn id="1" dur="indefinite" restart="never" nodeType="tmRoot"/>
-      </p:par>
-    </p:tnLst>
-  </p:timing>
-</p:sld>
-</file>
-
-<file path=ppt/slides/slide56.xml><?xml version="1.0" encoding="utf-8"?>
-<p:sld xmlns:a="http://schemas.openxmlformats.org/drawingml/2006/main" xmlns:r="http://schemas.openxmlformats.org/officeDocument/2006/relationships" xmlns:p="http://schemas.openxmlformats.org/presentationml/2006/main">
-  <p:cSld>
-    <p:spTree>
-      <p:nvGrpSpPr>
-        <p:cNvPr id="1" name=""/>
-        <p:cNvGrpSpPr/>
-        <p:nvPr/>
-      </p:nvGrpSpPr>
-      <p:grpSpPr>
-        <a:xfrm>
-          <a:off x="0" y="0"/>
-          <a:ext cx="0" cy="0"/>
-          <a:chOff x="0" y="0"/>
-          <a:chExt cx="0" cy="0"/>
-        </a:xfrm>
-      </p:grpSpPr>
-      <p:pic>
-        <p:nvPicPr>
-          <p:cNvPr id="8" name="Billede 7"/>
-          <p:cNvPicPr>
-            <a:picLocks noChangeAspect="1"/>
-          </p:cNvPicPr>
-          <p:nvPr/>
-        </p:nvPicPr>
-        <p:blipFill>
-          <a:blip r:embed="rId2"/>
-          <a:stretch>
-            <a:fillRect/>
-          </a:stretch>
-        </p:blipFill>
-        <p:spPr>
-          <a:xfrm>
-            <a:off x="1348787" y="469596"/>
-            <a:ext cx="8082715" cy="5816905"/>
+            <a:off x="1757491" y="399149"/>
+            <a:ext cx="8226768" cy="5920576"/>
           </a:xfrm>
           <a:prstGeom prst="rect">
             <a:avLst/>
@@ -14368,7 +13079,7 @@
         </p:nvSpPr>
         <p:spPr>
           <a:xfrm>
-            <a:off x="4806616" y="3639552"/>
+            <a:off x="5387383" y="3713692"/>
             <a:ext cx="2664993" cy="1509964"/>
           </a:xfrm>
           <a:prstGeom prst="wedgeRectCallout">
@@ -14513,7 +13224,7 @@
 </p:sld>
 </file>
 
-<file path=ppt/slides/slide57.xml><?xml version="1.0" encoding="utf-8"?>
+<file path=ppt/slides/slide55.xml><?xml version="1.0" encoding="utf-8"?>
 <p:sld xmlns:a="http://schemas.openxmlformats.org/drawingml/2006/main" xmlns:r="http://schemas.openxmlformats.org/officeDocument/2006/relationships" xmlns:p="http://schemas.openxmlformats.org/presentationml/2006/main">
   <p:cSld>
     <p:spTree>
@@ -14532,7 +13243,7 @@
       </p:grpSpPr>
       <p:pic>
         <p:nvPicPr>
-          <p:cNvPr id="5" name="Billede 4"/>
+          <p:cNvPr id="7" name="Billede 6"/>
           <p:cNvPicPr>
             <a:picLocks noChangeAspect="1"/>
           </p:cNvPicPr>
@@ -14546,8 +13257,8 @@
         </p:blipFill>
         <p:spPr>
           <a:xfrm>
-            <a:off x="858248" y="354552"/>
-            <a:ext cx="9239032" cy="5196956"/>
+            <a:off x="877327" y="444067"/>
+            <a:ext cx="10523840" cy="5919660"/>
           </a:xfrm>
           <a:prstGeom prst="rect">
             <a:avLst/>
@@ -14562,8 +13273,8 @@
         </p:nvSpPr>
         <p:spPr>
           <a:xfrm>
-            <a:off x="7628020" y="2809374"/>
-            <a:ext cx="1042737" cy="415089"/>
+            <a:off x="9656088" y="2994725"/>
+            <a:ext cx="1267285" cy="638161"/>
           </a:xfrm>
           <a:prstGeom prst="roundRect">
             <a:avLst/>
@@ -14623,8 +13334,8 @@
         </p:blipFill>
         <p:spPr bwMode="auto">
           <a:xfrm>
-            <a:off x="9125951" y="3271184"/>
-            <a:ext cx="2491539" cy="991633"/>
+            <a:off x="7124157" y="5362833"/>
+            <a:ext cx="3053300" cy="1215214"/>
           </a:xfrm>
           <a:prstGeom prst="rect">
             <a:avLst/>
@@ -15094,13 +13805,13 @@
   <p:clrMapOvr>
     <a:masterClrMapping/>
   </p:clrMapOvr>
-  <mc:AlternateContent xmlns:mc="http://schemas.openxmlformats.org/markup-compatibility/2006">
-    <mc:Choice xmlns:p14="http://schemas.microsoft.com/office/powerpoint/2010/main" Requires="p14">
+  <mc:AlternateContent xmlns:mc="http://schemas.openxmlformats.org/markup-compatibility/2006" xmlns:p14="http://schemas.microsoft.com/office/powerpoint/2010/main">
+    <mc:Choice Requires="p14">
       <p:transition spd="med" p14:dur="700">
         <p:fade/>
       </p:transition>
     </mc:Choice>
-    <mc:Fallback>
+    <mc:Fallback xmlns="">
       <p:transition spd="med">
         <p:fade/>
       </p:transition>
@@ -15238,16 +13949,16 @@
       </p:pic>
       <p:sp>
         <p:nvSpPr>
-          <p:cNvPr id="2" name="Ellipse 1"/>
+          <p:cNvPr id="4" name="Afrundet rektangel 3"/>
           <p:cNvSpPr/>
           <p:nvPr/>
         </p:nvSpPr>
         <p:spPr>
           <a:xfrm>
-            <a:off x="2658979" y="1979195"/>
-            <a:ext cx="1744579" cy="713623"/>
-          </a:xfrm>
-          <a:prstGeom prst="ellipse">
+            <a:off x="2807907" y="2070019"/>
+            <a:ext cx="1368675" cy="512543"/>
+          </a:xfrm>
+          <a:prstGeom prst="roundRect">
             <a:avLst/>
           </a:prstGeom>
           <a:noFill/>
@@ -15326,7 +14037,7 @@
                                           </p:stCondLst>
                                         </p:cTn>
                                         <p:tgtEl>
-                                          <p:spTgt spid="2"/>
+                                          <p:spTgt spid="4"/>
                                         </p:tgtEl>
                                         <p:attrNameLst>
                                           <p:attrName>style.visibility</p:attrName>
@@ -15340,7 +14051,7 @@
                                       <p:cBhvr>
                                         <p:cTn id="7" dur="500"/>
                                         <p:tgtEl>
-                                          <p:spTgt spid="2"/>
+                                          <p:spTgt spid="4"/>
                                         </p:tgtEl>
                                       </p:cBhvr>
                                     </p:animEffect>
@@ -15375,7 +14086,7 @@
       </p:par>
     </p:tnLst>
     <p:bldLst>
-      <p:bldP spid="2" grpId="0" animBg="1"/>
+      <p:bldP spid="4" grpId="0" animBg="1"/>
     </p:bldLst>
   </p:timing>
 </p:sld>
@@ -15424,16 +14135,16 @@
       </p:pic>
       <p:sp>
         <p:nvSpPr>
-          <p:cNvPr id="5" name="Ellipse 4"/>
+          <p:cNvPr id="4" name="Afrundet rektangel 3"/>
           <p:cNvSpPr/>
           <p:nvPr/>
         </p:nvSpPr>
         <p:spPr>
           <a:xfrm>
-            <a:off x="2713121" y="3669632"/>
-            <a:ext cx="1744579" cy="713623"/>
-          </a:xfrm>
-          <a:prstGeom prst="ellipse">
+            <a:off x="2746123" y="3787607"/>
+            <a:ext cx="1368675" cy="512543"/>
+          </a:xfrm>
+          <a:prstGeom prst="roundRect">
             <a:avLst/>
           </a:prstGeom>
           <a:noFill/>
@@ -15512,7 +14223,7 @@
                                           </p:stCondLst>
                                         </p:cTn>
                                         <p:tgtEl>
-                                          <p:spTgt spid="5"/>
+                                          <p:spTgt spid="4"/>
                                         </p:tgtEl>
                                         <p:attrNameLst>
                                           <p:attrName>style.visibility</p:attrName>
@@ -15526,7 +14237,7 @@
                                       <p:cBhvr>
                                         <p:cTn id="7" dur="500"/>
                                         <p:tgtEl>
-                                          <p:spTgt spid="5"/>
+                                          <p:spTgt spid="4"/>
                                         </p:tgtEl>
                                       </p:cBhvr>
                                     </p:animEffect>
@@ -15561,7 +14272,7 @@
       </p:par>
     </p:tnLst>
     <p:bldLst>
-      <p:bldP spid="5" grpId="0" animBg="1"/>
+      <p:bldP spid="4" grpId="0" animBg="1"/>
     </p:bldLst>
   </p:timing>
 </p:sld>

--- a/Chap/DB/Presentations/DBandVS.pptx
+++ b/Chap/DB/Presentations/DBandVS.pptx
@@ -297,7 +297,7 @@
           <a:p>
             <a:fld id="{E15B7D8E-2A20-4C0E-991C-872DBB7459A8}" type="datetimeFigureOut">
               <a:rPr lang="da-DK" smtClean="0"/>
-              <a:t>29-09-2018</a:t>
+              <a:t>30-09-2018</a:t>
             </a:fld>
             <a:endParaRPr lang="da-DK"/>
           </a:p>
@@ -467,7 +467,7 @@
           <a:p>
             <a:fld id="{E15B7D8E-2A20-4C0E-991C-872DBB7459A8}" type="datetimeFigureOut">
               <a:rPr lang="da-DK" smtClean="0"/>
-              <a:t>29-09-2018</a:t>
+              <a:t>30-09-2018</a:t>
             </a:fld>
             <a:endParaRPr lang="da-DK"/>
           </a:p>
@@ -647,7 +647,7 @@
           <a:p>
             <a:fld id="{E15B7D8E-2A20-4C0E-991C-872DBB7459A8}" type="datetimeFigureOut">
               <a:rPr lang="da-DK" smtClean="0"/>
-              <a:t>29-09-2018</a:t>
+              <a:t>30-09-2018</a:t>
             </a:fld>
             <a:endParaRPr lang="da-DK"/>
           </a:p>
@@ -817,7 +817,7 @@
           <a:p>
             <a:fld id="{E15B7D8E-2A20-4C0E-991C-872DBB7459A8}" type="datetimeFigureOut">
               <a:rPr lang="da-DK" smtClean="0"/>
-              <a:t>29-09-2018</a:t>
+              <a:t>30-09-2018</a:t>
             </a:fld>
             <a:endParaRPr lang="da-DK"/>
           </a:p>
@@ -1063,7 +1063,7 @@
           <a:p>
             <a:fld id="{E15B7D8E-2A20-4C0E-991C-872DBB7459A8}" type="datetimeFigureOut">
               <a:rPr lang="da-DK" smtClean="0"/>
-              <a:t>29-09-2018</a:t>
+              <a:t>30-09-2018</a:t>
             </a:fld>
             <a:endParaRPr lang="da-DK"/>
           </a:p>
@@ -1295,7 +1295,7 @@
           <a:p>
             <a:fld id="{E15B7D8E-2A20-4C0E-991C-872DBB7459A8}" type="datetimeFigureOut">
               <a:rPr lang="da-DK" smtClean="0"/>
-              <a:t>29-09-2018</a:t>
+              <a:t>30-09-2018</a:t>
             </a:fld>
             <a:endParaRPr lang="da-DK"/>
           </a:p>
@@ -1662,7 +1662,7 @@
           <a:p>
             <a:fld id="{E15B7D8E-2A20-4C0E-991C-872DBB7459A8}" type="datetimeFigureOut">
               <a:rPr lang="da-DK" smtClean="0"/>
-              <a:t>29-09-2018</a:t>
+              <a:t>30-09-2018</a:t>
             </a:fld>
             <a:endParaRPr lang="da-DK"/>
           </a:p>
@@ -1780,7 +1780,7 @@
           <a:p>
             <a:fld id="{E15B7D8E-2A20-4C0E-991C-872DBB7459A8}" type="datetimeFigureOut">
               <a:rPr lang="da-DK" smtClean="0"/>
-              <a:t>29-09-2018</a:t>
+              <a:t>30-09-2018</a:t>
             </a:fld>
             <a:endParaRPr lang="da-DK"/>
           </a:p>
@@ -1875,7 +1875,7 @@
           <a:p>
             <a:fld id="{E15B7D8E-2A20-4C0E-991C-872DBB7459A8}" type="datetimeFigureOut">
               <a:rPr lang="da-DK" smtClean="0"/>
-              <a:t>29-09-2018</a:t>
+              <a:t>30-09-2018</a:t>
             </a:fld>
             <a:endParaRPr lang="da-DK"/>
           </a:p>
@@ -2152,7 +2152,7 @@
           <a:p>
             <a:fld id="{E15B7D8E-2A20-4C0E-991C-872DBB7459A8}" type="datetimeFigureOut">
               <a:rPr lang="da-DK" smtClean="0"/>
-              <a:t>29-09-2018</a:t>
+              <a:t>30-09-2018</a:t>
             </a:fld>
             <a:endParaRPr lang="da-DK"/>
           </a:p>
@@ -2405,7 +2405,7 @@
           <a:p>
             <a:fld id="{E15B7D8E-2A20-4C0E-991C-872DBB7459A8}" type="datetimeFigureOut">
               <a:rPr lang="da-DK" smtClean="0"/>
-              <a:t>29-09-2018</a:t>
+              <a:t>30-09-2018</a:t>
             </a:fld>
             <a:endParaRPr lang="da-DK"/>
           </a:p>
@@ -2618,7 +2618,7 @@
           <a:p>
             <a:fld id="{E15B7D8E-2A20-4C0E-991C-872DBB7459A8}" type="datetimeFigureOut">
               <a:rPr lang="da-DK" smtClean="0"/>
-              <a:t>29-09-2018</a:t>
+              <a:t>30-09-2018</a:t>
             </a:fld>
             <a:endParaRPr lang="da-DK"/>
           </a:p>
@@ -4828,19 +4828,7 @@
             </a:r>
             <a:r>
               <a:rPr lang="da-DK" sz="2400" smtClean="0"/>
-              <a:t> </a:t>
-            </a:r>
-            <a:r>
-              <a:rPr lang="da-DK" sz="2400" smtClean="0"/>
-              <a:t>new </a:t>
-            </a:r>
-            <a:r>
-              <a:rPr lang="da-DK" sz="2400" smtClean="0"/>
-              <a:t>table has been </a:t>
-            </a:r>
-            <a:r>
-              <a:rPr lang="da-DK" sz="2400" smtClean="0"/>
-              <a:t>added to MyFirstDB </a:t>
+              <a:t> new table has been added to MyFirstDB </a:t>
             </a:r>
             <a:r>
               <a:rPr lang="da-DK" sz="2400" smtClean="0">
@@ -5191,7 +5179,15 @@
             <a:pPr lvl="1"/>
             <a:r>
               <a:rPr lang="da-DK" sz="2800" smtClean="0"/>
-              <a:t>Create tables, row, etc. by using a given database </a:t>
+              <a:t>Create tables, </a:t>
+            </a:r>
+            <a:r>
+              <a:rPr lang="da-DK" sz="2800" smtClean="0"/>
+              <a:t>rows, </a:t>
+            </a:r>
+            <a:r>
+              <a:rPr lang="da-DK" sz="2800" smtClean="0"/>
+              <a:t>etc. by using a given database </a:t>
             </a:r>
             <a:r>
               <a:rPr lang="da-DK" sz="2800" b="1" smtClean="0"/>
@@ -5309,11 +5305,7 @@
             </a:r>
             <a:r>
               <a:rPr lang="da-DK" sz="2400" smtClean="0"/>
-              <a:t> </a:t>
-            </a:r>
-            <a:r>
-              <a:rPr lang="da-DK" sz="2400" smtClean="0"/>
-              <a:t>table, and choose </a:t>
+              <a:t> table, and choose </a:t>
             </a:r>
             <a:r>
               <a:rPr lang="da-DK" sz="2400" b="1" smtClean="0"/>
@@ -5511,19 +5503,7 @@
             </a:r>
             <a:r>
               <a:rPr lang="da-DK" sz="2400" smtClean="0"/>
-              <a:t> </a:t>
-            </a:r>
-            <a:r>
-              <a:rPr lang="da-DK" sz="2400" smtClean="0"/>
-              <a:t>table contains </a:t>
-            </a:r>
-            <a:r>
-              <a:rPr lang="da-DK" sz="2400" smtClean="0"/>
-              <a:t>15 </a:t>
-            </a:r>
-            <a:r>
-              <a:rPr lang="da-DK" sz="2400" smtClean="0"/>
-              <a:t>rows</a:t>
+              <a:t> table contains 15 rows</a:t>
             </a:r>
             <a:endParaRPr lang="da-DK" sz="2400" b="1"/>
           </a:p>
@@ -5725,13 +5705,13 @@
   <p:clrMapOvr>
     <a:masterClrMapping/>
   </p:clrMapOvr>
-  <mc:AlternateContent xmlns:mc="http://schemas.openxmlformats.org/markup-compatibility/2006">
-    <mc:Choice xmlns:p14="http://schemas.microsoft.com/office/powerpoint/2010/main" Requires="p14">
+  <mc:AlternateContent xmlns:mc="http://schemas.openxmlformats.org/markup-compatibility/2006" xmlns:p14="http://schemas.microsoft.com/office/powerpoint/2010/main">
+    <mc:Choice Requires="p14">
       <p:transition spd="med" p14:dur="700">
         <p:fade/>
       </p:transition>
     </mc:Choice>
-    <mc:Fallback>
+    <mc:Fallback xmlns="">
       <p:transition spd="med">
         <p:fade/>
       </p:transition>
@@ -6022,11 +6002,7 @@
             </a:r>
             <a:r>
               <a:rPr lang="da-DK" sz="2400" smtClean="0"/>
-              <a:t> </a:t>
-            </a:r>
-            <a:r>
-              <a:rPr lang="da-DK" sz="2400" smtClean="0"/>
-              <a:t>table, and choose </a:t>
+              <a:t> table, and choose </a:t>
             </a:r>
             <a:r>
               <a:rPr lang="da-DK" sz="2400" b="1" smtClean="0"/>
@@ -6224,11 +6200,7 @@
             </a:r>
             <a:r>
               <a:rPr lang="da-DK" sz="2400" smtClean="0"/>
-              <a:t> </a:t>
-            </a:r>
-            <a:r>
-              <a:rPr lang="da-DK" sz="2400" smtClean="0"/>
-              <a:t>table (designer view)</a:t>
+              <a:t> table (designer view)</a:t>
             </a:r>
             <a:endParaRPr lang="da-DK" sz="2400" b="1"/>
           </a:p>
@@ -6522,11 +6494,7 @@
             </a:r>
             <a:r>
               <a:rPr lang="da-DK" sz="2400" smtClean="0"/>
-              <a:t> </a:t>
-            </a:r>
-            <a:r>
-              <a:rPr lang="da-DK" sz="2400" smtClean="0"/>
-              <a:t>table (SQL code view)</a:t>
+              <a:t> table (SQL code view)</a:t>
             </a:r>
             <a:endParaRPr lang="da-DK" sz="2400" b="1"/>
           </a:p>
@@ -8213,11 +8181,7 @@
           <a:p>
             <a:r>
               <a:rPr lang="da-DK" sz="2400" smtClean="0"/>
-              <a:t>Main SQL </a:t>
-            </a:r>
-            <a:r>
-              <a:rPr lang="da-DK" sz="2400" smtClean="0"/>
-              <a:t>keywords in blue </a:t>
+              <a:t>Main SQL keywords in blue </a:t>
             </a:r>
             <a:endParaRPr lang="da-DK" sz="2400" b="1"/>
           </a:p>
